--- a/Presentation1.pptx
+++ b/Presentation1.pptx
@@ -6,6 +6,14 @@
   </p:sldMasterIdLst>
   <p:sldIdLst>
     <p:sldId id="256" r:id="rId2"/>
+    <p:sldId id="258" r:id="rId3"/>
+    <p:sldId id="259" r:id="rId4"/>
+    <p:sldId id="260" r:id="rId5"/>
+    <p:sldId id="262" r:id="rId6"/>
+    <p:sldId id="263" r:id="rId7"/>
+    <p:sldId id="264" r:id="rId8"/>
+    <p:sldId id="265" r:id="rId9"/>
+    <p:sldId id="257" r:id="rId10"/>
   </p:sldIdLst>
   <p:sldSz cx="12192000" cy="6858000"/>
   <p:notesSz cx="6858000" cy="9144000"/>
@@ -104,6 +112,11 @@
       </a:defRPr>
     </a:lvl9pPr>
   </p:defaultTextStyle>
+  <p:extLst>
+    <p:ext uri="{EFAFB233-063F-42B5-8137-9DF3F51BA10A}">
+      <p15:sldGuideLst xmlns:p15="http://schemas.microsoft.com/office/powerpoint/2012/main"/>
+    </p:ext>
+  </p:extLst>
 </p:presentation>
 </file>
 
@@ -254,7 +267,7 @@
           <a:p>
             <a:fld id="{162E55E0-BDB4-9043-BF1D-478246A6851D}" type="datetimeFigureOut">
               <a:rPr lang="en-US" smtClean="0"/>
-              <a:t>10/4/20</a:t>
+              <a:t>10/5/20</a:t>
             </a:fld>
             <a:endParaRPr lang="en-US"/>
           </a:p>
@@ -452,7 +465,7 @@
           <a:p>
             <a:fld id="{162E55E0-BDB4-9043-BF1D-478246A6851D}" type="datetimeFigureOut">
               <a:rPr lang="en-US" smtClean="0"/>
-              <a:t>10/4/20</a:t>
+              <a:t>10/5/20</a:t>
             </a:fld>
             <a:endParaRPr lang="en-US"/>
           </a:p>
@@ -660,7 +673,7 @@
           <a:p>
             <a:fld id="{162E55E0-BDB4-9043-BF1D-478246A6851D}" type="datetimeFigureOut">
               <a:rPr lang="en-US" smtClean="0"/>
-              <a:t>10/4/20</a:t>
+              <a:t>10/5/20</a:t>
             </a:fld>
             <a:endParaRPr lang="en-US"/>
           </a:p>
@@ -858,7 +871,7 @@
           <a:p>
             <a:fld id="{162E55E0-BDB4-9043-BF1D-478246A6851D}" type="datetimeFigureOut">
               <a:rPr lang="en-US" smtClean="0"/>
-              <a:t>10/4/20</a:t>
+              <a:t>10/5/20</a:t>
             </a:fld>
             <a:endParaRPr lang="en-US"/>
           </a:p>
@@ -1133,7 +1146,7 @@
           <a:p>
             <a:fld id="{162E55E0-BDB4-9043-BF1D-478246A6851D}" type="datetimeFigureOut">
               <a:rPr lang="en-US" smtClean="0"/>
-              <a:t>10/4/20</a:t>
+              <a:t>10/5/20</a:t>
             </a:fld>
             <a:endParaRPr lang="en-US"/>
           </a:p>
@@ -1398,7 +1411,7 @@
           <a:p>
             <a:fld id="{162E55E0-BDB4-9043-BF1D-478246A6851D}" type="datetimeFigureOut">
               <a:rPr lang="en-US" smtClean="0"/>
-              <a:t>10/4/20</a:t>
+              <a:t>10/5/20</a:t>
             </a:fld>
             <a:endParaRPr lang="en-US"/>
           </a:p>
@@ -1810,7 +1823,7 @@
           <a:p>
             <a:fld id="{162E55E0-BDB4-9043-BF1D-478246A6851D}" type="datetimeFigureOut">
               <a:rPr lang="en-US" smtClean="0"/>
-              <a:t>10/4/20</a:t>
+              <a:t>10/5/20</a:t>
             </a:fld>
             <a:endParaRPr lang="en-US"/>
           </a:p>
@@ -1951,7 +1964,7 @@
           <a:p>
             <a:fld id="{162E55E0-BDB4-9043-BF1D-478246A6851D}" type="datetimeFigureOut">
               <a:rPr lang="en-US" smtClean="0"/>
-              <a:t>10/4/20</a:t>
+              <a:t>10/5/20</a:t>
             </a:fld>
             <a:endParaRPr lang="en-US"/>
           </a:p>
@@ -2064,7 +2077,7 @@
           <a:p>
             <a:fld id="{162E55E0-BDB4-9043-BF1D-478246A6851D}" type="datetimeFigureOut">
               <a:rPr lang="en-US" smtClean="0"/>
-              <a:t>10/4/20</a:t>
+              <a:t>10/5/20</a:t>
             </a:fld>
             <a:endParaRPr lang="en-US"/>
           </a:p>
@@ -2375,7 +2388,7 @@
           <a:p>
             <a:fld id="{162E55E0-BDB4-9043-BF1D-478246A6851D}" type="datetimeFigureOut">
               <a:rPr lang="en-US" smtClean="0"/>
-              <a:t>10/4/20</a:t>
+              <a:t>10/5/20</a:t>
             </a:fld>
             <a:endParaRPr lang="en-US"/>
           </a:p>
@@ -2663,7 +2676,7 @@
           <a:p>
             <a:fld id="{162E55E0-BDB4-9043-BF1D-478246A6851D}" type="datetimeFigureOut">
               <a:rPr lang="en-US" smtClean="0"/>
-              <a:t>10/4/20</a:t>
+              <a:t>10/5/20</a:t>
             </a:fld>
             <a:endParaRPr lang="en-US"/>
           </a:p>
@@ -2904,7 +2917,7 @@
           <a:p>
             <a:fld id="{162E55E0-BDB4-9043-BF1D-478246A6851D}" type="datetimeFigureOut">
               <a:rPr lang="en-US" smtClean="0"/>
-              <a:t>10/4/20</a:t>
+              <a:t>10/5/20</a:t>
             </a:fld>
             <a:endParaRPr lang="en-US"/>
           </a:p>
@@ -5569,6 +5582,1745 @@
 </p:sld>
 </file>
 
+<file path=ppt/slides/slide2.xml><?xml version="1.0" encoding="utf-8"?>
+<p:sld xmlns:a="http://schemas.openxmlformats.org/drawingml/2006/main" xmlns:r="http://schemas.openxmlformats.org/officeDocument/2006/relationships" xmlns:p="http://schemas.openxmlformats.org/presentationml/2006/main">
+  <p:cSld>
+    <p:spTree>
+      <p:nvGrpSpPr>
+        <p:cNvPr id="1" name=""/>
+        <p:cNvGrpSpPr/>
+        <p:nvPr/>
+      </p:nvGrpSpPr>
+      <p:grpSpPr>
+        <a:xfrm>
+          <a:off x="0" y="0"/>
+          <a:ext cx="0" cy="0"/>
+          <a:chOff x="0" y="0"/>
+          <a:chExt cx="0" cy="0"/>
+        </a:xfrm>
+      </p:grpSpPr>
+      <p:sp>
+        <p:nvSpPr>
+          <p:cNvPr id="2" name="Title 1">
+            <a:extLst>
+              <a:ext uri="{FF2B5EF4-FFF2-40B4-BE49-F238E27FC236}">
+                <a16:creationId xmlns:a16="http://schemas.microsoft.com/office/drawing/2014/main" id="{D00AB4EC-1C85-0D4C-ACE1-78AE5B4E5248}"/>
+              </a:ext>
+            </a:extLst>
+          </p:cNvPr>
+          <p:cNvSpPr>
+            <a:spLocks noGrp="1"/>
+          </p:cNvSpPr>
+          <p:nvPr>
+            <p:ph type="title"/>
+          </p:nvPr>
+        </p:nvSpPr>
+        <p:spPr/>
+        <p:txBody>
+          <a:bodyPr/>
+          <a:lstStyle/>
+          <a:p>
+            <a:pPr algn="ctr"/>
+            <a:r>
+              <a:rPr lang="en-US" b="1" dirty="0"/>
+              <a:t>Introduction</a:t>
+            </a:r>
+          </a:p>
+        </p:txBody>
+      </p:sp>
+      <p:sp>
+        <p:nvSpPr>
+          <p:cNvPr id="3" name="Content Placeholder 2">
+            <a:extLst>
+              <a:ext uri="{FF2B5EF4-FFF2-40B4-BE49-F238E27FC236}">
+                <a16:creationId xmlns:a16="http://schemas.microsoft.com/office/drawing/2014/main" id="{E375947E-8FB7-C44F-942A-4C20A02B9D24}"/>
+              </a:ext>
+            </a:extLst>
+          </p:cNvPr>
+          <p:cNvSpPr>
+            <a:spLocks noGrp="1"/>
+          </p:cNvSpPr>
+          <p:nvPr>
+            <p:ph idx="1"/>
+          </p:nvPr>
+        </p:nvSpPr>
+        <p:spPr>
+          <a:xfrm>
+            <a:off x="838200" y="1825625"/>
+            <a:ext cx="10515600" cy="4667250"/>
+          </a:xfrm>
+        </p:spPr>
+        <p:txBody>
+          <a:bodyPr>
+            <a:normAutofit fontScale="85000" lnSpcReduction="20000"/>
+          </a:bodyPr>
+          <a:lstStyle/>
+          <a:p>
+            <a:r>
+              <a:rPr lang="en-US" dirty="0"/>
+              <a:t>The International Water Development Agency  has asked me to analyze existing data on the ongoing water crisis in the country of Tanzania, specifically involving the water points.   </a:t>
+            </a:r>
+          </a:p>
+          <a:p>
+            <a:r>
+              <a:rPr lang="en-US" dirty="0"/>
+              <a:t>I will  provide the Agency with analysis of the facts and factors which had the most impact on the condition of the wells and recommendations on which factors merit continuing, improvement or discontinuing in an effort to increase the level of functioning wells. </a:t>
+            </a:r>
+          </a:p>
+          <a:p>
+            <a:r>
+              <a:rPr lang="en-US" dirty="0"/>
+              <a:t>I will create classification models to predict the condition of water wells based on  features will be functioning, non-functioning, or functioning but requiring repairs.  This is a multi-class classification model. </a:t>
+            </a:r>
+          </a:p>
+          <a:p>
+            <a:r>
+              <a:rPr lang="en-US" dirty="0"/>
+              <a:t>I worked with a dataset containing 59,400 data points and 40 features.  Features contain information such as entities that installed wells, when wells were installed, location of water wells to the water quality of the wells.  </a:t>
+            </a:r>
+          </a:p>
+          <a:p>
+            <a:r>
+              <a:rPr lang="en-US" dirty="0"/>
+              <a:t>Dataset covers time period 1960 – 2013.</a:t>
+            </a:r>
+          </a:p>
+          <a:p>
+            <a:endParaRPr lang="en-US" dirty="0"/>
+          </a:p>
+        </p:txBody>
+      </p:sp>
+    </p:spTree>
+    <p:extLst>
+      <p:ext uri="{BB962C8B-B14F-4D97-AF65-F5344CB8AC3E}">
+        <p14:creationId xmlns:p14="http://schemas.microsoft.com/office/powerpoint/2010/main" val="4117908804"/>
+      </p:ext>
+    </p:extLst>
+  </p:cSld>
+  <p:clrMapOvr>
+    <a:masterClrMapping/>
+  </p:clrMapOvr>
+</p:sld>
+</file>
+
+<file path=ppt/slides/slide3.xml><?xml version="1.0" encoding="utf-8"?>
+<p:sld xmlns:a="http://schemas.openxmlformats.org/drawingml/2006/main" xmlns:r="http://schemas.openxmlformats.org/officeDocument/2006/relationships" xmlns:p="http://schemas.openxmlformats.org/presentationml/2006/main">
+  <p:cSld>
+    <p:bg>
+      <p:bgPr>
+        <a:solidFill>
+          <a:schemeClr val="bg1"/>
+        </a:solidFill>
+        <a:effectLst/>
+      </p:bgPr>
+    </p:bg>
+    <p:spTree>
+      <p:nvGrpSpPr>
+        <p:cNvPr id="1" name=""/>
+        <p:cNvGrpSpPr/>
+        <p:nvPr/>
+      </p:nvGrpSpPr>
+      <p:grpSpPr>
+        <a:xfrm>
+          <a:off x="0" y="0"/>
+          <a:ext cx="0" cy="0"/>
+          <a:chOff x="0" y="0"/>
+          <a:chExt cx="0" cy="0"/>
+        </a:xfrm>
+      </p:grpSpPr>
+      <p:sp useBgFill="1">
+        <p:nvSpPr>
+          <p:cNvPr id="12" name="Rectangle 11">
+            <a:extLst>
+              <a:ext uri="{FF2B5EF4-FFF2-40B4-BE49-F238E27FC236}">
+                <a16:creationId xmlns:a16="http://schemas.microsoft.com/office/drawing/2014/main" id="{9427AF5F-9A0E-42B7-A252-FD64C9885F9C}"/>
+              </a:ext>
+              <a:ext uri="{C183D7F6-B498-43B3-948B-1728B52AA6E4}">
+                <adec:decorative xmlns:adec="http://schemas.microsoft.com/office/drawing/2017/decorative" val="1"/>
+              </a:ext>
+            </a:extLst>
+          </p:cNvPr>
+          <p:cNvSpPr>
+            <a:spLocks noGrp="1" noRot="1" noChangeAspect="1" noMove="1" noResize="1" noEditPoints="1" noAdjustHandles="1" noChangeArrowheads="1" noChangeShapeType="1" noTextEdit="1"/>
+          </p:cNvSpPr>
+          <p:nvPr>
+            <p:extLst>
+              <p:ext uri="{386F3935-93C4-4BCD-93E2-E3B085C9AB24}">
+                <p16:designElem xmlns:p16="http://schemas.microsoft.com/office/powerpoint/2015/main" val="1"/>
+              </p:ext>
+            </p:extLst>
+          </p:nvPr>
+        </p:nvSpPr>
+        <p:spPr>
+          <a:xfrm>
+            <a:off x="-1" y="0"/>
+            <a:ext cx="12188952" cy="6858000"/>
+          </a:xfrm>
+          <a:prstGeom prst="rect">
+            <a:avLst/>
+          </a:prstGeom>
+          <a:ln>
+            <a:noFill/>
+          </a:ln>
+        </p:spPr>
+        <p:style>
+          <a:lnRef idx="2">
+            <a:schemeClr val="accent1">
+              <a:shade val="50000"/>
+            </a:schemeClr>
+          </a:lnRef>
+          <a:fillRef idx="1">
+            <a:schemeClr val="accent1"/>
+          </a:fillRef>
+          <a:effectRef idx="0">
+            <a:schemeClr val="accent1"/>
+          </a:effectRef>
+          <a:fontRef idx="minor">
+            <a:schemeClr val="lt1"/>
+          </a:fontRef>
+        </p:style>
+        <p:txBody>
+          <a:bodyPr rtlCol="0" anchor="ctr"/>
+          <a:lstStyle/>
+          <a:p>
+            <a:pPr algn="ctr"/>
+            <a:endParaRPr lang="en-US"/>
+          </a:p>
+        </p:txBody>
+      </p:sp>
+      <p:sp>
+        <p:nvSpPr>
+          <p:cNvPr id="2" name="Title 1">
+            <a:extLst>
+              <a:ext uri="{FF2B5EF4-FFF2-40B4-BE49-F238E27FC236}">
+                <a16:creationId xmlns:a16="http://schemas.microsoft.com/office/drawing/2014/main" id="{7662D54B-77A3-7949-81BF-095D6CEF4260}"/>
+              </a:ext>
+            </a:extLst>
+          </p:cNvPr>
+          <p:cNvSpPr>
+            <a:spLocks noGrp="1"/>
+          </p:cNvSpPr>
+          <p:nvPr>
+            <p:ph type="title"/>
+          </p:nvPr>
+        </p:nvSpPr>
+        <p:spPr>
+          <a:xfrm>
+            <a:off x="838200" y="365125"/>
+            <a:ext cx="10515600" cy="1306443"/>
+          </a:xfrm>
+        </p:spPr>
+        <p:txBody>
+          <a:bodyPr>
+            <a:normAutofit/>
+          </a:bodyPr>
+          <a:lstStyle/>
+          <a:p>
+            <a:r>
+              <a:rPr lang="en-US" sz="4000" dirty="0"/>
+              <a:t>What is the condition of the water points ?  </a:t>
+            </a:r>
+          </a:p>
+        </p:txBody>
+      </p:sp>
+      <p:sp>
+        <p:nvSpPr>
+          <p:cNvPr id="9" name="Content Placeholder 8">
+            <a:extLst>
+              <a:ext uri="{FF2B5EF4-FFF2-40B4-BE49-F238E27FC236}">
+                <a16:creationId xmlns:a16="http://schemas.microsoft.com/office/drawing/2014/main" id="{388EA7EB-9402-404B-925F-8A452A9E30A8}"/>
+              </a:ext>
+            </a:extLst>
+          </p:cNvPr>
+          <p:cNvSpPr>
+            <a:spLocks noGrp="1"/>
+          </p:cNvSpPr>
+          <p:nvPr>
+            <p:ph idx="1"/>
+          </p:nvPr>
+        </p:nvSpPr>
+        <p:spPr>
+          <a:xfrm>
+            <a:off x="838200" y="1825625"/>
+            <a:ext cx="4152774" cy="4303464"/>
+          </a:xfrm>
+        </p:spPr>
+        <p:txBody>
+          <a:bodyPr>
+            <a:normAutofit/>
+          </a:bodyPr>
+          <a:lstStyle/>
+          <a:p>
+            <a:pPr marL="0" indent="0">
+              <a:buNone/>
+            </a:pPr>
+            <a:endParaRPr lang="en-US" sz="2000" dirty="0"/>
+          </a:p>
+          <a:p>
+            <a:pPr marL="0" indent="0">
+              <a:buNone/>
+            </a:pPr>
+            <a:r>
+              <a:rPr lang="en-US" sz="2000" dirty="0"/>
+              <a:t>Distribution of target/labels</a:t>
+            </a:r>
+          </a:p>
+          <a:p>
+            <a:r>
+              <a:rPr lang="en-US" sz="2000" dirty="0"/>
+              <a:t>54% of the wells are functioning</a:t>
+            </a:r>
+          </a:p>
+          <a:p>
+            <a:r>
+              <a:rPr lang="en-US" sz="2000" dirty="0"/>
+              <a:t>38% of the wells are non-functioning.</a:t>
+            </a:r>
+          </a:p>
+          <a:p>
+            <a:r>
+              <a:rPr lang="en-US" sz="2000" dirty="0"/>
+              <a:t>7% are functioning but need repairs.</a:t>
+            </a:r>
+          </a:p>
+        </p:txBody>
+      </p:sp>
+      <p:pic>
+        <p:nvPicPr>
+          <p:cNvPr id="5" name="Content Placeholder 4" descr="Chart, bar chart&#10;&#10;Description automatically generated">
+            <a:extLst>
+              <a:ext uri="{FF2B5EF4-FFF2-40B4-BE49-F238E27FC236}">
+                <a16:creationId xmlns:a16="http://schemas.microsoft.com/office/drawing/2014/main" id="{ED2D997A-09B9-FE4C-B6AA-46F0E3C9426F}"/>
+              </a:ext>
+            </a:extLst>
+          </p:cNvPr>
+          <p:cNvPicPr>
+            <a:picLocks noChangeAspect="1"/>
+          </p:cNvPicPr>
+          <p:nvPr/>
+        </p:nvPicPr>
+        <p:blipFill rotWithShape="1">
+          <a:blip r:embed="rId2"/>
+          <a:srcRect l="2312" r="11884" b="1"/>
+          <a:stretch/>
+        </p:blipFill>
+        <p:spPr>
+          <a:xfrm>
+            <a:off x="5183500" y="1904282"/>
+            <a:ext cx="6170299" cy="4224808"/>
+          </a:xfrm>
+          <a:prstGeom prst="rect">
+            <a:avLst/>
+          </a:prstGeom>
+        </p:spPr>
+      </p:pic>
+    </p:spTree>
+    <p:extLst>
+      <p:ext uri="{BB962C8B-B14F-4D97-AF65-F5344CB8AC3E}">
+        <p14:creationId xmlns:p14="http://schemas.microsoft.com/office/powerpoint/2010/main" val="2811283898"/>
+      </p:ext>
+    </p:extLst>
+  </p:cSld>
+  <p:clrMapOvr>
+    <a:masterClrMapping/>
+  </p:clrMapOvr>
+</p:sld>
+</file>
+
+<file path=ppt/slides/slide4.xml><?xml version="1.0" encoding="utf-8"?>
+<p:sld xmlns:a="http://schemas.openxmlformats.org/drawingml/2006/main" xmlns:r="http://schemas.openxmlformats.org/officeDocument/2006/relationships" xmlns:p="http://schemas.openxmlformats.org/presentationml/2006/main">
+  <p:cSld>
+    <p:bg>
+      <p:bgPr>
+        <a:solidFill>
+          <a:schemeClr val="bg1"/>
+        </a:solidFill>
+        <a:effectLst/>
+      </p:bgPr>
+    </p:bg>
+    <p:spTree>
+      <p:nvGrpSpPr>
+        <p:cNvPr id="1" name=""/>
+        <p:cNvGrpSpPr/>
+        <p:nvPr/>
+      </p:nvGrpSpPr>
+      <p:grpSpPr>
+        <a:xfrm>
+          <a:off x="0" y="0"/>
+          <a:ext cx="0" cy="0"/>
+          <a:chOff x="0" y="0"/>
+          <a:chExt cx="0" cy="0"/>
+        </a:xfrm>
+      </p:grpSpPr>
+      <p:sp useBgFill="1">
+        <p:nvSpPr>
+          <p:cNvPr id="12" name="Rectangle 11">
+            <a:extLst>
+              <a:ext uri="{FF2B5EF4-FFF2-40B4-BE49-F238E27FC236}">
+                <a16:creationId xmlns:a16="http://schemas.microsoft.com/office/drawing/2014/main" id="{9427AF5F-9A0E-42B7-A252-FD64C9885F9C}"/>
+              </a:ext>
+              <a:ext uri="{C183D7F6-B498-43B3-948B-1728B52AA6E4}">
+                <adec:decorative xmlns:adec="http://schemas.microsoft.com/office/drawing/2017/decorative" val="1"/>
+              </a:ext>
+            </a:extLst>
+          </p:cNvPr>
+          <p:cNvSpPr>
+            <a:spLocks noGrp="1" noRot="1" noChangeAspect="1" noMove="1" noResize="1" noEditPoints="1" noAdjustHandles="1" noChangeArrowheads="1" noChangeShapeType="1" noTextEdit="1"/>
+          </p:cNvSpPr>
+          <p:nvPr>
+            <p:extLst>
+              <p:ext uri="{386F3935-93C4-4BCD-93E2-E3B085C9AB24}">
+                <p16:designElem xmlns:p16="http://schemas.microsoft.com/office/powerpoint/2015/main" val="1"/>
+              </p:ext>
+            </p:extLst>
+          </p:nvPr>
+        </p:nvSpPr>
+        <p:spPr>
+          <a:xfrm>
+            <a:off x="-1" y="0"/>
+            <a:ext cx="12188952" cy="6858000"/>
+          </a:xfrm>
+          <a:prstGeom prst="rect">
+            <a:avLst/>
+          </a:prstGeom>
+          <a:ln>
+            <a:noFill/>
+          </a:ln>
+        </p:spPr>
+        <p:style>
+          <a:lnRef idx="2">
+            <a:schemeClr val="accent1">
+              <a:shade val="50000"/>
+            </a:schemeClr>
+          </a:lnRef>
+          <a:fillRef idx="1">
+            <a:schemeClr val="accent1"/>
+          </a:fillRef>
+          <a:effectRef idx="0">
+            <a:schemeClr val="accent1"/>
+          </a:effectRef>
+          <a:fontRef idx="minor">
+            <a:schemeClr val="lt1"/>
+          </a:fontRef>
+        </p:style>
+        <p:txBody>
+          <a:bodyPr rtlCol="0" anchor="ctr"/>
+          <a:lstStyle/>
+          <a:p>
+            <a:pPr algn="ctr"/>
+            <a:endParaRPr lang="en-US"/>
+          </a:p>
+        </p:txBody>
+      </p:sp>
+      <p:sp>
+        <p:nvSpPr>
+          <p:cNvPr id="2" name="Title 1">
+            <a:extLst>
+              <a:ext uri="{FF2B5EF4-FFF2-40B4-BE49-F238E27FC236}">
+                <a16:creationId xmlns:a16="http://schemas.microsoft.com/office/drawing/2014/main" id="{7662D54B-77A3-7949-81BF-095D6CEF4260}"/>
+              </a:ext>
+            </a:extLst>
+          </p:cNvPr>
+          <p:cNvSpPr>
+            <a:spLocks noGrp="1"/>
+          </p:cNvSpPr>
+          <p:nvPr>
+            <p:ph type="title"/>
+          </p:nvPr>
+        </p:nvSpPr>
+        <p:spPr>
+          <a:xfrm>
+            <a:off x="838200" y="1"/>
+            <a:ext cx="10515600" cy="927601"/>
+          </a:xfrm>
+        </p:spPr>
+        <p:txBody>
+          <a:bodyPr>
+            <a:normAutofit/>
+          </a:bodyPr>
+          <a:lstStyle/>
+          <a:p>
+            <a:r>
+              <a:rPr lang="en-US" sz="3200" dirty="0"/>
+              <a:t>When were the water points built?  </a:t>
+            </a:r>
+          </a:p>
+        </p:txBody>
+      </p:sp>
+      <p:sp>
+        <p:nvSpPr>
+          <p:cNvPr id="9" name="Content Placeholder 8">
+            <a:extLst>
+              <a:ext uri="{FF2B5EF4-FFF2-40B4-BE49-F238E27FC236}">
+                <a16:creationId xmlns:a16="http://schemas.microsoft.com/office/drawing/2014/main" id="{388EA7EB-9402-404B-925F-8A452A9E30A8}"/>
+              </a:ext>
+            </a:extLst>
+          </p:cNvPr>
+          <p:cNvSpPr>
+            <a:spLocks noGrp="1"/>
+          </p:cNvSpPr>
+          <p:nvPr>
+            <p:ph idx="1"/>
+          </p:nvPr>
+        </p:nvSpPr>
+        <p:spPr>
+          <a:xfrm>
+            <a:off x="838199" y="927602"/>
+            <a:ext cx="9283701" cy="2501397"/>
+          </a:xfrm>
+        </p:spPr>
+        <p:txBody>
+          <a:bodyPr>
+            <a:normAutofit fontScale="25000" lnSpcReduction="20000"/>
+          </a:bodyPr>
+          <a:lstStyle/>
+          <a:p>
+            <a:r>
+              <a:rPr lang="en-US" sz="8000" dirty="0"/>
+              <a:t>Water wells were constructed between 1960 and 2013.</a:t>
+            </a:r>
+          </a:p>
+          <a:p>
+            <a:r>
+              <a:rPr lang="en-US" sz="8000" dirty="0"/>
+              <a:t>An issue is 35% of features reported 0 values.  Need data of which years 0 represent. </a:t>
+            </a:r>
+          </a:p>
+          <a:p>
+            <a:r>
+              <a:rPr lang="en-US" sz="8000" dirty="0"/>
+              <a:t>Excluding 0 values, most wells built between 2008 to 2011.  Years 2000, 2008, 2009, 2009 each represent 4% of category.  </a:t>
+            </a:r>
+          </a:p>
+          <a:p>
+            <a:r>
+              <a:rPr lang="en-US" sz="8000" dirty="0"/>
+              <a:t>In 2008, 1800 wells functional, 700 non-functional, 200 need repair.</a:t>
+            </a:r>
+          </a:p>
+          <a:p>
+            <a:pPr marL="0" indent="0">
+              <a:buNone/>
+            </a:pPr>
+            <a:r>
+              <a:rPr lang="en-US" sz="8000" dirty="0"/>
+              <a:t>    In 2009, over 1,750 functioning, 700 non-functioning, 175 need repairs.</a:t>
+            </a:r>
+          </a:p>
+          <a:p>
+            <a:pPr marL="0" indent="0">
+              <a:buNone/>
+            </a:pPr>
+            <a:r>
+              <a:rPr lang="en-US" sz="8000" dirty="0"/>
+              <a:t>    In 2010, over 2,000 functioning, 550 non-functioning, 170 need repairs.</a:t>
+            </a:r>
+          </a:p>
+          <a:p>
+            <a:r>
+              <a:rPr lang="en-US" sz="8000" dirty="0"/>
+              <a:t>Need 0 values for clearer picture of how old wells. are.</a:t>
+            </a:r>
+          </a:p>
+        </p:txBody>
+      </p:sp>
+      <p:pic>
+        <p:nvPicPr>
+          <p:cNvPr id="4" name="Picture 3" descr="A picture containing chart&#10;&#10;Description automatically generated">
+            <a:extLst>
+              <a:ext uri="{FF2B5EF4-FFF2-40B4-BE49-F238E27FC236}">
+                <a16:creationId xmlns:a16="http://schemas.microsoft.com/office/drawing/2014/main" id="{4299701B-4741-5546-8330-067F0571AD20}"/>
+              </a:ext>
+            </a:extLst>
+          </p:cNvPr>
+          <p:cNvPicPr>
+            <a:picLocks noChangeAspect="1"/>
+          </p:cNvPicPr>
+          <p:nvPr/>
+        </p:nvPicPr>
+        <p:blipFill>
+          <a:blip r:embed="rId2"/>
+          <a:stretch>
+            <a:fillRect/>
+          </a:stretch>
+        </p:blipFill>
+        <p:spPr>
+          <a:xfrm>
+            <a:off x="193431" y="3525254"/>
+            <a:ext cx="11995520" cy="3332746"/>
+          </a:xfrm>
+          <a:prstGeom prst="rect">
+            <a:avLst/>
+          </a:prstGeom>
+        </p:spPr>
+      </p:pic>
+    </p:spTree>
+    <p:extLst>
+      <p:ext uri="{BB962C8B-B14F-4D97-AF65-F5344CB8AC3E}">
+        <p14:creationId xmlns:p14="http://schemas.microsoft.com/office/powerpoint/2010/main" val="3168862126"/>
+      </p:ext>
+    </p:extLst>
+  </p:cSld>
+  <p:clrMapOvr>
+    <a:masterClrMapping/>
+  </p:clrMapOvr>
+</p:sld>
+</file>
+
+<file path=ppt/slides/slide5.xml><?xml version="1.0" encoding="utf-8"?>
+<p:sld xmlns:a="http://schemas.openxmlformats.org/drawingml/2006/main" xmlns:r="http://schemas.openxmlformats.org/officeDocument/2006/relationships" xmlns:p="http://schemas.openxmlformats.org/presentationml/2006/main">
+  <p:cSld>
+    <p:bg>
+      <p:bgPr>
+        <a:solidFill>
+          <a:schemeClr val="bg1"/>
+        </a:solidFill>
+        <a:effectLst/>
+      </p:bgPr>
+    </p:bg>
+    <p:spTree>
+      <p:nvGrpSpPr>
+        <p:cNvPr id="1" name=""/>
+        <p:cNvGrpSpPr/>
+        <p:nvPr/>
+      </p:nvGrpSpPr>
+      <p:grpSpPr>
+        <a:xfrm>
+          <a:off x="0" y="0"/>
+          <a:ext cx="0" cy="0"/>
+          <a:chOff x="0" y="0"/>
+          <a:chExt cx="0" cy="0"/>
+        </a:xfrm>
+      </p:grpSpPr>
+      <p:sp useBgFill="1">
+        <p:nvSpPr>
+          <p:cNvPr id="12" name="Rectangle 11">
+            <a:extLst>
+              <a:ext uri="{FF2B5EF4-FFF2-40B4-BE49-F238E27FC236}">
+                <a16:creationId xmlns:a16="http://schemas.microsoft.com/office/drawing/2014/main" id="{9427AF5F-9A0E-42B7-A252-FD64C9885F9C}"/>
+              </a:ext>
+              <a:ext uri="{C183D7F6-B498-43B3-948B-1728B52AA6E4}">
+                <adec:decorative xmlns:adec="http://schemas.microsoft.com/office/drawing/2017/decorative" val="1"/>
+              </a:ext>
+            </a:extLst>
+          </p:cNvPr>
+          <p:cNvSpPr>
+            <a:spLocks noGrp="1" noRot="1" noChangeAspect="1" noMove="1" noResize="1" noEditPoints="1" noAdjustHandles="1" noChangeArrowheads="1" noChangeShapeType="1" noTextEdit="1"/>
+          </p:cNvSpPr>
+          <p:nvPr>
+            <p:extLst>
+              <p:ext uri="{386F3935-93C4-4BCD-93E2-E3B085C9AB24}">
+                <p16:designElem xmlns:p16="http://schemas.microsoft.com/office/powerpoint/2015/main" val="1"/>
+              </p:ext>
+            </p:extLst>
+          </p:nvPr>
+        </p:nvSpPr>
+        <p:spPr>
+          <a:xfrm>
+            <a:off x="-1" y="0"/>
+            <a:ext cx="12188952" cy="6858000"/>
+          </a:xfrm>
+          <a:prstGeom prst="rect">
+            <a:avLst/>
+          </a:prstGeom>
+          <a:ln>
+            <a:noFill/>
+          </a:ln>
+        </p:spPr>
+        <p:style>
+          <a:lnRef idx="2">
+            <a:schemeClr val="accent1">
+              <a:shade val="50000"/>
+            </a:schemeClr>
+          </a:lnRef>
+          <a:fillRef idx="1">
+            <a:schemeClr val="accent1"/>
+          </a:fillRef>
+          <a:effectRef idx="0">
+            <a:schemeClr val="accent1"/>
+          </a:effectRef>
+          <a:fontRef idx="minor">
+            <a:schemeClr val="lt1"/>
+          </a:fontRef>
+        </p:style>
+        <p:txBody>
+          <a:bodyPr rtlCol="0" anchor="ctr"/>
+          <a:lstStyle/>
+          <a:p>
+            <a:pPr algn="ctr"/>
+            <a:endParaRPr lang="en-US"/>
+          </a:p>
+        </p:txBody>
+      </p:sp>
+      <p:sp>
+        <p:nvSpPr>
+          <p:cNvPr id="2" name="Title 1">
+            <a:extLst>
+              <a:ext uri="{FF2B5EF4-FFF2-40B4-BE49-F238E27FC236}">
+                <a16:creationId xmlns:a16="http://schemas.microsoft.com/office/drawing/2014/main" id="{7662D54B-77A3-7949-81BF-095D6CEF4260}"/>
+              </a:ext>
+            </a:extLst>
+          </p:cNvPr>
+          <p:cNvSpPr>
+            <a:spLocks noGrp="1"/>
+          </p:cNvSpPr>
+          <p:nvPr>
+            <p:ph type="title"/>
+          </p:nvPr>
+        </p:nvSpPr>
+        <p:spPr>
+          <a:xfrm>
+            <a:off x="838200" y="365125"/>
+            <a:ext cx="10515600" cy="1306443"/>
+          </a:xfrm>
+        </p:spPr>
+        <p:txBody>
+          <a:bodyPr>
+            <a:normAutofit/>
+          </a:bodyPr>
+          <a:lstStyle/>
+          <a:p>
+            <a:r>
+              <a:rPr lang="en-US" sz="4000" dirty="0"/>
+              <a:t>Water quantity in wells and operating status  </a:t>
+            </a:r>
+          </a:p>
+        </p:txBody>
+      </p:sp>
+      <p:sp>
+        <p:nvSpPr>
+          <p:cNvPr id="9" name="Content Placeholder 8">
+            <a:extLst>
+              <a:ext uri="{FF2B5EF4-FFF2-40B4-BE49-F238E27FC236}">
+                <a16:creationId xmlns:a16="http://schemas.microsoft.com/office/drawing/2014/main" id="{388EA7EB-9402-404B-925F-8A452A9E30A8}"/>
+              </a:ext>
+            </a:extLst>
+          </p:cNvPr>
+          <p:cNvSpPr>
+            <a:spLocks noGrp="1"/>
+          </p:cNvSpPr>
+          <p:nvPr>
+            <p:ph idx="1"/>
+          </p:nvPr>
+        </p:nvSpPr>
+        <p:spPr>
+          <a:xfrm>
+            <a:off x="838200" y="1825625"/>
+            <a:ext cx="4152774" cy="4303464"/>
+          </a:xfrm>
+        </p:spPr>
+        <p:txBody>
+          <a:bodyPr>
+            <a:normAutofit lnSpcReduction="10000"/>
+          </a:bodyPr>
+          <a:lstStyle/>
+          <a:p>
+            <a:pPr marL="0" indent="0">
+              <a:buNone/>
+            </a:pPr>
+            <a:endParaRPr lang="en-US" sz="2000" dirty="0"/>
+          </a:p>
+          <a:p>
+            <a:r>
+              <a:rPr lang="en-US" sz="2000" dirty="0"/>
+              <a:t>Enough category is 56% of quantity</a:t>
+            </a:r>
+          </a:p>
+          <a:p>
+            <a:pPr marL="0" indent="0">
+              <a:buNone/>
+            </a:pPr>
+            <a:r>
+              <a:rPr lang="en-US" sz="2000" dirty="0"/>
+              <a:t>    Over 20,000 wells are functioning </a:t>
+            </a:r>
+          </a:p>
+          <a:p>
+            <a:pPr marL="0" indent="0">
+              <a:buNone/>
+            </a:pPr>
+            <a:r>
+              <a:rPr lang="en-US" sz="2000" dirty="0"/>
+              <a:t>     Almost 10,000 non-functioning</a:t>
+            </a:r>
+          </a:p>
+          <a:p>
+            <a:pPr marL="0" indent="0">
+              <a:buNone/>
+            </a:pPr>
+            <a:r>
+              <a:rPr lang="en-US" sz="2000" dirty="0"/>
+              <a:t>     Around 2,500 need repairs.</a:t>
+            </a:r>
+          </a:p>
+          <a:p>
+            <a:r>
+              <a:rPr lang="en-US" sz="2000" dirty="0"/>
+              <a:t>Insufficient is 26% of feature.</a:t>
+            </a:r>
+          </a:p>
+          <a:p>
+            <a:pPr marL="0" indent="0">
+              <a:buNone/>
+            </a:pPr>
+            <a:r>
+              <a:rPr lang="en-US" sz="2000" dirty="0"/>
+              <a:t>     Around 8,000 wells functioning</a:t>
+            </a:r>
+          </a:p>
+          <a:p>
+            <a:pPr marL="0" indent="0">
+              <a:buNone/>
+            </a:pPr>
+            <a:r>
+              <a:rPr lang="en-US" sz="2000" dirty="0"/>
+              <a:t>     Around 6,000 non-functioning</a:t>
+            </a:r>
+          </a:p>
+          <a:p>
+            <a:pPr marL="0" indent="0">
+              <a:buNone/>
+            </a:pPr>
+            <a:r>
+              <a:rPr lang="en-US" sz="2000" dirty="0"/>
+              <a:t>     2,000 need repairs</a:t>
+            </a:r>
+          </a:p>
+          <a:p>
+            <a:r>
+              <a:rPr lang="en-US" sz="2000" dirty="0"/>
+              <a:t>Dry is 11% of feature.</a:t>
+            </a:r>
+          </a:p>
+          <a:p>
+            <a:pPr marL="0" indent="0">
+              <a:buNone/>
+            </a:pPr>
+            <a:r>
+              <a:rPr lang="en-US" sz="2000" dirty="0"/>
+              <a:t>    Around 6,000 non-functioning</a:t>
+            </a:r>
+          </a:p>
+        </p:txBody>
+      </p:sp>
+      <p:pic>
+        <p:nvPicPr>
+          <p:cNvPr id="4" name="Picture 3" descr="Chart, bar chart&#10;&#10;Description automatically generated">
+            <a:extLst>
+              <a:ext uri="{FF2B5EF4-FFF2-40B4-BE49-F238E27FC236}">
+                <a16:creationId xmlns:a16="http://schemas.microsoft.com/office/drawing/2014/main" id="{E5058B79-684B-E049-8BC2-42A95A6F98E2}"/>
+              </a:ext>
+            </a:extLst>
+          </p:cNvPr>
+          <p:cNvPicPr>
+            <a:picLocks noChangeAspect="1"/>
+          </p:cNvPicPr>
+          <p:nvPr/>
+        </p:nvPicPr>
+        <p:blipFill>
+          <a:blip r:embed="rId2"/>
+          <a:stretch>
+            <a:fillRect/>
+          </a:stretch>
+        </p:blipFill>
+        <p:spPr>
+          <a:xfrm>
+            <a:off x="4800600" y="1825624"/>
+            <a:ext cx="5233736" cy="3952875"/>
+          </a:xfrm>
+          <a:prstGeom prst="rect">
+            <a:avLst/>
+          </a:prstGeom>
+        </p:spPr>
+      </p:pic>
+    </p:spTree>
+    <p:extLst>
+      <p:ext uri="{BB962C8B-B14F-4D97-AF65-F5344CB8AC3E}">
+        <p14:creationId xmlns:p14="http://schemas.microsoft.com/office/powerpoint/2010/main" val="1052240358"/>
+      </p:ext>
+    </p:extLst>
+  </p:cSld>
+  <p:clrMapOvr>
+    <a:masterClrMapping/>
+  </p:clrMapOvr>
+</p:sld>
+</file>
+
+<file path=ppt/slides/slide6.xml><?xml version="1.0" encoding="utf-8"?>
+<p:sld xmlns:a="http://schemas.openxmlformats.org/drawingml/2006/main" xmlns:r="http://schemas.openxmlformats.org/officeDocument/2006/relationships" xmlns:p="http://schemas.openxmlformats.org/presentationml/2006/main">
+  <p:cSld>
+    <p:bg>
+      <p:bgPr>
+        <a:solidFill>
+          <a:schemeClr val="bg1"/>
+        </a:solidFill>
+        <a:effectLst/>
+      </p:bgPr>
+    </p:bg>
+    <p:spTree>
+      <p:nvGrpSpPr>
+        <p:cNvPr id="1" name=""/>
+        <p:cNvGrpSpPr/>
+        <p:nvPr/>
+      </p:nvGrpSpPr>
+      <p:grpSpPr>
+        <a:xfrm>
+          <a:off x="0" y="0"/>
+          <a:ext cx="0" cy="0"/>
+          <a:chOff x="0" y="0"/>
+          <a:chExt cx="0" cy="0"/>
+        </a:xfrm>
+      </p:grpSpPr>
+      <p:sp useBgFill="1">
+        <p:nvSpPr>
+          <p:cNvPr id="12" name="Rectangle 11">
+            <a:extLst>
+              <a:ext uri="{FF2B5EF4-FFF2-40B4-BE49-F238E27FC236}">
+                <a16:creationId xmlns:a16="http://schemas.microsoft.com/office/drawing/2014/main" id="{9427AF5F-9A0E-42B7-A252-FD64C9885F9C}"/>
+              </a:ext>
+              <a:ext uri="{C183D7F6-B498-43B3-948B-1728B52AA6E4}">
+                <adec:decorative xmlns:adec="http://schemas.microsoft.com/office/drawing/2017/decorative" val="1"/>
+              </a:ext>
+            </a:extLst>
+          </p:cNvPr>
+          <p:cNvSpPr>
+            <a:spLocks noGrp="1" noRot="1" noChangeAspect="1" noMove="1" noResize="1" noEditPoints="1" noAdjustHandles="1" noChangeArrowheads="1" noChangeShapeType="1" noTextEdit="1"/>
+          </p:cNvSpPr>
+          <p:nvPr>
+            <p:extLst>
+              <p:ext uri="{386F3935-93C4-4BCD-93E2-E3B085C9AB24}">
+                <p16:designElem xmlns:p16="http://schemas.microsoft.com/office/powerpoint/2015/main" val="1"/>
+              </p:ext>
+            </p:extLst>
+          </p:nvPr>
+        </p:nvSpPr>
+        <p:spPr>
+          <a:xfrm>
+            <a:off x="-1" y="0"/>
+            <a:ext cx="12188952" cy="6858000"/>
+          </a:xfrm>
+          <a:prstGeom prst="rect">
+            <a:avLst/>
+          </a:prstGeom>
+          <a:ln>
+            <a:noFill/>
+          </a:ln>
+        </p:spPr>
+        <p:style>
+          <a:lnRef idx="2">
+            <a:schemeClr val="accent1">
+              <a:shade val="50000"/>
+            </a:schemeClr>
+          </a:lnRef>
+          <a:fillRef idx="1">
+            <a:schemeClr val="accent1"/>
+          </a:fillRef>
+          <a:effectRef idx="0">
+            <a:schemeClr val="accent1"/>
+          </a:effectRef>
+          <a:fontRef idx="minor">
+            <a:schemeClr val="lt1"/>
+          </a:fontRef>
+        </p:style>
+        <p:txBody>
+          <a:bodyPr rtlCol="0" anchor="ctr"/>
+          <a:lstStyle/>
+          <a:p>
+            <a:pPr algn="ctr"/>
+            <a:endParaRPr lang="en-US"/>
+          </a:p>
+        </p:txBody>
+      </p:sp>
+      <p:sp>
+        <p:nvSpPr>
+          <p:cNvPr id="2" name="Title 1">
+            <a:extLst>
+              <a:ext uri="{FF2B5EF4-FFF2-40B4-BE49-F238E27FC236}">
+                <a16:creationId xmlns:a16="http://schemas.microsoft.com/office/drawing/2014/main" id="{7662D54B-77A3-7949-81BF-095D6CEF4260}"/>
+              </a:ext>
+            </a:extLst>
+          </p:cNvPr>
+          <p:cNvSpPr>
+            <a:spLocks noGrp="1"/>
+          </p:cNvSpPr>
+          <p:nvPr>
+            <p:ph type="title"/>
+          </p:nvPr>
+        </p:nvSpPr>
+        <p:spPr>
+          <a:xfrm>
+            <a:off x="838200" y="365125"/>
+            <a:ext cx="10515600" cy="1306443"/>
+          </a:xfrm>
+        </p:spPr>
+        <p:txBody>
+          <a:bodyPr>
+            <a:normAutofit/>
+          </a:bodyPr>
+          <a:lstStyle/>
+          <a:p>
+            <a:r>
+              <a:rPr lang="en-US" sz="4000" dirty="0"/>
+              <a:t>Water quality in wells and operating status  </a:t>
+            </a:r>
+          </a:p>
+        </p:txBody>
+      </p:sp>
+      <p:sp>
+        <p:nvSpPr>
+          <p:cNvPr id="9" name="Content Placeholder 8">
+            <a:extLst>
+              <a:ext uri="{FF2B5EF4-FFF2-40B4-BE49-F238E27FC236}">
+                <a16:creationId xmlns:a16="http://schemas.microsoft.com/office/drawing/2014/main" id="{388EA7EB-9402-404B-925F-8A452A9E30A8}"/>
+              </a:ext>
+            </a:extLst>
+          </p:cNvPr>
+          <p:cNvSpPr>
+            <a:spLocks noGrp="1"/>
+          </p:cNvSpPr>
+          <p:nvPr>
+            <p:ph idx="1"/>
+          </p:nvPr>
+        </p:nvSpPr>
+        <p:spPr>
+          <a:xfrm>
+            <a:off x="838200" y="1825625"/>
+            <a:ext cx="4152774" cy="4303464"/>
+          </a:xfrm>
+        </p:spPr>
+        <p:txBody>
+          <a:bodyPr>
+            <a:normAutofit lnSpcReduction="10000"/>
+          </a:bodyPr>
+          <a:lstStyle/>
+          <a:p>
+            <a:pPr marL="0" indent="0">
+              <a:buNone/>
+            </a:pPr>
+            <a:endParaRPr lang="en-US" sz="2000" dirty="0"/>
+          </a:p>
+          <a:p>
+            <a:r>
+              <a:rPr lang="en-US" sz="2000" dirty="0"/>
+              <a:t>Good category is 86% of quality</a:t>
+            </a:r>
+          </a:p>
+          <a:p>
+            <a:pPr marL="0" indent="0">
+              <a:buNone/>
+            </a:pPr>
+            <a:r>
+              <a:rPr lang="en-US" sz="2000" dirty="0"/>
+              <a:t>    Around 29,000 wells are functioning </a:t>
+            </a:r>
+          </a:p>
+          <a:p>
+            <a:pPr marL="0" indent="0">
+              <a:buNone/>
+            </a:pPr>
+            <a:r>
+              <a:rPr lang="en-US" sz="2000" dirty="0"/>
+              <a:t>    Almost 18,000 non-functioning</a:t>
+            </a:r>
+          </a:p>
+          <a:p>
+            <a:pPr marL="0" indent="0">
+              <a:buNone/>
+            </a:pPr>
+            <a:r>
+              <a:rPr lang="en-US" sz="2000" dirty="0"/>
+              <a:t>    Around 4,000 need repairs.</a:t>
+            </a:r>
+          </a:p>
+          <a:p>
+            <a:r>
+              <a:rPr lang="en-US" sz="2000" dirty="0"/>
+              <a:t>Salty is 9% of feature.</a:t>
+            </a:r>
+          </a:p>
+          <a:p>
+            <a:pPr marL="0" indent="0">
+              <a:buNone/>
+            </a:pPr>
+            <a:r>
+              <a:rPr lang="en-US" sz="2000" dirty="0"/>
+              <a:t>     Around 2,500 wells functioning</a:t>
+            </a:r>
+          </a:p>
+          <a:p>
+            <a:pPr marL="0" indent="0">
+              <a:buNone/>
+            </a:pPr>
+            <a:r>
+              <a:rPr lang="en-US" sz="2000" dirty="0"/>
+              <a:t>     Around 2,500 non-functioning</a:t>
+            </a:r>
+          </a:p>
+          <a:p>
+            <a:pPr marL="0" indent="0">
+              <a:buNone/>
+            </a:pPr>
+            <a:r>
+              <a:rPr lang="en-US" sz="2000" dirty="0"/>
+              <a:t>     500 need repairs</a:t>
+            </a:r>
+          </a:p>
+          <a:p>
+            <a:r>
+              <a:rPr lang="en-US" sz="2000" dirty="0"/>
+              <a:t>Milky is 1% of feature.</a:t>
+            </a:r>
+          </a:p>
+          <a:p>
+            <a:pPr marL="0" indent="0">
+              <a:buNone/>
+            </a:pPr>
+            <a:r>
+              <a:rPr lang="en-US" sz="2000" dirty="0"/>
+              <a:t>    </a:t>
+            </a:r>
+          </a:p>
+        </p:txBody>
+      </p:sp>
+      <p:pic>
+        <p:nvPicPr>
+          <p:cNvPr id="5" name="Picture 4" descr="Chart, bar chart&#10;&#10;Description automatically generated">
+            <a:extLst>
+              <a:ext uri="{FF2B5EF4-FFF2-40B4-BE49-F238E27FC236}">
+                <a16:creationId xmlns:a16="http://schemas.microsoft.com/office/drawing/2014/main" id="{DFAEDC42-CE18-454B-B9EA-F736E6DBE6F7}"/>
+              </a:ext>
+            </a:extLst>
+          </p:cNvPr>
+          <p:cNvPicPr>
+            <a:picLocks noChangeAspect="1"/>
+          </p:cNvPicPr>
+          <p:nvPr/>
+        </p:nvPicPr>
+        <p:blipFill>
+          <a:blip r:embed="rId2"/>
+          <a:stretch>
+            <a:fillRect/>
+          </a:stretch>
+        </p:blipFill>
+        <p:spPr>
+          <a:xfrm>
+            <a:off x="4990974" y="1333499"/>
+            <a:ext cx="5091488" cy="4453689"/>
+          </a:xfrm>
+          <a:prstGeom prst="rect">
+            <a:avLst/>
+          </a:prstGeom>
+        </p:spPr>
+      </p:pic>
+    </p:spTree>
+    <p:extLst>
+      <p:ext uri="{BB962C8B-B14F-4D97-AF65-F5344CB8AC3E}">
+        <p14:creationId xmlns:p14="http://schemas.microsoft.com/office/powerpoint/2010/main" val="2883465718"/>
+      </p:ext>
+    </p:extLst>
+  </p:cSld>
+  <p:clrMapOvr>
+    <a:masterClrMapping/>
+  </p:clrMapOvr>
+</p:sld>
+</file>
+
+<file path=ppt/slides/slide7.xml><?xml version="1.0" encoding="utf-8"?>
+<p:sld xmlns:a="http://schemas.openxmlformats.org/drawingml/2006/main" xmlns:r="http://schemas.openxmlformats.org/officeDocument/2006/relationships" xmlns:p="http://schemas.openxmlformats.org/presentationml/2006/main">
+  <p:cSld>
+    <p:bg>
+      <p:bgPr>
+        <a:solidFill>
+          <a:schemeClr val="bg1"/>
+        </a:solidFill>
+        <a:effectLst/>
+      </p:bgPr>
+    </p:bg>
+    <p:spTree>
+      <p:nvGrpSpPr>
+        <p:cNvPr id="1" name=""/>
+        <p:cNvGrpSpPr/>
+        <p:nvPr/>
+      </p:nvGrpSpPr>
+      <p:grpSpPr>
+        <a:xfrm>
+          <a:off x="0" y="0"/>
+          <a:ext cx="0" cy="0"/>
+          <a:chOff x="0" y="0"/>
+          <a:chExt cx="0" cy="0"/>
+        </a:xfrm>
+      </p:grpSpPr>
+      <p:sp useBgFill="1">
+        <p:nvSpPr>
+          <p:cNvPr id="12" name="Rectangle 11">
+            <a:extLst>
+              <a:ext uri="{FF2B5EF4-FFF2-40B4-BE49-F238E27FC236}">
+                <a16:creationId xmlns:a16="http://schemas.microsoft.com/office/drawing/2014/main" id="{9427AF5F-9A0E-42B7-A252-FD64C9885F9C}"/>
+              </a:ext>
+              <a:ext uri="{C183D7F6-B498-43B3-948B-1728B52AA6E4}">
+                <adec:decorative xmlns:adec="http://schemas.microsoft.com/office/drawing/2017/decorative" val="1"/>
+              </a:ext>
+            </a:extLst>
+          </p:cNvPr>
+          <p:cNvSpPr>
+            <a:spLocks noGrp="1" noRot="1" noChangeAspect="1" noMove="1" noResize="1" noEditPoints="1" noAdjustHandles="1" noChangeArrowheads="1" noChangeShapeType="1" noTextEdit="1"/>
+          </p:cNvSpPr>
+          <p:nvPr>
+            <p:extLst>
+              <p:ext uri="{386F3935-93C4-4BCD-93E2-E3B085C9AB24}">
+                <p16:designElem xmlns:p16="http://schemas.microsoft.com/office/powerpoint/2015/main" val="1"/>
+              </p:ext>
+            </p:extLst>
+          </p:nvPr>
+        </p:nvSpPr>
+        <p:spPr>
+          <a:xfrm>
+            <a:off x="-1" y="0"/>
+            <a:ext cx="12188952" cy="6858000"/>
+          </a:xfrm>
+          <a:prstGeom prst="rect">
+            <a:avLst/>
+          </a:prstGeom>
+          <a:ln>
+            <a:noFill/>
+          </a:ln>
+        </p:spPr>
+        <p:style>
+          <a:lnRef idx="2">
+            <a:schemeClr val="accent1">
+              <a:shade val="50000"/>
+            </a:schemeClr>
+          </a:lnRef>
+          <a:fillRef idx="1">
+            <a:schemeClr val="accent1"/>
+          </a:fillRef>
+          <a:effectRef idx="0">
+            <a:schemeClr val="accent1"/>
+          </a:effectRef>
+          <a:fontRef idx="minor">
+            <a:schemeClr val="lt1"/>
+          </a:fontRef>
+        </p:style>
+        <p:txBody>
+          <a:bodyPr rtlCol="0" anchor="ctr"/>
+          <a:lstStyle/>
+          <a:p>
+            <a:pPr algn="ctr"/>
+            <a:endParaRPr lang="en-US"/>
+          </a:p>
+        </p:txBody>
+      </p:sp>
+      <p:sp>
+        <p:nvSpPr>
+          <p:cNvPr id="2" name="Title 1">
+            <a:extLst>
+              <a:ext uri="{FF2B5EF4-FFF2-40B4-BE49-F238E27FC236}">
+                <a16:creationId xmlns:a16="http://schemas.microsoft.com/office/drawing/2014/main" id="{7662D54B-77A3-7949-81BF-095D6CEF4260}"/>
+              </a:ext>
+            </a:extLst>
+          </p:cNvPr>
+          <p:cNvSpPr>
+            <a:spLocks noGrp="1"/>
+          </p:cNvSpPr>
+          <p:nvPr>
+            <p:ph type="title"/>
+          </p:nvPr>
+        </p:nvSpPr>
+        <p:spPr>
+          <a:xfrm>
+            <a:off x="838200" y="1"/>
+            <a:ext cx="10515600" cy="1096714"/>
+          </a:xfrm>
+        </p:spPr>
+        <p:txBody>
+          <a:bodyPr>
+            <a:normAutofit/>
+          </a:bodyPr>
+          <a:lstStyle/>
+          <a:p>
+            <a:r>
+              <a:rPr lang="en-US" sz="4000" dirty="0"/>
+              <a:t>Which regions have water wells.  </a:t>
+            </a:r>
+          </a:p>
+        </p:txBody>
+      </p:sp>
+      <p:sp>
+        <p:nvSpPr>
+          <p:cNvPr id="9" name="Content Placeholder 8">
+            <a:extLst>
+              <a:ext uri="{FF2B5EF4-FFF2-40B4-BE49-F238E27FC236}">
+                <a16:creationId xmlns:a16="http://schemas.microsoft.com/office/drawing/2014/main" id="{388EA7EB-9402-404B-925F-8A452A9E30A8}"/>
+              </a:ext>
+            </a:extLst>
+          </p:cNvPr>
+          <p:cNvSpPr>
+            <a:spLocks noGrp="1"/>
+          </p:cNvSpPr>
+          <p:nvPr>
+            <p:ph idx="1"/>
+          </p:nvPr>
+        </p:nvSpPr>
+        <p:spPr>
+          <a:xfrm>
+            <a:off x="838199" y="927603"/>
+            <a:ext cx="9283701" cy="1431282"/>
+          </a:xfrm>
+        </p:spPr>
+        <p:txBody>
+          <a:bodyPr>
+            <a:normAutofit fontScale="25000" lnSpcReduction="20000"/>
+          </a:bodyPr>
+          <a:lstStyle/>
+          <a:p>
+            <a:r>
+              <a:rPr lang="en-US" sz="8000" dirty="0"/>
+              <a:t>Iringa has 9% of wells. </a:t>
+            </a:r>
+            <a:r>
+              <a:rPr lang="en-US" sz="8000" dirty="0" err="1"/>
+              <a:t>Shinyanga</a:t>
+            </a:r>
+            <a:r>
+              <a:rPr lang="en-US" sz="8000" dirty="0"/>
+              <a:t> has 8%, Mbeya 8%, Kilimanjaro 7%</a:t>
+            </a:r>
+          </a:p>
+          <a:p>
+            <a:r>
+              <a:rPr lang="en-US" sz="8000" dirty="0"/>
+              <a:t>Over 4,000 of Iringa wells are working and 1,000 not working. </a:t>
+            </a:r>
+          </a:p>
+          <a:p>
+            <a:r>
+              <a:rPr lang="en-US" sz="8000" dirty="0" err="1"/>
+              <a:t>Shinyaga</a:t>
+            </a:r>
+            <a:r>
+              <a:rPr lang="en-US" sz="8000" dirty="0"/>
+              <a:t> has almost 3,000 functioning wells and 1,500 non-functioning</a:t>
+            </a:r>
+          </a:p>
+          <a:p>
+            <a:r>
+              <a:rPr lang="en-US" sz="8000" dirty="0"/>
+              <a:t>Mbeya has 2,500 functioning wells and 2,000 non-functioning.</a:t>
+            </a:r>
+          </a:p>
+        </p:txBody>
+      </p:sp>
+      <p:pic>
+        <p:nvPicPr>
+          <p:cNvPr id="5" name="Picture 4" descr="Chart, bar chart&#10;&#10;Description automatically generated">
+            <a:extLst>
+              <a:ext uri="{FF2B5EF4-FFF2-40B4-BE49-F238E27FC236}">
+                <a16:creationId xmlns:a16="http://schemas.microsoft.com/office/drawing/2014/main" id="{C2257AED-C2A6-014D-A586-6BFA2321FDFC}"/>
+              </a:ext>
+            </a:extLst>
+          </p:cNvPr>
+          <p:cNvPicPr>
+            <a:picLocks noChangeAspect="1"/>
+          </p:cNvPicPr>
+          <p:nvPr/>
+        </p:nvPicPr>
+        <p:blipFill>
+          <a:blip r:embed="rId2"/>
+          <a:stretch>
+            <a:fillRect/>
+          </a:stretch>
+        </p:blipFill>
+        <p:spPr>
+          <a:xfrm>
+            <a:off x="971550" y="2225842"/>
+            <a:ext cx="10248900" cy="3800308"/>
+          </a:xfrm>
+          <a:prstGeom prst="rect">
+            <a:avLst/>
+          </a:prstGeom>
+        </p:spPr>
+      </p:pic>
+    </p:spTree>
+    <p:extLst>
+      <p:ext uri="{BB962C8B-B14F-4D97-AF65-F5344CB8AC3E}">
+        <p14:creationId xmlns:p14="http://schemas.microsoft.com/office/powerpoint/2010/main" val="3216904030"/>
+      </p:ext>
+    </p:extLst>
+  </p:cSld>
+  <p:clrMapOvr>
+    <a:masterClrMapping/>
+  </p:clrMapOvr>
+</p:sld>
+</file>
+
+<file path=ppt/slides/slide8.xml><?xml version="1.0" encoding="utf-8"?>
+<p:sld xmlns:a="http://schemas.openxmlformats.org/drawingml/2006/main" xmlns:r="http://schemas.openxmlformats.org/officeDocument/2006/relationships" xmlns:p="http://schemas.openxmlformats.org/presentationml/2006/main">
+  <p:cSld>
+    <p:bg>
+      <p:bgPr>
+        <a:solidFill>
+          <a:schemeClr val="bg1"/>
+        </a:solidFill>
+        <a:effectLst/>
+      </p:bgPr>
+    </p:bg>
+    <p:spTree>
+      <p:nvGrpSpPr>
+        <p:cNvPr id="1" name=""/>
+        <p:cNvGrpSpPr/>
+        <p:nvPr/>
+      </p:nvGrpSpPr>
+      <p:grpSpPr>
+        <a:xfrm>
+          <a:off x="0" y="0"/>
+          <a:ext cx="0" cy="0"/>
+          <a:chOff x="0" y="0"/>
+          <a:chExt cx="0" cy="0"/>
+        </a:xfrm>
+      </p:grpSpPr>
+      <p:sp useBgFill="1">
+        <p:nvSpPr>
+          <p:cNvPr id="12" name="Rectangle 11">
+            <a:extLst>
+              <a:ext uri="{FF2B5EF4-FFF2-40B4-BE49-F238E27FC236}">
+                <a16:creationId xmlns:a16="http://schemas.microsoft.com/office/drawing/2014/main" id="{9427AF5F-9A0E-42B7-A252-FD64C9885F9C}"/>
+              </a:ext>
+              <a:ext uri="{C183D7F6-B498-43B3-948B-1728B52AA6E4}">
+                <adec:decorative xmlns:adec="http://schemas.microsoft.com/office/drawing/2017/decorative" val="1"/>
+              </a:ext>
+            </a:extLst>
+          </p:cNvPr>
+          <p:cNvSpPr>
+            <a:spLocks noGrp="1" noRot="1" noChangeAspect="1" noMove="1" noResize="1" noEditPoints="1" noAdjustHandles="1" noChangeArrowheads="1" noChangeShapeType="1" noTextEdit="1"/>
+          </p:cNvSpPr>
+          <p:nvPr>
+            <p:extLst>
+              <p:ext uri="{386F3935-93C4-4BCD-93E2-E3B085C9AB24}">
+                <p16:designElem xmlns:p16="http://schemas.microsoft.com/office/powerpoint/2015/main" val="1"/>
+              </p:ext>
+            </p:extLst>
+          </p:nvPr>
+        </p:nvSpPr>
+        <p:spPr>
+          <a:xfrm>
+            <a:off x="-1" y="0"/>
+            <a:ext cx="12188952" cy="6858000"/>
+          </a:xfrm>
+          <a:prstGeom prst="rect">
+            <a:avLst/>
+          </a:prstGeom>
+          <a:ln>
+            <a:noFill/>
+          </a:ln>
+        </p:spPr>
+        <p:style>
+          <a:lnRef idx="2">
+            <a:schemeClr val="accent1">
+              <a:shade val="50000"/>
+            </a:schemeClr>
+          </a:lnRef>
+          <a:fillRef idx="1">
+            <a:schemeClr val="accent1"/>
+          </a:fillRef>
+          <a:effectRef idx="0">
+            <a:schemeClr val="accent1"/>
+          </a:effectRef>
+          <a:fontRef idx="minor">
+            <a:schemeClr val="lt1"/>
+          </a:fontRef>
+        </p:style>
+        <p:txBody>
+          <a:bodyPr rtlCol="0" anchor="ctr"/>
+          <a:lstStyle/>
+          <a:p>
+            <a:pPr algn="ctr"/>
+            <a:endParaRPr lang="en-US"/>
+          </a:p>
+        </p:txBody>
+      </p:sp>
+      <p:sp>
+        <p:nvSpPr>
+          <p:cNvPr id="2" name="Title 1">
+            <a:extLst>
+              <a:ext uri="{FF2B5EF4-FFF2-40B4-BE49-F238E27FC236}">
+                <a16:creationId xmlns:a16="http://schemas.microsoft.com/office/drawing/2014/main" id="{7662D54B-77A3-7949-81BF-095D6CEF4260}"/>
+              </a:ext>
+            </a:extLst>
+          </p:cNvPr>
+          <p:cNvSpPr>
+            <a:spLocks noGrp="1"/>
+          </p:cNvSpPr>
+          <p:nvPr>
+            <p:ph type="title"/>
+          </p:nvPr>
+        </p:nvSpPr>
+        <p:spPr>
+          <a:xfrm>
+            <a:off x="838200" y="365125"/>
+            <a:ext cx="10515600" cy="1574886"/>
+          </a:xfrm>
+        </p:spPr>
+        <p:txBody>
+          <a:bodyPr>
+            <a:normAutofit/>
+          </a:bodyPr>
+          <a:lstStyle/>
+          <a:p>
+            <a:r>
+              <a:rPr lang="en-US" sz="4000" dirty="0"/>
+              <a:t>Random Forest and Confusion Matrix   </a:t>
+            </a:r>
+          </a:p>
+        </p:txBody>
+      </p:sp>
+      <p:sp>
+        <p:nvSpPr>
+          <p:cNvPr id="9" name="Content Placeholder 8">
+            <a:extLst>
+              <a:ext uri="{FF2B5EF4-FFF2-40B4-BE49-F238E27FC236}">
+                <a16:creationId xmlns:a16="http://schemas.microsoft.com/office/drawing/2014/main" id="{388EA7EB-9402-404B-925F-8A452A9E30A8}"/>
+              </a:ext>
+            </a:extLst>
+          </p:cNvPr>
+          <p:cNvSpPr>
+            <a:spLocks noGrp="1"/>
+          </p:cNvSpPr>
+          <p:nvPr>
+            <p:ph idx="1"/>
+          </p:nvPr>
+        </p:nvSpPr>
+        <p:spPr>
+          <a:xfrm>
+            <a:off x="838200" y="1825625"/>
+            <a:ext cx="4152774" cy="4303464"/>
+          </a:xfrm>
+        </p:spPr>
+        <p:txBody>
+          <a:bodyPr>
+            <a:normAutofit/>
+          </a:bodyPr>
+          <a:lstStyle/>
+          <a:p>
+            <a:pPr marL="0" indent="0">
+              <a:buNone/>
+            </a:pPr>
+            <a:endParaRPr lang="en-US" sz="2000" dirty="0"/>
+          </a:p>
+          <a:p>
+            <a:pPr marL="0" indent="0">
+              <a:buNone/>
+            </a:pPr>
+            <a:endParaRPr lang="en-US" sz="2000" dirty="0"/>
+          </a:p>
+          <a:p>
+            <a:r>
+              <a:rPr lang="en-US" sz="2000" dirty="0"/>
+              <a:t>Overall model accuracy: 78%</a:t>
+            </a:r>
+          </a:p>
+          <a:p>
+            <a:r>
+              <a:rPr lang="en-US" sz="2000" dirty="0"/>
+              <a:t>Confusion Matrix:</a:t>
+            </a:r>
+          </a:p>
+          <a:p>
+            <a:pPr marL="0" indent="0">
+              <a:buNone/>
+            </a:pPr>
+            <a:r>
+              <a:rPr lang="en-US" sz="2000" dirty="0"/>
+              <a:t>     82% in predicting functioning wells </a:t>
+            </a:r>
+          </a:p>
+          <a:p>
+            <a:pPr marL="0" indent="0">
+              <a:buNone/>
+            </a:pPr>
+            <a:r>
+              <a:rPr lang="en-US" sz="2000" dirty="0"/>
+              <a:t>     78% accuracy in predicting </a:t>
+            </a:r>
+          </a:p>
+          <a:p>
+            <a:pPr marL="0" indent="0">
+              <a:buNone/>
+            </a:pPr>
+            <a:r>
+              <a:rPr lang="en-US" sz="2000" dirty="0"/>
+              <a:t>     non-functioning wells</a:t>
+            </a:r>
+          </a:p>
+        </p:txBody>
+      </p:sp>
+      <p:pic>
+        <p:nvPicPr>
+          <p:cNvPr id="4" name="Picture 3" descr="Chart&#10;&#10;Description automatically generated">
+            <a:extLst>
+              <a:ext uri="{FF2B5EF4-FFF2-40B4-BE49-F238E27FC236}">
+                <a16:creationId xmlns:a16="http://schemas.microsoft.com/office/drawing/2014/main" id="{531CFF5A-919B-F14E-B2BC-0CBD97058FBC}"/>
+              </a:ext>
+            </a:extLst>
+          </p:cNvPr>
+          <p:cNvPicPr>
+            <a:picLocks noChangeAspect="1"/>
+          </p:cNvPicPr>
+          <p:nvPr/>
+        </p:nvPicPr>
+        <p:blipFill>
+          <a:blip r:embed="rId2"/>
+          <a:stretch>
+            <a:fillRect/>
+          </a:stretch>
+        </p:blipFill>
+        <p:spPr>
+          <a:xfrm>
+            <a:off x="4880918" y="1940011"/>
+            <a:ext cx="4769707" cy="4090085"/>
+          </a:xfrm>
+          <a:prstGeom prst="rect">
+            <a:avLst/>
+          </a:prstGeom>
+        </p:spPr>
+      </p:pic>
+    </p:spTree>
+    <p:extLst>
+      <p:ext uri="{BB962C8B-B14F-4D97-AF65-F5344CB8AC3E}">
+        <p14:creationId xmlns:p14="http://schemas.microsoft.com/office/powerpoint/2010/main" val="3042065229"/>
+      </p:ext>
+    </p:extLst>
+  </p:cSld>
+  <p:clrMapOvr>
+    <a:masterClrMapping/>
+  </p:clrMapOvr>
+</p:sld>
+</file>
+
+<file path=ppt/slides/slide9.xml><?xml version="1.0" encoding="utf-8"?>
+<p:sld xmlns:a="http://schemas.openxmlformats.org/drawingml/2006/main" xmlns:r="http://schemas.openxmlformats.org/officeDocument/2006/relationships" xmlns:p="http://schemas.openxmlformats.org/presentationml/2006/main">
+  <p:cSld>
+    <p:spTree>
+      <p:nvGrpSpPr>
+        <p:cNvPr id="1" name=""/>
+        <p:cNvGrpSpPr/>
+        <p:nvPr/>
+      </p:nvGrpSpPr>
+      <p:grpSpPr>
+        <a:xfrm>
+          <a:off x="0" y="0"/>
+          <a:ext cx="0" cy="0"/>
+          <a:chOff x="0" y="0"/>
+          <a:chExt cx="0" cy="0"/>
+        </a:xfrm>
+      </p:grpSpPr>
+      <p:sp>
+        <p:nvSpPr>
+          <p:cNvPr id="2" name="Title 1">
+            <a:extLst>
+              <a:ext uri="{FF2B5EF4-FFF2-40B4-BE49-F238E27FC236}">
+                <a16:creationId xmlns:a16="http://schemas.microsoft.com/office/drawing/2014/main" id="{525E4D8E-8437-C048-ADAA-F9A31E36BD95}"/>
+              </a:ext>
+            </a:extLst>
+          </p:cNvPr>
+          <p:cNvSpPr>
+            <a:spLocks noGrp="1"/>
+          </p:cNvSpPr>
+          <p:nvPr>
+            <p:ph type="title"/>
+          </p:nvPr>
+        </p:nvSpPr>
+        <p:spPr/>
+        <p:txBody>
+          <a:bodyPr/>
+          <a:lstStyle/>
+          <a:p>
+            <a:r>
+              <a:rPr lang="en-US" dirty="0"/>
+              <a:t>Follow-up</a:t>
+            </a:r>
+          </a:p>
+        </p:txBody>
+      </p:sp>
+      <p:sp>
+        <p:nvSpPr>
+          <p:cNvPr id="3" name="Content Placeholder 2">
+            <a:extLst>
+              <a:ext uri="{FF2B5EF4-FFF2-40B4-BE49-F238E27FC236}">
+                <a16:creationId xmlns:a16="http://schemas.microsoft.com/office/drawing/2014/main" id="{5168676E-9C49-8941-A50E-5C0B9548557C}"/>
+              </a:ext>
+            </a:extLst>
+          </p:cNvPr>
+          <p:cNvSpPr>
+            <a:spLocks noGrp="1"/>
+          </p:cNvSpPr>
+          <p:nvPr>
+            <p:ph idx="1"/>
+          </p:nvPr>
+        </p:nvSpPr>
+        <p:spPr/>
+        <p:txBody>
+          <a:bodyPr/>
+          <a:lstStyle/>
+          <a:p>
+            <a:pPr marL="0" indent="0">
+              <a:buNone/>
+            </a:pPr>
+            <a:r>
+              <a:rPr lang="en-US" dirty="0"/>
+              <a:t>If I had more time I would continue working on the following matters:</a:t>
+            </a:r>
+          </a:p>
+          <a:p>
+            <a:pPr marL="0" indent="0">
+              <a:buNone/>
+            </a:pPr>
+            <a:r>
+              <a:rPr lang="en-US" dirty="0"/>
+              <a:t>Geographic spatial map</a:t>
+            </a:r>
+          </a:p>
+          <a:p>
+            <a:pPr marL="0" indent="0">
+              <a:buNone/>
+            </a:pPr>
+            <a:endParaRPr lang="en-US" dirty="0"/>
+          </a:p>
+          <a:p>
+            <a:pPr marL="0" indent="0">
+              <a:buNone/>
+            </a:pPr>
+            <a:r>
+              <a:rPr lang="en-US" dirty="0"/>
+              <a:t>Work on the column showing the amount of water available for the population around the well.  This is critical information because it’s not enough to determine whether the well is working or not, is the well sufficient to provide meet the community’s water needs.</a:t>
+            </a:r>
+          </a:p>
+          <a:p>
+            <a:pPr marL="0" indent="0">
+              <a:buNone/>
+            </a:pPr>
+            <a:endParaRPr lang="en-US" dirty="0"/>
+          </a:p>
+          <a:p>
+            <a:pPr marL="0" indent="0">
+              <a:buNone/>
+            </a:pPr>
+            <a:endParaRPr lang="en-US" dirty="0"/>
+          </a:p>
+        </p:txBody>
+      </p:sp>
+    </p:spTree>
+    <p:extLst>
+      <p:ext uri="{BB962C8B-B14F-4D97-AF65-F5344CB8AC3E}">
+        <p14:creationId xmlns:p14="http://schemas.microsoft.com/office/powerpoint/2010/main" val="2272067240"/>
+      </p:ext>
+    </p:extLst>
+  </p:cSld>
+  <p:clrMapOvr>
+    <a:masterClrMapping/>
+  </p:clrMapOvr>
+</p:sld>
+</file>
+
 <file path=ppt/theme/theme1.xml><?xml version="1.0" encoding="utf-8"?>
 <a:theme xmlns:a="http://schemas.openxmlformats.org/drawingml/2006/main" name="Office Theme">
   <a:themeElements>

--- a/Presentation1.pptx
+++ b/Presentation1.pptx
@@ -13,7 +13,10 @@
     <p:sldId id="263" r:id="rId7"/>
     <p:sldId id="264" r:id="rId8"/>
     <p:sldId id="265" r:id="rId9"/>
-    <p:sldId id="257" r:id="rId10"/>
+    <p:sldId id="267" r:id="rId10"/>
+    <p:sldId id="266" r:id="rId11"/>
+    <p:sldId id="257" r:id="rId12"/>
+    <p:sldId id="268" r:id="rId13"/>
   </p:sldIdLst>
   <p:sldSz cx="12192000" cy="6858000"/>
   <p:notesSz cx="6858000" cy="9144000"/>
@@ -5582,6 +5585,387 @@
 </p:sld>
 </file>
 
+<file path=ppt/slides/slide10.xml><?xml version="1.0" encoding="utf-8"?>
+<p:sld xmlns:a="http://schemas.openxmlformats.org/drawingml/2006/main" xmlns:r="http://schemas.openxmlformats.org/officeDocument/2006/relationships" xmlns:p="http://schemas.openxmlformats.org/presentationml/2006/main">
+  <p:cSld>
+    <p:spTree>
+      <p:nvGrpSpPr>
+        <p:cNvPr id="1" name=""/>
+        <p:cNvGrpSpPr/>
+        <p:nvPr/>
+      </p:nvGrpSpPr>
+      <p:grpSpPr>
+        <a:xfrm>
+          <a:off x="0" y="0"/>
+          <a:ext cx="0" cy="0"/>
+          <a:chOff x="0" y="0"/>
+          <a:chExt cx="0" cy="0"/>
+        </a:xfrm>
+      </p:grpSpPr>
+      <p:sp>
+        <p:nvSpPr>
+          <p:cNvPr id="2" name="Title 1">
+            <a:extLst>
+              <a:ext uri="{FF2B5EF4-FFF2-40B4-BE49-F238E27FC236}">
+                <a16:creationId xmlns:a16="http://schemas.microsoft.com/office/drawing/2014/main" id="{ABB210BC-3B3A-C143-8C8A-230A32F50152}"/>
+              </a:ext>
+            </a:extLst>
+          </p:cNvPr>
+          <p:cNvSpPr>
+            <a:spLocks noGrp="1"/>
+          </p:cNvSpPr>
+          <p:nvPr>
+            <p:ph type="title"/>
+          </p:nvPr>
+        </p:nvSpPr>
+        <p:spPr/>
+        <p:txBody>
+          <a:bodyPr/>
+          <a:lstStyle/>
+          <a:p>
+            <a:pPr algn="ctr"/>
+            <a:r>
+              <a:rPr lang="en-US" b="1" dirty="0"/>
+              <a:t>Recommendations</a:t>
+            </a:r>
+          </a:p>
+        </p:txBody>
+      </p:sp>
+      <p:sp>
+        <p:nvSpPr>
+          <p:cNvPr id="3" name="Content Placeholder 2">
+            <a:extLst>
+              <a:ext uri="{FF2B5EF4-FFF2-40B4-BE49-F238E27FC236}">
+                <a16:creationId xmlns:a16="http://schemas.microsoft.com/office/drawing/2014/main" id="{0A4412C3-AAA2-3848-9AF8-8B2AC38CC69B}"/>
+              </a:ext>
+            </a:extLst>
+          </p:cNvPr>
+          <p:cNvSpPr>
+            <a:spLocks noGrp="1"/>
+          </p:cNvSpPr>
+          <p:nvPr>
+            <p:ph idx="1"/>
+          </p:nvPr>
+        </p:nvSpPr>
+        <p:spPr/>
+        <p:txBody>
+          <a:bodyPr>
+            <a:noAutofit/>
+          </a:bodyPr>
+          <a:lstStyle/>
+          <a:p>
+            <a:pPr marL="0" indent="0">
+              <a:buNone/>
+            </a:pPr>
+            <a:r>
+              <a:rPr lang="en-US" sz="1500" dirty="0"/>
+              <a:t>What needs to be done for accurate status of wells:</a:t>
+            </a:r>
+          </a:p>
+          <a:p>
+            <a:r>
+              <a:rPr lang="en-US" sz="1500" dirty="0"/>
+              <a:t>Need additional data 2014 to the present.  </a:t>
+            </a:r>
+          </a:p>
+          <a:p>
+            <a:r>
+              <a:rPr lang="en-US" sz="1500" dirty="0"/>
+              <a:t>35% of values for years of construction are 0. Need values for years. Don’t know how old these wells are. </a:t>
+            </a:r>
+          </a:p>
+          <a:p>
+            <a:pPr marL="0" indent="0">
+              <a:buNone/>
+            </a:pPr>
+            <a:r>
+              <a:rPr lang="en-US" sz="1500" dirty="0"/>
+              <a:t>What can be done to improve operation of wells:</a:t>
+            </a:r>
+          </a:p>
+          <a:p>
+            <a:r>
+              <a:rPr lang="en-US" sz="1500" dirty="0"/>
+              <a:t>There are almost 5,000 wells that function but need repairs.  Priority should be to get them repaired to avoid non-functioning. </a:t>
+            </a:r>
+          </a:p>
+          <a:p>
+            <a:r>
+              <a:rPr lang="en-US" sz="1500" dirty="0"/>
+              <a:t>Largest category of ‘quantity’ of water in wells is ‘enough’.  Concentrate on repairing wells in enough category that are non-functioning.  Water level is sufficient but wells don’t work. Almost 10,000 wells in this category.  Also, immediate attention to wells in category that function but need repairs. </a:t>
+            </a:r>
+          </a:p>
+          <a:p>
+            <a:r>
+              <a:rPr lang="en-US" sz="1500" dirty="0"/>
+              <a:t>Largest category of ‘quality’ of water in wells is good.  Concentrate on repairing wells in good category that are non-functioning.  Water level is good but wells don’t work. Almost 20,000 wells are in this category.  Also, immediate attention to 4,000 wells in category that function but need repairs. </a:t>
+            </a:r>
+          </a:p>
+          <a:p>
+            <a:r>
+              <a:rPr lang="en-US" sz="1500" dirty="0"/>
+              <a:t>Regarding regions, what can be learned from Iringa which has the largest number of wells (5294) .  Over 4,000 wells are functioning but also the lowest number of non-functioning wells (1,000) compared to other regions. 2nd largest is </a:t>
+            </a:r>
+            <a:r>
+              <a:rPr lang="en-US" sz="1500" dirty="0" err="1"/>
+              <a:t>Shinyenga</a:t>
+            </a:r>
+            <a:r>
+              <a:rPr lang="en-US" sz="1500" dirty="0"/>
+              <a:t> which has 4,982 wells of which almost 3,000 are functioning and 1,500 aren’t functioning.  It wasn’t as simple as checking population because it varies in different parts of the regions.  Why were more wells built in these regions as opposed to others?  Was it a matter of funding, management, etc.?</a:t>
+            </a:r>
+          </a:p>
+          <a:p>
+            <a:pPr marL="0" indent="0">
+              <a:buNone/>
+            </a:pPr>
+            <a:endParaRPr lang="en-US" sz="1500" dirty="0"/>
+          </a:p>
+          <a:p>
+            <a:pPr marL="0" indent="0">
+              <a:buNone/>
+            </a:pPr>
+            <a:endParaRPr lang="en-US" sz="1500" dirty="0"/>
+          </a:p>
+          <a:p>
+            <a:pPr marL="0" indent="0">
+              <a:buNone/>
+            </a:pPr>
+            <a:r>
+              <a:rPr lang="en-US" sz="1500" dirty="0"/>
+              <a:t>  </a:t>
+            </a:r>
+          </a:p>
+        </p:txBody>
+      </p:sp>
+    </p:spTree>
+    <p:extLst>
+      <p:ext uri="{BB962C8B-B14F-4D97-AF65-F5344CB8AC3E}">
+        <p14:creationId xmlns:p14="http://schemas.microsoft.com/office/powerpoint/2010/main" val="2789791445"/>
+      </p:ext>
+    </p:extLst>
+  </p:cSld>
+  <p:clrMapOvr>
+    <a:masterClrMapping/>
+  </p:clrMapOvr>
+</p:sld>
+</file>
+
+<file path=ppt/slides/slide11.xml><?xml version="1.0" encoding="utf-8"?>
+<p:sld xmlns:a="http://schemas.openxmlformats.org/drawingml/2006/main" xmlns:r="http://schemas.openxmlformats.org/officeDocument/2006/relationships" xmlns:p="http://schemas.openxmlformats.org/presentationml/2006/main">
+  <p:cSld>
+    <p:spTree>
+      <p:nvGrpSpPr>
+        <p:cNvPr id="1" name=""/>
+        <p:cNvGrpSpPr/>
+        <p:nvPr/>
+      </p:nvGrpSpPr>
+      <p:grpSpPr>
+        <a:xfrm>
+          <a:off x="0" y="0"/>
+          <a:ext cx="0" cy="0"/>
+          <a:chOff x="0" y="0"/>
+          <a:chExt cx="0" cy="0"/>
+        </a:xfrm>
+      </p:grpSpPr>
+      <p:sp>
+        <p:nvSpPr>
+          <p:cNvPr id="2" name="Title 1">
+            <a:extLst>
+              <a:ext uri="{FF2B5EF4-FFF2-40B4-BE49-F238E27FC236}">
+                <a16:creationId xmlns:a16="http://schemas.microsoft.com/office/drawing/2014/main" id="{525E4D8E-8437-C048-ADAA-F9A31E36BD95}"/>
+              </a:ext>
+            </a:extLst>
+          </p:cNvPr>
+          <p:cNvSpPr>
+            <a:spLocks noGrp="1"/>
+          </p:cNvSpPr>
+          <p:nvPr>
+            <p:ph type="title"/>
+          </p:nvPr>
+        </p:nvSpPr>
+        <p:spPr/>
+        <p:txBody>
+          <a:bodyPr/>
+          <a:lstStyle/>
+          <a:p>
+            <a:pPr algn="ctr"/>
+            <a:r>
+              <a:rPr lang="en-US" b="1" dirty="0"/>
+              <a:t>Follow-up</a:t>
+            </a:r>
+          </a:p>
+        </p:txBody>
+      </p:sp>
+      <p:sp>
+        <p:nvSpPr>
+          <p:cNvPr id="3" name="Content Placeholder 2">
+            <a:extLst>
+              <a:ext uri="{FF2B5EF4-FFF2-40B4-BE49-F238E27FC236}">
+                <a16:creationId xmlns:a16="http://schemas.microsoft.com/office/drawing/2014/main" id="{5168676E-9C49-8941-A50E-5C0B9548557C}"/>
+              </a:ext>
+            </a:extLst>
+          </p:cNvPr>
+          <p:cNvSpPr>
+            <a:spLocks noGrp="1"/>
+          </p:cNvSpPr>
+          <p:nvPr>
+            <p:ph idx="1"/>
+          </p:nvPr>
+        </p:nvSpPr>
+        <p:spPr/>
+        <p:txBody>
+          <a:bodyPr/>
+          <a:lstStyle/>
+          <a:p>
+            <a:pPr marL="0" indent="0">
+              <a:buNone/>
+            </a:pPr>
+            <a:r>
+              <a:rPr lang="en-US" dirty="0"/>
+              <a:t>If I had more time I would continue working on the following matters:</a:t>
+            </a:r>
+          </a:p>
+          <a:p>
+            <a:pPr marL="0" indent="0">
+              <a:buNone/>
+            </a:pPr>
+            <a:r>
+              <a:rPr lang="en-US" dirty="0"/>
+              <a:t>Geographic spatial map</a:t>
+            </a:r>
+          </a:p>
+          <a:p>
+            <a:pPr marL="0" indent="0">
+              <a:buNone/>
+            </a:pPr>
+            <a:r>
+              <a:rPr lang="en-US" dirty="0"/>
+              <a:t>Work on the column showing the amount of water available for the population around the well.  This is critical information because it’s not enough to determine whether the well is working or not, another issue is whether the well sufficient to provide meet the community’s water needs.</a:t>
+            </a:r>
+          </a:p>
+          <a:p>
+            <a:pPr marL="0" indent="0">
+              <a:buNone/>
+            </a:pPr>
+            <a:endParaRPr lang="en-US" dirty="0"/>
+          </a:p>
+          <a:p>
+            <a:pPr marL="0" indent="0">
+              <a:buNone/>
+            </a:pPr>
+            <a:endParaRPr lang="en-US" dirty="0"/>
+          </a:p>
+        </p:txBody>
+      </p:sp>
+    </p:spTree>
+    <p:extLst>
+      <p:ext uri="{BB962C8B-B14F-4D97-AF65-F5344CB8AC3E}">
+        <p14:creationId xmlns:p14="http://schemas.microsoft.com/office/powerpoint/2010/main" val="2272067240"/>
+      </p:ext>
+    </p:extLst>
+  </p:cSld>
+  <p:clrMapOvr>
+    <a:masterClrMapping/>
+  </p:clrMapOvr>
+</p:sld>
+</file>
+
+<file path=ppt/slides/slide12.xml><?xml version="1.0" encoding="utf-8"?>
+<p:sld xmlns:a="http://schemas.openxmlformats.org/drawingml/2006/main" xmlns:r="http://schemas.openxmlformats.org/officeDocument/2006/relationships" xmlns:p="http://schemas.openxmlformats.org/presentationml/2006/main">
+  <p:cSld>
+    <p:spTree>
+      <p:nvGrpSpPr>
+        <p:cNvPr id="1" name=""/>
+        <p:cNvGrpSpPr/>
+        <p:nvPr/>
+      </p:nvGrpSpPr>
+      <p:grpSpPr>
+        <a:xfrm>
+          <a:off x="0" y="0"/>
+          <a:ext cx="0" cy="0"/>
+          <a:chOff x="0" y="0"/>
+          <a:chExt cx="0" cy="0"/>
+        </a:xfrm>
+      </p:grpSpPr>
+      <p:sp>
+        <p:nvSpPr>
+          <p:cNvPr id="2" name="Title 1">
+            <a:extLst>
+              <a:ext uri="{FF2B5EF4-FFF2-40B4-BE49-F238E27FC236}">
+                <a16:creationId xmlns:a16="http://schemas.microsoft.com/office/drawing/2014/main" id="{1F910281-CD61-E646-BF85-13F4CB8F5471}"/>
+              </a:ext>
+            </a:extLst>
+          </p:cNvPr>
+          <p:cNvSpPr>
+            <a:spLocks noGrp="1"/>
+          </p:cNvSpPr>
+          <p:nvPr>
+            <p:ph type="title"/>
+          </p:nvPr>
+        </p:nvSpPr>
+        <p:spPr/>
+        <p:txBody>
+          <a:bodyPr/>
+          <a:lstStyle/>
+          <a:p>
+            <a:r>
+              <a:rPr lang="en-US" dirty="0"/>
+              <a:t>Closing</a:t>
+            </a:r>
+          </a:p>
+        </p:txBody>
+      </p:sp>
+      <p:sp>
+        <p:nvSpPr>
+          <p:cNvPr id="3" name="Content Placeholder 2">
+            <a:extLst>
+              <a:ext uri="{FF2B5EF4-FFF2-40B4-BE49-F238E27FC236}">
+                <a16:creationId xmlns:a16="http://schemas.microsoft.com/office/drawing/2014/main" id="{16BED5B5-233F-4A49-A2AA-430866B5EDF1}"/>
+              </a:ext>
+            </a:extLst>
+          </p:cNvPr>
+          <p:cNvSpPr>
+            <a:spLocks noGrp="1"/>
+          </p:cNvSpPr>
+          <p:nvPr>
+            <p:ph idx="1"/>
+          </p:nvPr>
+        </p:nvSpPr>
+        <p:spPr/>
+        <p:txBody>
+          <a:bodyPr/>
+          <a:lstStyle/>
+          <a:p>
+            <a:r>
+              <a:rPr lang="en-US" dirty="0"/>
+              <a:t>Thank you for taking the time to listen to my presentation regarding the water crisis in Tanzania.  If you have any questions, please do not hesitate to reach out to me at (917) 348-3454 or email me at </a:t>
+            </a:r>
+            <a:r>
+              <a:rPr lang="en-US" dirty="0" err="1"/>
+              <a:t>torredave@gmail.com</a:t>
+            </a:r>
+            <a:r>
+              <a:rPr lang="en-US"/>
+              <a:t>.</a:t>
+            </a:r>
+            <a:endParaRPr lang="en-US" dirty="0"/>
+          </a:p>
+        </p:txBody>
+      </p:sp>
+    </p:spTree>
+    <p:extLst>
+      <p:ext uri="{BB962C8B-B14F-4D97-AF65-F5344CB8AC3E}">
+        <p14:creationId xmlns:p14="http://schemas.microsoft.com/office/powerpoint/2010/main" val="2372154065"/>
+      </p:ext>
+    </p:extLst>
+  </p:cSld>
+  <p:clrMapOvr>
+    <a:masterClrMapping/>
+  </p:clrMapOvr>
+</p:sld>
+</file>
+
 <file path=ppt/slides/slide2.xml><?xml version="1.0" encoding="utf-8"?>
 <p:sld xmlns:a="http://schemas.openxmlformats.org/drawingml/2006/main" xmlns:r="http://schemas.openxmlformats.org/officeDocument/2006/relationships" xmlns:p="http://schemas.openxmlformats.org/presentationml/2006/main">
   <p:cSld>
@@ -5658,25 +6042,25 @@
           <a:p>
             <a:r>
               <a:rPr lang="en-US" dirty="0"/>
-              <a:t>The International Water Development Agency  has asked me to analyze existing data on the ongoing water crisis in the country of Tanzania, specifically involving the water points.   </a:t>
+              <a:t>The International Water Development Agency  has asked me to analyze existing data regarding the ongoing water crisis in the country of Tanzania, specifically involving the water wells.   </a:t>
             </a:r>
           </a:p>
           <a:p>
             <a:r>
               <a:rPr lang="en-US" dirty="0"/>
-              <a:t>I will  provide the Agency with analysis of the facts and factors which had the most impact on the condition of the wells and recommendations on which factors merit continuing, improvement or discontinuing in an effort to increase the level of functioning wells. </a:t>
+              <a:t>I will  provide the Agency with analysis of the facts and factors which had the most impact on the operating status of the wells and recommendations on which factors in order to increase the level of functioning wells merit continuing, improvement or discontinuing.</a:t>
             </a:r>
           </a:p>
           <a:p>
             <a:r>
               <a:rPr lang="en-US" dirty="0"/>
-              <a:t>I will create classification models to predict the condition of water wells based on  features will be functioning, non-functioning, or functioning but requiring repairs.  This is a multi-class classification model. </a:t>
+              <a:t>I will create classification models to predict the condition of water wells based on  features that will be functioning, non-functioning, or functioning but requiring repairs.  This is a multi-class classification model. </a:t>
             </a:r>
           </a:p>
           <a:p>
             <a:r>
               <a:rPr lang="en-US" dirty="0"/>
-              <a:t>I worked with a dataset containing 59,400 data points and 40 features.  Features contain information such as entities that installed wells, when wells were installed, location of water wells to the water quality of the wells.  </a:t>
+              <a:t>I worked with a dataset containing 59,400 data points and 40 features.  Features contain information ranging from entities that installed wells, when wells were installed, location of water wells to the water quality of the wells.  </a:t>
             </a:r>
           </a:p>
           <a:p>
@@ -5863,6 +6247,12 @@
             <a:r>
               <a:rPr lang="en-US" sz="2000" dirty="0"/>
               <a:t>Distribution of target/labels</a:t>
+            </a:r>
+          </a:p>
+          <a:p>
+            <a:r>
+              <a:rPr lang="en-US" sz="2000" dirty="0"/>
+              <a:t>59,400 water wells</a:t>
             </a:r>
           </a:p>
           <a:p>
@@ -6083,13 +6473,21 @@
           <a:p>
             <a:r>
               <a:rPr lang="en-US" sz="8000" dirty="0"/>
-              <a:t>An issue is 35% of features reported 0 values.  Need data of which years 0 represent. </a:t>
-            </a:r>
-          </a:p>
-          <a:p>
+              <a:t>An issue is 35% of feature ‘</a:t>
+            </a:r>
+            <a:r>
+              <a:rPr lang="en-US" sz="8000" dirty="0" err="1"/>
+              <a:t>construction_year</a:t>
+            </a:r>
             <a:r>
               <a:rPr lang="en-US" sz="8000" dirty="0"/>
-              <a:t>Excluding 0 values, most wells built between 2008 to 2011.  Years 2000, 2008, 2009, 2009 each represent 4% of category.  </a:t>
+              <a:t>’ reported 0 values.  Need data of which years 0 represent for clearer picture of how old wells are.</a:t>
+            </a:r>
+          </a:p>
+          <a:p>
+            <a:r>
+              <a:rPr lang="en-US" sz="8000" dirty="0"/>
+              <a:t>Excluding 0 values, most wells built between 2008 to 2011.  Years 2000, 2008, 2009, 2009 each represent 4% of feature.  </a:t>
             </a:r>
           </a:p>
           <a:p>
@@ -6117,10 +6515,10 @@
             </a:r>
           </a:p>
           <a:p>
-            <a:r>
-              <a:rPr lang="en-US" sz="8000" dirty="0"/>
-              <a:t>Need 0 values for clearer picture of how old wells. are.</a:t>
-            </a:r>
+            <a:pPr marL="0" indent="0">
+              <a:buNone/>
+            </a:pPr>
+            <a:endParaRPr lang="en-US" sz="8000" dirty="0"/>
           </a:p>
         </p:txBody>
       </p:sp>
@@ -6146,8 +6544,8 @@
         </p:blipFill>
         <p:spPr>
           <a:xfrm>
-            <a:off x="193431" y="3525254"/>
-            <a:ext cx="11995520" cy="3332746"/>
+            <a:off x="193431" y="3429000"/>
+            <a:ext cx="11995520" cy="3429000"/>
           </a:xfrm>
           <a:prstGeom prst="rect">
             <a:avLst/>
@@ -6282,7 +6680,7 @@
           <a:p>
             <a:r>
               <a:rPr lang="en-US" sz="4000" dirty="0"/>
-              <a:t>Water quantity in wells and operating status  </a:t>
+              <a:t>Water ‘quantity’ in wells and operating status  </a:t>
             </a:r>
           </a:p>
         </p:txBody>
@@ -6306,12 +6704,12 @@
         <p:spPr>
           <a:xfrm>
             <a:off x="838200" y="1825625"/>
-            <a:ext cx="4152774" cy="4303464"/>
+            <a:ext cx="4152774" cy="4546600"/>
           </a:xfrm>
         </p:spPr>
         <p:txBody>
           <a:bodyPr>
-            <a:normAutofit lnSpcReduction="10000"/>
+            <a:normAutofit fontScale="92500" lnSpcReduction="20000"/>
           </a:bodyPr>
           <a:lstStyle/>
           <a:p>
@@ -6323,6 +6721,12 @@
           <a:p>
             <a:r>
               <a:rPr lang="en-US" sz="2000" dirty="0"/>
+              <a:t>5 categories under ‘quantity’</a:t>
+            </a:r>
+          </a:p>
+          <a:p>
+            <a:r>
+              <a:rPr lang="en-US" sz="2000" dirty="0"/>
               <a:t>Enough category is 56% of quantity</a:t>
             </a:r>
           </a:p>
@@ -6341,7 +6745,7 @@
             </a:pPr>
             <a:r>
               <a:rPr lang="en-US" sz="2000" dirty="0"/>
-              <a:t>     Almost 10,000 non-functioning</a:t>
+              <a:t>     Around 9,000 non-functioning</a:t>
             </a:r>
           </a:p>
           <a:p>
@@ -6400,6 +6804,20 @@
               <a:rPr lang="en-US" sz="2000" dirty="0"/>
               <a:t>    Around 6,000 non-functioning</a:t>
             </a:r>
+          </a:p>
+          <a:p>
+            <a:pPr marL="0" indent="0">
+              <a:buNone/>
+            </a:pPr>
+            <a:r>
+              <a:rPr lang="en-US" sz="2000" dirty="0"/>
+              <a:t>    Few </a:t>
+            </a:r>
+            <a:r>
+              <a:rPr lang="en-US" sz="2000" dirty="0" err="1"/>
+              <a:t>functioing</a:t>
+            </a:r>
+            <a:endParaRPr lang="en-US" sz="2000" dirty="0"/>
           </a:p>
         </p:txBody>
       </p:sp>
@@ -6590,7 +7008,7 @@
         </p:spPr>
         <p:txBody>
           <a:bodyPr>
-            <a:normAutofit lnSpcReduction="10000"/>
+            <a:normAutofit fontScale="92500" lnSpcReduction="10000"/>
           </a:bodyPr>
           <a:lstStyle/>
           <a:p>
@@ -6598,6 +7016,20 @@
               <a:buNone/>
             </a:pPr>
             <a:endParaRPr lang="en-US" sz="2000" dirty="0"/>
+          </a:p>
+          <a:p>
+            <a:r>
+              <a:rPr lang="en-US" sz="2000" dirty="0"/>
+              <a:t>Feature is </a:t>
+            </a:r>
+            <a:r>
+              <a:rPr lang="en-US" sz="2000" dirty="0" err="1"/>
+              <a:t>quality_group</a:t>
+            </a:r>
+            <a:r>
+              <a:rPr lang="en-US" sz="2000" dirty="0"/>
+              <a:t> </a:t>
+            </a:r>
           </a:p>
           <a:p>
             <a:r>
@@ -6895,7 +7327,7 @@
           <a:p>
             <a:r>
               <a:rPr lang="en-US" sz="8000" dirty="0" err="1"/>
-              <a:t>Shinyaga</a:t>
+              <a:t>Shinyanga</a:t>
             </a:r>
             <a:r>
               <a:rPr lang="en-US" sz="8000" dirty="0"/>
@@ -7199,6 +7631,14 @@
 <file path=ppt/slides/slide9.xml><?xml version="1.0" encoding="utf-8"?>
 <p:sld xmlns:a="http://schemas.openxmlformats.org/drawingml/2006/main" xmlns:r="http://schemas.openxmlformats.org/officeDocument/2006/relationships" xmlns:p="http://schemas.openxmlformats.org/presentationml/2006/main">
   <p:cSld>
+    <p:bg>
+      <p:bgPr>
+        <a:solidFill>
+          <a:schemeClr val="bg1"/>
+        </a:solidFill>
+        <a:effectLst/>
+      </p:bgPr>
+    </p:bg>
     <p:spTree>
       <p:nvGrpSpPr>
         <p:cNvPr id="1" name=""/>
@@ -7213,12 +7653,72 @@
           <a:chExt cx="0" cy="0"/>
         </a:xfrm>
       </p:grpSpPr>
+      <p:sp useBgFill="1">
+        <p:nvSpPr>
+          <p:cNvPr id="12" name="Rectangle 11">
+            <a:extLst>
+              <a:ext uri="{FF2B5EF4-FFF2-40B4-BE49-F238E27FC236}">
+                <a16:creationId xmlns:a16="http://schemas.microsoft.com/office/drawing/2014/main" id="{9427AF5F-9A0E-42B7-A252-FD64C9885F9C}"/>
+              </a:ext>
+              <a:ext uri="{C183D7F6-B498-43B3-948B-1728B52AA6E4}">
+                <adec:decorative xmlns:adec="http://schemas.microsoft.com/office/drawing/2017/decorative" val="1"/>
+              </a:ext>
+            </a:extLst>
+          </p:cNvPr>
+          <p:cNvSpPr>
+            <a:spLocks noGrp="1" noRot="1" noChangeAspect="1" noMove="1" noResize="1" noEditPoints="1" noAdjustHandles="1" noChangeArrowheads="1" noChangeShapeType="1" noTextEdit="1"/>
+          </p:cNvSpPr>
+          <p:nvPr>
+            <p:extLst>
+              <p:ext uri="{386F3935-93C4-4BCD-93E2-E3B085C9AB24}">
+                <p16:designElem xmlns:p16="http://schemas.microsoft.com/office/powerpoint/2015/main" val="1"/>
+              </p:ext>
+            </p:extLst>
+          </p:nvPr>
+        </p:nvSpPr>
+        <p:spPr>
+          <a:xfrm>
+            <a:off x="-1" y="0"/>
+            <a:ext cx="12188952" cy="6858000"/>
+          </a:xfrm>
+          <a:prstGeom prst="rect">
+            <a:avLst/>
+          </a:prstGeom>
+          <a:ln>
+            <a:noFill/>
+          </a:ln>
+        </p:spPr>
+        <p:style>
+          <a:lnRef idx="2">
+            <a:schemeClr val="accent1">
+              <a:shade val="50000"/>
+            </a:schemeClr>
+          </a:lnRef>
+          <a:fillRef idx="1">
+            <a:schemeClr val="accent1"/>
+          </a:fillRef>
+          <a:effectRef idx="0">
+            <a:schemeClr val="accent1"/>
+          </a:effectRef>
+          <a:fontRef idx="minor">
+            <a:schemeClr val="lt1"/>
+          </a:fontRef>
+        </p:style>
+        <p:txBody>
+          <a:bodyPr rtlCol="0" anchor="ctr"/>
+          <a:lstStyle/>
+          <a:p>
+            <a:pPr algn="ctr"/>
+            <a:endParaRPr lang="en-US"/>
+          </a:p>
+        </p:txBody>
+      </p:sp>
       <p:sp>
         <p:nvSpPr>
           <p:cNvPr id="2" name="Title 1">
             <a:extLst>
               <a:ext uri="{FF2B5EF4-FFF2-40B4-BE49-F238E27FC236}">
-                <a16:creationId xmlns:a16="http://schemas.microsoft.com/office/drawing/2014/main" id="{525E4D8E-8437-C048-ADAA-F9A31E36BD95}"/>
+                <a16:creationId xmlns:a16="http://schemas.microsoft.com/office/drawing/2014/main" id="{7662D54B-77A3-7949-81BF-095D6CEF4260}"/>
               </a:ext>
             </a:extLst>
           </p:cNvPr>
@@ -7229,24 +7729,31 @@
             <p:ph type="title"/>
           </p:nvPr>
         </p:nvSpPr>
-        <p:spPr/>
-        <p:txBody>
-          <a:bodyPr/>
+        <p:spPr>
+          <a:xfrm>
+            <a:off x="838200" y="365125"/>
+            <a:ext cx="10515600" cy="1574886"/>
+          </a:xfrm>
+        </p:spPr>
+        <p:txBody>
+          <a:bodyPr>
+            <a:normAutofit/>
+          </a:bodyPr>
           <a:lstStyle/>
           <a:p>
             <a:r>
-              <a:rPr lang="en-US" dirty="0"/>
-              <a:t>Follow-up</a:t>
-            </a:r>
-          </a:p>
-        </p:txBody>
-      </p:sp>
-      <p:sp>
-        <p:nvSpPr>
-          <p:cNvPr id="3" name="Content Placeholder 2">
-            <a:extLst>
-              <a:ext uri="{FF2B5EF4-FFF2-40B4-BE49-F238E27FC236}">
-                <a16:creationId xmlns:a16="http://schemas.microsoft.com/office/drawing/2014/main" id="{5168676E-9C49-8941-A50E-5C0B9548557C}"/>
+              <a:rPr lang="en-US" sz="4000" dirty="0"/>
+              <a:t>Feature Importance</a:t>
+            </a:r>
+          </a:p>
+        </p:txBody>
+      </p:sp>
+      <p:sp>
+        <p:nvSpPr>
+          <p:cNvPr id="9" name="Content Placeholder 8">
+            <a:extLst>
+              <a:ext uri="{FF2B5EF4-FFF2-40B4-BE49-F238E27FC236}">
+                <a16:creationId xmlns:a16="http://schemas.microsoft.com/office/drawing/2014/main" id="{388EA7EB-9402-404B-925F-8A452A9E30A8}"/>
               </a:ext>
             </a:extLst>
           </p:cNvPr>
@@ -7257,61 +7764,121 @@
             <p:ph idx="1"/>
           </p:nvPr>
         </p:nvSpPr>
-        <p:spPr/>
-        <p:txBody>
-          <a:bodyPr/>
+        <p:spPr>
+          <a:xfrm>
+            <a:off x="838200" y="1825625"/>
+            <a:ext cx="4152774" cy="4303464"/>
+          </a:xfrm>
+        </p:spPr>
+        <p:txBody>
+          <a:bodyPr>
+            <a:normAutofit lnSpcReduction="10000"/>
+          </a:bodyPr>
           <a:lstStyle/>
           <a:p>
             <a:pPr marL="0" indent="0">
               <a:buNone/>
             </a:pPr>
-            <a:r>
-              <a:rPr lang="en-US" dirty="0"/>
-              <a:t>If I had more time I would continue working on the following matters:</a:t>
-            </a:r>
+            <a:endParaRPr lang="en-US" sz="2000" dirty="0"/>
           </a:p>
           <a:p>
             <a:pPr marL="0" indent="0">
               <a:buNone/>
             </a:pPr>
-            <a:r>
-              <a:rPr lang="en-US" dirty="0"/>
-              <a:t>Geographic spatial map</a:t>
+            <a:endParaRPr lang="en-US" sz="2000" dirty="0"/>
+          </a:p>
+          <a:p>
+            <a:r>
+              <a:rPr lang="en-US" sz="2000" dirty="0"/>
+              <a:t>Latitude and longitude of wells’ locations had biggest effect on predicting the functioning status of wells.</a:t>
+            </a:r>
+          </a:p>
+          <a:p>
+            <a:r>
+              <a:rPr lang="en-US" sz="2000" dirty="0" err="1"/>
+              <a:t>construction_year</a:t>
+            </a:r>
+            <a:r>
+              <a:rPr lang="en-US" sz="2000" dirty="0"/>
+              <a:t> was important in making predictions.  </a:t>
+            </a:r>
+          </a:p>
+          <a:p>
+            <a:r>
+              <a:rPr lang="en-US" sz="2000" dirty="0"/>
+              <a:t>Quantity category important – </a:t>
+            </a:r>
+            <a:r>
+              <a:rPr lang="en-US" sz="2000" dirty="0" err="1"/>
+              <a:t>quantity_enough</a:t>
+            </a:r>
+            <a:r>
+              <a:rPr lang="en-US" sz="2000" dirty="0"/>
+              <a:t> and </a:t>
+            </a:r>
+            <a:r>
+              <a:rPr lang="en-US" sz="2000" dirty="0" err="1"/>
+              <a:t>quantity_insufficient</a:t>
+            </a:r>
+            <a:r>
+              <a:rPr lang="en-US" sz="2000" dirty="0"/>
+              <a:t>.</a:t>
             </a:r>
           </a:p>
           <a:p>
             <a:pPr marL="0" indent="0">
               <a:buNone/>
             </a:pPr>
-            <a:endParaRPr lang="en-US" dirty="0"/>
+            <a:r>
+              <a:rPr lang="en-US" sz="2000" dirty="0"/>
+              <a:t>      </a:t>
+            </a:r>
           </a:p>
           <a:p>
             <a:pPr marL="0" indent="0">
               <a:buNone/>
             </a:pPr>
             <a:r>
-              <a:rPr lang="en-US" dirty="0"/>
-              <a:t>Work on the column showing the amount of water available for the population around the well.  This is critical information because it’s not enough to determine whether the well is working or not, is the well sufficient to provide meet the community’s water needs.</a:t>
-            </a:r>
-          </a:p>
-          <a:p>
-            <a:pPr marL="0" indent="0">
-              <a:buNone/>
-            </a:pPr>
-            <a:endParaRPr lang="en-US" dirty="0"/>
-          </a:p>
-          <a:p>
-            <a:pPr marL="0" indent="0">
-              <a:buNone/>
-            </a:pPr>
-            <a:endParaRPr lang="en-US" dirty="0"/>
-          </a:p>
-        </p:txBody>
-      </p:sp>
+              <a:rPr lang="en-US" sz="2000" dirty="0"/>
+              <a:t> </a:t>
+            </a:r>
+          </a:p>
+        </p:txBody>
+      </p:sp>
+      <p:pic>
+        <p:nvPicPr>
+          <p:cNvPr id="3" name="Picture 2">
+            <a:extLst>
+              <a:ext uri="{FF2B5EF4-FFF2-40B4-BE49-F238E27FC236}">
+                <a16:creationId xmlns:a16="http://schemas.microsoft.com/office/drawing/2014/main" id="{7AD177FE-6B39-614C-B830-CCB2CECB713B}"/>
+              </a:ext>
+            </a:extLst>
+          </p:cNvPr>
+          <p:cNvPicPr>
+            <a:picLocks noChangeAspect="1"/>
+          </p:cNvPicPr>
+          <p:nvPr/>
+        </p:nvPicPr>
+        <p:blipFill>
+          <a:blip r:embed="rId2"/>
+          <a:stretch>
+            <a:fillRect/>
+          </a:stretch>
+        </p:blipFill>
+        <p:spPr>
+          <a:xfrm>
+            <a:off x="5221705" y="2093495"/>
+            <a:ext cx="6352674" cy="4547938"/>
+          </a:xfrm>
+          <a:prstGeom prst="rect">
+            <a:avLst/>
+          </a:prstGeom>
+        </p:spPr>
+      </p:pic>
     </p:spTree>
     <p:extLst>
       <p:ext uri="{BB962C8B-B14F-4D97-AF65-F5344CB8AC3E}">
-        <p14:creationId xmlns:p14="http://schemas.microsoft.com/office/powerpoint/2010/main" val="2272067240"/>
+        <p14:creationId xmlns:p14="http://schemas.microsoft.com/office/powerpoint/2010/main" val="3709503584"/>
       </p:ext>
     </p:extLst>
   </p:cSld>

--- a/Presentation1.pptx
+++ b/Presentation1.pptx
@@ -7,16 +7,19 @@
   <p:sldIdLst>
     <p:sldId id="256" r:id="rId2"/>
     <p:sldId id="258" r:id="rId3"/>
-    <p:sldId id="259" r:id="rId4"/>
-    <p:sldId id="260" r:id="rId5"/>
-    <p:sldId id="262" r:id="rId6"/>
-    <p:sldId id="263" r:id="rId7"/>
-    <p:sldId id="264" r:id="rId8"/>
-    <p:sldId id="265" r:id="rId9"/>
-    <p:sldId id="267" r:id="rId10"/>
+    <p:sldId id="265" r:id="rId4"/>
+    <p:sldId id="259" r:id="rId5"/>
+    <p:sldId id="267" r:id="rId6"/>
+    <p:sldId id="260" r:id="rId7"/>
+    <p:sldId id="263" r:id="rId8"/>
+    <p:sldId id="262" r:id="rId9"/>
+    <p:sldId id="270" r:id="rId10"/>
     <p:sldId id="266" r:id="rId11"/>
-    <p:sldId id="257" r:id="rId12"/>
-    <p:sldId id="268" r:id="rId13"/>
+    <p:sldId id="271" r:id="rId12"/>
+    <p:sldId id="264" r:id="rId13"/>
+    <p:sldId id="269" r:id="rId14"/>
+    <p:sldId id="257" r:id="rId15"/>
+    <p:sldId id="268" r:id="rId16"/>
   </p:sldIdLst>
   <p:sldSz cx="12192000" cy="6858000"/>
   <p:notesSz cx="6858000" cy="9144000"/>
@@ -5680,40 +5683,65 @@
             </a:pPr>
             <a:r>
               <a:rPr lang="en-US" sz="1500" dirty="0"/>
-              <a:t>What can be done to improve operation of wells:</a:t>
-            </a:r>
+              <a:t>Status of operation of wells:</a:t>
+            </a:r>
+            <a:endParaRPr lang="en-US" sz="1400" dirty="0"/>
+          </a:p>
+          <a:p>
+            <a:r>
+              <a:rPr lang="en-US" sz="1400" dirty="0"/>
+              <a:t>Important data comes from ‘</a:t>
+            </a:r>
+            <a:r>
+              <a:rPr lang="en-US" sz="1400" dirty="0" err="1"/>
+              <a:t>population_levels</a:t>
+            </a:r>
+            <a:r>
+              <a:rPr lang="en-US" sz="1400" dirty="0"/>
+              <a:t>’ .  Tells of existing of wells and population levels.  There are operational wells with 0 population.  Why is this occurring, investigate further.</a:t>
+            </a:r>
+            <a:endParaRPr lang="en-US" sz="1500" dirty="0"/>
           </a:p>
           <a:p>
             <a:r>
               <a:rPr lang="en-US" sz="1500" dirty="0"/>
-              <a:t>There are almost 5,000 wells that function but need repairs.  Priority should be to get them repaired to avoid non-functioning. </a:t>
-            </a:r>
-          </a:p>
-          <a:p>
+              <a:t> ‘</a:t>
+            </a:r>
+            <a:r>
+              <a:rPr lang="en-US" sz="1500" dirty="0" err="1"/>
+              <a:t>quantity_enough</a:t>
+            </a:r>
             <a:r>
               <a:rPr lang="en-US" sz="1500" dirty="0"/>
-              <a:t>Largest category of ‘quantity’ of water in wells is ‘enough’.  Concentrate on repairing wells in enough category that are non-functioning.  Water level is sufficient but wells don’t work. Almost 10,000 wells in this category.  Also, immediate attention to wells in category that function but need repairs. </a:t>
-            </a:r>
-          </a:p>
-          <a:p>
+              <a:t>’ of water in </a:t>
+            </a:r>
+            <a:r>
+              <a:rPr lang="en-US" sz="1500" dirty="0" err="1"/>
+              <a:t>water_wells</a:t>
+            </a:r>
             <a:r>
               <a:rPr lang="en-US" sz="1500" dirty="0"/>
-              <a:t>Largest category of ‘quality’ of water in wells is good.  Concentrate on repairing wells in good category that are non-functioning.  Water level is good but wells don’t work. Almost 20,000 wells are in this category.  Also, immediate attention to 4,000 wells in category that function but need repairs. </a:t>
-            </a:r>
-          </a:p>
-          <a:p>
-            <a:r>
-              <a:rPr lang="en-US" sz="1500" dirty="0"/>
-              <a:t>Regarding regions, what can be learned from Iringa which has the largest number of wells (5294) .  Over 4,000 wells are functioning but also the lowest number of non-functioning wells (1,000) compared to other regions. 2nd largest is </a:t>
-            </a:r>
-            <a:r>
-              <a:rPr lang="en-US" sz="1500" dirty="0" err="1"/>
-              <a:t>Shinyenga</a:t>
-            </a:r>
-            <a:r>
-              <a:rPr lang="en-US" sz="1500" dirty="0"/>
-              <a:t> which has 4,982 wells of which almost 3,000 are functioning and 1,500 aren’t functioning.  It wasn’t as simple as checking population because it varies in different parts of the regions.  Why were more wells built in these regions as opposed to others?  Was it a matter of funding, management, etc.?</a:t>
-            </a:r>
+              <a:t>. </a:t>
+            </a:r>
+            <a:r>
+              <a:rPr lang="en-US" sz="1600" dirty="0"/>
+              <a:t>Largest category.  20,000 wells are functioning.  Around 9,000 non-functioning.   Investigate further where these wells are located and population levels.</a:t>
+            </a:r>
+          </a:p>
+          <a:p>
+            <a:r>
+              <a:rPr lang="en-US" sz="1400" dirty="0"/>
+              <a:t>‘</a:t>
+            </a:r>
+            <a:r>
+              <a:rPr lang="en-US" sz="1400" dirty="0" err="1"/>
+              <a:t>district_code</a:t>
+            </a:r>
+            <a:r>
+              <a:rPr lang="en-US" sz="1400" dirty="0"/>
+              <a:t>’ reveals operation status of wells by district.  Which districts need help the most.  Confirm population level around district that need help the most.  Could be that there is relatively low population</a:t>
+            </a:r>
+            <a:endParaRPr lang="en-US" sz="1500" dirty="0"/>
           </a:p>
           <a:p>
             <a:pPr marL="0" indent="0">
@@ -5768,100 +5796,10 @@
           <a:chExt cx="0" cy="0"/>
         </a:xfrm>
       </p:grpSpPr>
-      <p:sp>
-        <p:nvSpPr>
-          <p:cNvPr id="2" name="Title 1">
-            <a:extLst>
-              <a:ext uri="{FF2B5EF4-FFF2-40B4-BE49-F238E27FC236}">
-                <a16:creationId xmlns:a16="http://schemas.microsoft.com/office/drawing/2014/main" id="{525E4D8E-8437-C048-ADAA-F9A31E36BD95}"/>
-              </a:ext>
-            </a:extLst>
-          </p:cNvPr>
-          <p:cNvSpPr>
-            <a:spLocks noGrp="1"/>
-          </p:cNvSpPr>
-          <p:nvPr>
-            <p:ph type="title"/>
-          </p:nvPr>
-        </p:nvSpPr>
-        <p:spPr/>
-        <p:txBody>
-          <a:bodyPr/>
-          <a:lstStyle/>
-          <a:p>
-            <a:pPr algn="ctr"/>
-            <a:r>
-              <a:rPr lang="en-US" b="1" dirty="0"/>
-              <a:t>Follow-up</a:t>
-            </a:r>
-          </a:p>
-        </p:txBody>
-      </p:sp>
-      <p:sp>
-        <p:nvSpPr>
-          <p:cNvPr id="3" name="Content Placeholder 2">
-            <a:extLst>
-              <a:ext uri="{FF2B5EF4-FFF2-40B4-BE49-F238E27FC236}">
-                <a16:creationId xmlns:a16="http://schemas.microsoft.com/office/drawing/2014/main" id="{5168676E-9C49-8941-A50E-5C0B9548557C}"/>
-              </a:ext>
-            </a:extLst>
-          </p:cNvPr>
-          <p:cNvSpPr>
-            <a:spLocks noGrp="1"/>
-          </p:cNvSpPr>
-          <p:nvPr>
-            <p:ph idx="1"/>
-          </p:nvPr>
-        </p:nvSpPr>
-        <p:spPr/>
-        <p:txBody>
-          <a:bodyPr/>
-          <a:lstStyle/>
-          <a:p>
-            <a:pPr marL="0" indent="0">
-              <a:buNone/>
-            </a:pPr>
-            <a:r>
-              <a:rPr lang="en-US" dirty="0"/>
-              <a:t>If I had more time I would continue working on the following matters:</a:t>
-            </a:r>
-          </a:p>
-          <a:p>
-            <a:pPr marL="0" indent="0">
-              <a:buNone/>
-            </a:pPr>
-            <a:r>
-              <a:rPr lang="en-US" dirty="0"/>
-              <a:t>Geographic spatial map</a:t>
-            </a:r>
-          </a:p>
-          <a:p>
-            <a:pPr marL="0" indent="0">
-              <a:buNone/>
-            </a:pPr>
-            <a:r>
-              <a:rPr lang="en-US" dirty="0"/>
-              <a:t>Work on the column showing the amount of water available for the population around the well.  This is critical information because it’s not enough to determine whether the well is working or not, another issue is whether the well sufficient to provide meet the community’s water needs.</a:t>
-            </a:r>
-          </a:p>
-          <a:p>
-            <a:pPr marL="0" indent="0">
-              <a:buNone/>
-            </a:pPr>
-            <a:endParaRPr lang="en-US" dirty="0"/>
-          </a:p>
-          <a:p>
-            <a:pPr marL="0" indent="0">
-              <a:buNone/>
-            </a:pPr>
-            <a:endParaRPr lang="en-US" dirty="0"/>
-          </a:p>
-        </p:txBody>
-      </p:sp>
     </p:spTree>
     <p:extLst>
       <p:ext uri="{BB962C8B-B14F-4D97-AF65-F5344CB8AC3E}">
-        <p14:creationId xmlns:p14="http://schemas.microsoft.com/office/powerpoint/2010/main" val="2272067240"/>
+        <p14:creationId xmlns:p14="http://schemas.microsoft.com/office/powerpoint/2010/main" val="1631532007"/>
       </p:ext>
     </p:extLst>
   </p:cSld>
@@ -5872,6 +5810,527 @@
 </file>
 
 <file path=ppt/slides/slide12.xml><?xml version="1.0" encoding="utf-8"?>
+<p:sld xmlns:a="http://schemas.openxmlformats.org/drawingml/2006/main" xmlns:r="http://schemas.openxmlformats.org/officeDocument/2006/relationships" xmlns:p="http://schemas.openxmlformats.org/presentationml/2006/main">
+  <p:cSld>
+    <p:bg>
+      <p:bgPr>
+        <a:solidFill>
+          <a:schemeClr val="bg1"/>
+        </a:solidFill>
+        <a:effectLst/>
+      </p:bgPr>
+    </p:bg>
+    <p:spTree>
+      <p:nvGrpSpPr>
+        <p:cNvPr id="1" name=""/>
+        <p:cNvGrpSpPr/>
+        <p:nvPr/>
+      </p:nvGrpSpPr>
+      <p:grpSpPr>
+        <a:xfrm>
+          <a:off x="0" y="0"/>
+          <a:ext cx="0" cy="0"/>
+          <a:chOff x="0" y="0"/>
+          <a:chExt cx="0" cy="0"/>
+        </a:xfrm>
+      </p:grpSpPr>
+      <p:sp useBgFill="1">
+        <p:nvSpPr>
+          <p:cNvPr id="12" name="Rectangle 11">
+            <a:extLst>
+              <a:ext uri="{FF2B5EF4-FFF2-40B4-BE49-F238E27FC236}">
+                <a16:creationId xmlns:a16="http://schemas.microsoft.com/office/drawing/2014/main" id="{9427AF5F-9A0E-42B7-A252-FD64C9885F9C}"/>
+              </a:ext>
+              <a:ext uri="{C183D7F6-B498-43B3-948B-1728B52AA6E4}">
+                <adec:decorative xmlns:adec="http://schemas.microsoft.com/office/drawing/2017/decorative" val="1"/>
+              </a:ext>
+            </a:extLst>
+          </p:cNvPr>
+          <p:cNvSpPr>
+            <a:spLocks noGrp="1" noRot="1" noChangeAspect="1" noMove="1" noResize="1" noEditPoints="1" noAdjustHandles="1" noChangeArrowheads="1" noChangeShapeType="1" noTextEdit="1"/>
+          </p:cNvSpPr>
+          <p:nvPr>
+            <p:extLst>
+              <p:ext uri="{386F3935-93C4-4BCD-93E2-E3B085C9AB24}">
+                <p16:designElem xmlns:p16="http://schemas.microsoft.com/office/powerpoint/2015/main" val="1"/>
+              </p:ext>
+            </p:extLst>
+          </p:nvPr>
+        </p:nvSpPr>
+        <p:spPr>
+          <a:xfrm>
+            <a:off x="-1" y="0"/>
+            <a:ext cx="12188952" cy="6858000"/>
+          </a:xfrm>
+          <a:prstGeom prst="rect">
+            <a:avLst/>
+          </a:prstGeom>
+          <a:ln>
+            <a:noFill/>
+          </a:ln>
+        </p:spPr>
+        <p:style>
+          <a:lnRef idx="2">
+            <a:schemeClr val="accent1">
+              <a:shade val="50000"/>
+            </a:schemeClr>
+          </a:lnRef>
+          <a:fillRef idx="1">
+            <a:schemeClr val="accent1"/>
+          </a:fillRef>
+          <a:effectRef idx="0">
+            <a:schemeClr val="accent1"/>
+          </a:effectRef>
+          <a:fontRef idx="minor">
+            <a:schemeClr val="lt1"/>
+          </a:fontRef>
+        </p:style>
+        <p:txBody>
+          <a:bodyPr rtlCol="0" anchor="ctr"/>
+          <a:lstStyle/>
+          <a:p>
+            <a:pPr algn="ctr"/>
+            <a:endParaRPr lang="en-US"/>
+          </a:p>
+        </p:txBody>
+      </p:sp>
+      <p:sp>
+        <p:nvSpPr>
+          <p:cNvPr id="2" name="Title 1">
+            <a:extLst>
+              <a:ext uri="{FF2B5EF4-FFF2-40B4-BE49-F238E27FC236}">
+                <a16:creationId xmlns:a16="http://schemas.microsoft.com/office/drawing/2014/main" id="{7662D54B-77A3-7949-81BF-095D6CEF4260}"/>
+              </a:ext>
+            </a:extLst>
+          </p:cNvPr>
+          <p:cNvSpPr>
+            <a:spLocks noGrp="1"/>
+          </p:cNvSpPr>
+          <p:nvPr>
+            <p:ph type="title"/>
+          </p:nvPr>
+        </p:nvSpPr>
+        <p:spPr>
+          <a:xfrm>
+            <a:off x="838200" y="1"/>
+            <a:ext cx="10515600" cy="1096714"/>
+          </a:xfrm>
+        </p:spPr>
+        <p:txBody>
+          <a:bodyPr>
+            <a:normAutofit/>
+          </a:bodyPr>
+          <a:lstStyle/>
+          <a:p>
+            <a:r>
+              <a:rPr lang="en-US" sz="4000" dirty="0"/>
+              <a:t>Which regions have water wells.  </a:t>
+            </a:r>
+          </a:p>
+        </p:txBody>
+      </p:sp>
+      <p:sp>
+        <p:nvSpPr>
+          <p:cNvPr id="9" name="Content Placeholder 8">
+            <a:extLst>
+              <a:ext uri="{FF2B5EF4-FFF2-40B4-BE49-F238E27FC236}">
+                <a16:creationId xmlns:a16="http://schemas.microsoft.com/office/drawing/2014/main" id="{388EA7EB-9402-404B-925F-8A452A9E30A8}"/>
+              </a:ext>
+            </a:extLst>
+          </p:cNvPr>
+          <p:cNvSpPr>
+            <a:spLocks noGrp="1"/>
+          </p:cNvSpPr>
+          <p:nvPr>
+            <p:ph idx="1"/>
+          </p:nvPr>
+        </p:nvSpPr>
+        <p:spPr>
+          <a:xfrm>
+            <a:off x="838199" y="927603"/>
+            <a:ext cx="9283701" cy="1431282"/>
+          </a:xfrm>
+        </p:spPr>
+        <p:txBody>
+          <a:bodyPr>
+            <a:normAutofit fontScale="25000" lnSpcReduction="20000"/>
+          </a:bodyPr>
+          <a:lstStyle/>
+          <a:p>
+            <a:r>
+              <a:rPr lang="en-US" sz="8000" dirty="0"/>
+              <a:t>Iringa has 9% of wells. </a:t>
+            </a:r>
+            <a:r>
+              <a:rPr lang="en-US" sz="8000" dirty="0" err="1"/>
+              <a:t>Shinyanga</a:t>
+            </a:r>
+            <a:r>
+              <a:rPr lang="en-US" sz="8000" dirty="0"/>
+              <a:t> has 8%, Mbeya 8%, Kilimanjaro 7%</a:t>
+            </a:r>
+          </a:p>
+          <a:p>
+            <a:r>
+              <a:rPr lang="en-US" sz="8000" dirty="0"/>
+              <a:t>Over 4,000 of Iringa wells are working and 1,000 not working. </a:t>
+            </a:r>
+          </a:p>
+          <a:p>
+            <a:r>
+              <a:rPr lang="en-US" sz="8000" dirty="0" err="1"/>
+              <a:t>Shinyanga</a:t>
+            </a:r>
+            <a:r>
+              <a:rPr lang="en-US" sz="8000" dirty="0"/>
+              <a:t> has almost 3,000 functioning wells and 1,500 non-functioning</a:t>
+            </a:r>
+          </a:p>
+          <a:p>
+            <a:r>
+              <a:rPr lang="en-US" sz="8000" dirty="0"/>
+              <a:t>Mbeya has 2,500 functioning wells and 2,000 non-functioning.</a:t>
+            </a:r>
+          </a:p>
+        </p:txBody>
+      </p:sp>
+      <p:pic>
+        <p:nvPicPr>
+          <p:cNvPr id="5" name="Picture 4" descr="Chart, bar chart&#10;&#10;Description automatically generated">
+            <a:extLst>
+              <a:ext uri="{FF2B5EF4-FFF2-40B4-BE49-F238E27FC236}">
+                <a16:creationId xmlns:a16="http://schemas.microsoft.com/office/drawing/2014/main" id="{C2257AED-C2A6-014D-A586-6BFA2321FDFC}"/>
+              </a:ext>
+            </a:extLst>
+          </p:cNvPr>
+          <p:cNvPicPr>
+            <a:picLocks noChangeAspect="1"/>
+          </p:cNvPicPr>
+          <p:nvPr/>
+        </p:nvPicPr>
+        <p:blipFill>
+          <a:blip r:embed="rId2"/>
+          <a:stretch>
+            <a:fillRect/>
+          </a:stretch>
+        </p:blipFill>
+        <p:spPr>
+          <a:xfrm>
+            <a:off x="971550" y="2225842"/>
+            <a:ext cx="10248900" cy="3800308"/>
+          </a:xfrm>
+          <a:prstGeom prst="rect">
+            <a:avLst/>
+          </a:prstGeom>
+        </p:spPr>
+      </p:pic>
+    </p:spTree>
+    <p:extLst>
+      <p:ext uri="{BB962C8B-B14F-4D97-AF65-F5344CB8AC3E}">
+        <p14:creationId xmlns:p14="http://schemas.microsoft.com/office/powerpoint/2010/main" val="3216904030"/>
+      </p:ext>
+    </p:extLst>
+  </p:cSld>
+  <p:clrMapOvr>
+    <a:masterClrMapping/>
+  </p:clrMapOvr>
+</p:sld>
+</file>
+
+<file path=ppt/slides/slide13.xml><?xml version="1.0" encoding="utf-8"?>
+<p:sld xmlns:a="http://schemas.openxmlformats.org/drawingml/2006/main" xmlns:r="http://schemas.openxmlformats.org/officeDocument/2006/relationships" xmlns:p="http://schemas.openxmlformats.org/presentationml/2006/main">
+  <p:cSld>
+    <p:bg>
+      <p:bgPr>
+        <a:solidFill>
+          <a:schemeClr val="bg1"/>
+        </a:solidFill>
+        <a:effectLst/>
+      </p:bgPr>
+    </p:bg>
+    <p:spTree>
+      <p:nvGrpSpPr>
+        <p:cNvPr id="1" name=""/>
+        <p:cNvGrpSpPr/>
+        <p:nvPr/>
+      </p:nvGrpSpPr>
+      <p:grpSpPr>
+        <a:xfrm>
+          <a:off x="0" y="0"/>
+          <a:ext cx="0" cy="0"/>
+          <a:chOff x="0" y="0"/>
+          <a:chExt cx="0" cy="0"/>
+        </a:xfrm>
+      </p:grpSpPr>
+      <p:sp useBgFill="1">
+        <p:nvSpPr>
+          <p:cNvPr id="12" name="Rectangle 11">
+            <a:extLst>
+              <a:ext uri="{FF2B5EF4-FFF2-40B4-BE49-F238E27FC236}">
+                <a16:creationId xmlns:a16="http://schemas.microsoft.com/office/drawing/2014/main" id="{9427AF5F-9A0E-42B7-A252-FD64C9885F9C}"/>
+              </a:ext>
+              <a:ext uri="{C183D7F6-B498-43B3-948B-1728B52AA6E4}">
+                <adec:decorative xmlns:adec="http://schemas.microsoft.com/office/drawing/2017/decorative" val="1"/>
+              </a:ext>
+            </a:extLst>
+          </p:cNvPr>
+          <p:cNvSpPr>
+            <a:spLocks noGrp="1" noRot="1" noChangeAspect="1" noMove="1" noResize="1" noEditPoints="1" noAdjustHandles="1" noChangeArrowheads="1" noChangeShapeType="1" noTextEdit="1"/>
+          </p:cNvSpPr>
+          <p:nvPr>
+            <p:extLst>
+              <p:ext uri="{386F3935-93C4-4BCD-93E2-E3B085C9AB24}">
+                <p16:designElem xmlns:p16="http://schemas.microsoft.com/office/powerpoint/2015/main" val="1"/>
+              </p:ext>
+            </p:extLst>
+          </p:nvPr>
+        </p:nvSpPr>
+        <p:spPr>
+          <a:xfrm>
+            <a:off x="-1" y="0"/>
+            <a:ext cx="12188952" cy="6858000"/>
+          </a:xfrm>
+          <a:prstGeom prst="rect">
+            <a:avLst/>
+          </a:prstGeom>
+          <a:ln>
+            <a:noFill/>
+          </a:ln>
+        </p:spPr>
+        <p:style>
+          <a:lnRef idx="2">
+            <a:schemeClr val="accent1">
+              <a:shade val="50000"/>
+            </a:schemeClr>
+          </a:lnRef>
+          <a:fillRef idx="1">
+            <a:schemeClr val="accent1"/>
+          </a:fillRef>
+          <a:effectRef idx="0">
+            <a:schemeClr val="accent1"/>
+          </a:effectRef>
+          <a:fontRef idx="minor">
+            <a:schemeClr val="lt1"/>
+          </a:fontRef>
+        </p:style>
+        <p:txBody>
+          <a:bodyPr rtlCol="0" anchor="ctr"/>
+          <a:lstStyle/>
+          <a:p>
+            <a:pPr algn="ctr"/>
+            <a:endParaRPr lang="en-US"/>
+          </a:p>
+        </p:txBody>
+      </p:sp>
+      <p:sp>
+        <p:nvSpPr>
+          <p:cNvPr id="2" name="Title 1">
+            <a:extLst>
+              <a:ext uri="{FF2B5EF4-FFF2-40B4-BE49-F238E27FC236}">
+                <a16:creationId xmlns:a16="http://schemas.microsoft.com/office/drawing/2014/main" id="{7662D54B-77A3-7949-81BF-095D6CEF4260}"/>
+              </a:ext>
+            </a:extLst>
+          </p:cNvPr>
+          <p:cNvSpPr>
+            <a:spLocks noGrp="1"/>
+          </p:cNvSpPr>
+          <p:nvPr>
+            <p:ph type="title"/>
+          </p:nvPr>
+        </p:nvSpPr>
+        <p:spPr>
+          <a:xfrm>
+            <a:off x="838200" y="365125"/>
+            <a:ext cx="10515600" cy="1306443"/>
+          </a:xfrm>
+        </p:spPr>
+        <p:txBody>
+          <a:bodyPr>
+            <a:normAutofit/>
+          </a:bodyPr>
+          <a:lstStyle/>
+          <a:p>
+            <a:r>
+              <a:rPr lang="en-US" sz="4000" dirty="0"/>
+              <a:t>Water quality in wells and operating status  </a:t>
+            </a:r>
+          </a:p>
+        </p:txBody>
+      </p:sp>
+      <p:sp>
+        <p:nvSpPr>
+          <p:cNvPr id="9" name="Content Placeholder 8">
+            <a:extLst>
+              <a:ext uri="{FF2B5EF4-FFF2-40B4-BE49-F238E27FC236}">
+                <a16:creationId xmlns:a16="http://schemas.microsoft.com/office/drawing/2014/main" id="{388EA7EB-9402-404B-925F-8A452A9E30A8}"/>
+              </a:ext>
+            </a:extLst>
+          </p:cNvPr>
+          <p:cNvSpPr>
+            <a:spLocks noGrp="1"/>
+          </p:cNvSpPr>
+          <p:nvPr>
+            <p:ph idx="1"/>
+          </p:nvPr>
+        </p:nvSpPr>
+        <p:spPr>
+          <a:xfrm>
+            <a:off x="838200" y="1825625"/>
+            <a:ext cx="4152774" cy="4303464"/>
+          </a:xfrm>
+        </p:spPr>
+        <p:txBody>
+          <a:bodyPr>
+            <a:normAutofit fontScale="92500" lnSpcReduction="10000"/>
+          </a:bodyPr>
+          <a:lstStyle/>
+          <a:p>
+            <a:pPr marL="0" indent="0">
+              <a:buNone/>
+            </a:pPr>
+            <a:endParaRPr lang="en-US" sz="2000" dirty="0"/>
+          </a:p>
+          <a:p>
+            <a:r>
+              <a:rPr lang="en-US" sz="2000" dirty="0"/>
+              <a:t>Feature is </a:t>
+            </a:r>
+            <a:r>
+              <a:rPr lang="en-US" sz="2000" dirty="0" err="1"/>
+              <a:t>quality_group</a:t>
+            </a:r>
+            <a:r>
+              <a:rPr lang="en-US" sz="2000" dirty="0"/>
+              <a:t> </a:t>
+            </a:r>
+          </a:p>
+          <a:p>
+            <a:r>
+              <a:rPr lang="en-US" sz="2000" dirty="0"/>
+              <a:t>Good category is 86% of quality</a:t>
+            </a:r>
+          </a:p>
+          <a:p>
+            <a:pPr marL="0" indent="0">
+              <a:buNone/>
+            </a:pPr>
+            <a:r>
+              <a:rPr lang="en-US" sz="2000" dirty="0"/>
+              <a:t>    Around 29,000 wells are functioning </a:t>
+            </a:r>
+          </a:p>
+          <a:p>
+            <a:pPr marL="0" indent="0">
+              <a:buNone/>
+            </a:pPr>
+            <a:r>
+              <a:rPr lang="en-US" sz="2000" dirty="0"/>
+              <a:t>    Almost 18,000 non-functioning</a:t>
+            </a:r>
+          </a:p>
+          <a:p>
+            <a:pPr marL="0" indent="0">
+              <a:buNone/>
+            </a:pPr>
+            <a:r>
+              <a:rPr lang="en-US" sz="2000" dirty="0"/>
+              <a:t>    Around 4,000 need repairs.</a:t>
+            </a:r>
+          </a:p>
+          <a:p>
+            <a:r>
+              <a:rPr lang="en-US" sz="2000" dirty="0"/>
+              <a:t>Salty is 9% of feature.</a:t>
+            </a:r>
+          </a:p>
+          <a:p>
+            <a:pPr marL="0" indent="0">
+              <a:buNone/>
+            </a:pPr>
+            <a:r>
+              <a:rPr lang="en-US" sz="2000" dirty="0"/>
+              <a:t>     Around 2,500 wells functioning</a:t>
+            </a:r>
+          </a:p>
+          <a:p>
+            <a:pPr marL="0" indent="0">
+              <a:buNone/>
+            </a:pPr>
+            <a:r>
+              <a:rPr lang="en-US" sz="2000" dirty="0"/>
+              <a:t>     Around 2,500 non-functioning</a:t>
+            </a:r>
+          </a:p>
+          <a:p>
+            <a:pPr marL="0" indent="0">
+              <a:buNone/>
+            </a:pPr>
+            <a:r>
+              <a:rPr lang="en-US" sz="2000" dirty="0"/>
+              <a:t>     500 need repairs</a:t>
+            </a:r>
+          </a:p>
+          <a:p>
+            <a:r>
+              <a:rPr lang="en-US" sz="2000" dirty="0"/>
+              <a:t>Milky is 1% of feature.</a:t>
+            </a:r>
+          </a:p>
+          <a:p>
+            <a:pPr marL="0" indent="0">
+              <a:buNone/>
+            </a:pPr>
+            <a:r>
+              <a:rPr lang="en-US" sz="2000" dirty="0"/>
+              <a:t>    </a:t>
+            </a:r>
+          </a:p>
+        </p:txBody>
+      </p:sp>
+      <p:pic>
+        <p:nvPicPr>
+          <p:cNvPr id="5" name="Picture 4" descr="Chart, bar chart&#10;&#10;Description automatically generated">
+            <a:extLst>
+              <a:ext uri="{FF2B5EF4-FFF2-40B4-BE49-F238E27FC236}">
+                <a16:creationId xmlns:a16="http://schemas.microsoft.com/office/drawing/2014/main" id="{DFAEDC42-CE18-454B-B9EA-F736E6DBE6F7}"/>
+              </a:ext>
+            </a:extLst>
+          </p:cNvPr>
+          <p:cNvPicPr>
+            <a:picLocks noChangeAspect="1"/>
+          </p:cNvPicPr>
+          <p:nvPr/>
+        </p:nvPicPr>
+        <p:blipFill>
+          <a:blip r:embed="rId2"/>
+          <a:stretch>
+            <a:fillRect/>
+          </a:stretch>
+        </p:blipFill>
+        <p:spPr>
+          <a:xfrm>
+            <a:off x="4990974" y="1333499"/>
+            <a:ext cx="5091488" cy="4453689"/>
+          </a:xfrm>
+          <a:prstGeom prst="rect">
+            <a:avLst/>
+          </a:prstGeom>
+        </p:spPr>
+      </p:pic>
+    </p:spTree>
+    <p:extLst>
+      <p:ext uri="{BB962C8B-B14F-4D97-AF65-F5344CB8AC3E}">
+        <p14:creationId xmlns:p14="http://schemas.microsoft.com/office/powerpoint/2010/main" val="1820099419"/>
+      </p:ext>
+    </p:extLst>
+  </p:cSld>
+  <p:clrMapOvr>
+    <a:masterClrMapping/>
+  </p:clrMapOvr>
+</p:sld>
+</file>
+
+<file path=ppt/slides/slide14.xml><?xml version="1.0" encoding="utf-8"?>
 <p:sld xmlns:a="http://schemas.openxmlformats.org/drawingml/2006/main" xmlns:r="http://schemas.openxmlformats.org/officeDocument/2006/relationships" xmlns:p="http://schemas.openxmlformats.org/presentationml/2006/main">
   <p:cSld>
     <p:spTree>
@@ -5893,7 +6352,7 @@
           <p:cNvPr id="2" name="Title 1">
             <a:extLst>
               <a:ext uri="{FF2B5EF4-FFF2-40B4-BE49-F238E27FC236}">
-                <a16:creationId xmlns:a16="http://schemas.microsoft.com/office/drawing/2014/main" id="{1F910281-CD61-E646-BF85-13F4CB8F5471}"/>
+                <a16:creationId xmlns:a16="http://schemas.microsoft.com/office/drawing/2014/main" id="{525E4D8E-8437-C048-ADAA-F9A31E36BD95}"/>
               </a:ext>
             </a:extLst>
           </p:cNvPr>
@@ -5909,9 +6368,10 @@
           <a:bodyPr/>
           <a:lstStyle/>
           <a:p>
-            <a:r>
-              <a:rPr lang="en-US" dirty="0"/>
-              <a:t>Closing</a:t>
+            <a:pPr algn="ctr"/>
+            <a:r>
+              <a:rPr lang="en-US" b="1" dirty="0"/>
+              <a:t>Follow-up</a:t>
             </a:r>
           </a:p>
         </p:txBody>
@@ -5921,7 +6381,7 @@
           <p:cNvPr id="3" name="Content Placeholder 2">
             <a:extLst>
               <a:ext uri="{FF2B5EF4-FFF2-40B4-BE49-F238E27FC236}">
-                <a16:creationId xmlns:a16="http://schemas.microsoft.com/office/drawing/2014/main" id="{16BED5B5-233F-4A49-A2AA-430866B5EDF1}"/>
+                <a16:creationId xmlns:a16="http://schemas.microsoft.com/office/drawing/2014/main" id="{5168676E-9C49-8941-A50E-5C0B9548557C}"/>
               </a:ext>
             </a:extLst>
           </p:cNvPr>
@@ -5937,6 +6397,126 @@
           <a:bodyPr/>
           <a:lstStyle/>
           <a:p>
+            <a:pPr marL="0" indent="0">
+              <a:buNone/>
+            </a:pPr>
+            <a:r>
+              <a:rPr lang="en-US" dirty="0"/>
+              <a:t>If I had more time I would continue working on the following matters:</a:t>
+            </a:r>
+          </a:p>
+          <a:p>
+            <a:pPr marL="0" indent="0">
+              <a:buNone/>
+            </a:pPr>
+            <a:r>
+              <a:rPr lang="en-US" dirty="0"/>
+              <a:t>Geographic spatial map</a:t>
+            </a:r>
+          </a:p>
+          <a:p>
+            <a:pPr marL="0" indent="0">
+              <a:buNone/>
+            </a:pPr>
+            <a:r>
+              <a:rPr lang="en-US" dirty="0"/>
+              <a:t>Work on the column showing the amount of water available for the population around the well.  This is critical information because it’s not enough to determine whether the well is working or not, another issue is whether the well sufficient to provide meet the community’s water needs.</a:t>
+            </a:r>
+          </a:p>
+          <a:p>
+            <a:pPr marL="0" indent="0">
+              <a:buNone/>
+            </a:pPr>
+            <a:endParaRPr lang="en-US" dirty="0"/>
+          </a:p>
+          <a:p>
+            <a:pPr marL="0" indent="0">
+              <a:buNone/>
+            </a:pPr>
+            <a:endParaRPr lang="en-US" dirty="0"/>
+          </a:p>
+        </p:txBody>
+      </p:sp>
+    </p:spTree>
+    <p:extLst>
+      <p:ext uri="{BB962C8B-B14F-4D97-AF65-F5344CB8AC3E}">
+        <p14:creationId xmlns:p14="http://schemas.microsoft.com/office/powerpoint/2010/main" val="2272067240"/>
+      </p:ext>
+    </p:extLst>
+  </p:cSld>
+  <p:clrMapOvr>
+    <a:masterClrMapping/>
+  </p:clrMapOvr>
+</p:sld>
+</file>
+
+<file path=ppt/slides/slide15.xml><?xml version="1.0" encoding="utf-8"?>
+<p:sld xmlns:a="http://schemas.openxmlformats.org/drawingml/2006/main" xmlns:r="http://schemas.openxmlformats.org/officeDocument/2006/relationships" xmlns:p="http://schemas.openxmlformats.org/presentationml/2006/main">
+  <p:cSld>
+    <p:spTree>
+      <p:nvGrpSpPr>
+        <p:cNvPr id="1" name=""/>
+        <p:cNvGrpSpPr/>
+        <p:nvPr/>
+      </p:nvGrpSpPr>
+      <p:grpSpPr>
+        <a:xfrm>
+          <a:off x="0" y="0"/>
+          <a:ext cx="0" cy="0"/>
+          <a:chOff x="0" y="0"/>
+          <a:chExt cx="0" cy="0"/>
+        </a:xfrm>
+      </p:grpSpPr>
+      <p:sp>
+        <p:nvSpPr>
+          <p:cNvPr id="2" name="Title 1">
+            <a:extLst>
+              <a:ext uri="{FF2B5EF4-FFF2-40B4-BE49-F238E27FC236}">
+                <a16:creationId xmlns:a16="http://schemas.microsoft.com/office/drawing/2014/main" id="{1F910281-CD61-E646-BF85-13F4CB8F5471}"/>
+              </a:ext>
+            </a:extLst>
+          </p:cNvPr>
+          <p:cNvSpPr>
+            <a:spLocks noGrp="1"/>
+          </p:cNvSpPr>
+          <p:nvPr>
+            <p:ph type="title"/>
+          </p:nvPr>
+        </p:nvSpPr>
+        <p:spPr/>
+        <p:txBody>
+          <a:bodyPr/>
+          <a:lstStyle/>
+          <a:p>
+            <a:pPr algn="ctr"/>
+            <a:r>
+              <a:rPr lang="en-US" b="1" dirty="0"/>
+              <a:t>Closing</a:t>
+            </a:r>
+          </a:p>
+        </p:txBody>
+      </p:sp>
+      <p:sp>
+        <p:nvSpPr>
+          <p:cNvPr id="3" name="Content Placeholder 2">
+            <a:extLst>
+              <a:ext uri="{FF2B5EF4-FFF2-40B4-BE49-F238E27FC236}">
+                <a16:creationId xmlns:a16="http://schemas.microsoft.com/office/drawing/2014/main" id="{16BED5B5-233F-4A49-A2AA-430866B5EDF1}"/>
+              </a:ext>
+            </a:extLst>
+          </p:cNvPr>
+          <p:cNvSpPr>
+            <a:spLocks noGrp="1"/>
+          </p:cNvSpPr>
+          <p:nvPr>
+            <p:ph idx="1"/>
+          </p:nvPr>
+        </p:nvSpPr>
+        <p:spPr/>
+        <p:txBody>
+          <a:bodyPr/>
+          <a:lstStyle/>
+          <a:p>
             <a:r>
               <a:rPr lang="en-US" dirty="0"/>
               <a:t>Thank you for taking the time to listen to my presentation regarding the water crisis in Tanzania.  If you have any questions, please do not hesitate to reach out to me at (917) 348-3454 or email me at </a:t>
@@ -5946,10 +6526,9 @@
               <a:t>torredave@gmail.com</a:t>
             </a:r>
             <a:r>
-              <a:rPr lang="en-US"/>
+              <a:rPr lang="en-US" dirty="0"/>
               <a:t>.</a:t>
             </a:r>
-            <a:endParaRPr lang="en-US" dirty="0"/>
           </a:p>
         </p:txBody>
       </p:sp>
@@ -6036,38 +6615,29 @@
         </p:spPr>
         <p:txBody>
           <a:bodyPr>
-            <a:normAutofit fontScale="85000" lnSpcReduction="20000"/>
+            <a:normAutofit/>
           </a:bodyPr>
           <a:lstStyle/>
           <a:p>
             <a:r>
               <a:rPr lang="en-US" dirty="0"/>
-              <a:t>The International Water Development Agency  has asked me to analyze existing data regarding the ongoing water crisis in the country of Tanzania, specifically involving the water wells.   </a:t>
+              <a:t>The International Water Development Agency  has asked me to analyze existing data regarding operating status of water wells in Tanzania.  </a:t>
             </a:r>
           </a:p>
           <a:p>
             <a:r>
               <a:rPr lang="en-US" dirty="0"/>
-              <a:t>I will  provide the Agency with analysis of the facts and factors which had the most impact on the operating status of the wells and recommendations on which factors in order to increase the level of functioning wells merit continuing, improvement or discontinuing.</a:t>
+              <a:t>Task is to create classification models  to predict the operating status of water wells based on features whether they are functioning, non-functioning, or functioning but requiring repairs.  This is a multi-class classification model. </a:t>
             </a:r>
           </a:p>
           <a:p>
             <a:r>
               <a:rPr lang="en-US" dirty="0"/>
-              <a:t>I will create classification models to predict the condition of water wells based on  features that will be functioning, non-functioning, or functioning but requiring repairs.  This is a multi-class classification model. </a:t>
-            </a:r>
-          </a:p>
-          <a:p>
-            <a:r>
-              <a:rPr lang="en-US" dirty="0"/>
-              <a:t>I worked with a dataset containing 59,400 data points and 40 features.  Features contain information ranging from entities that installed wells, when wells were installed, location of water wells to the water quality of the wells.  </a:t>
-            </a:r>
-          </a:p>
-          <a:p>
-            <a:r>
-              <a:rPr lang="en-US" dirty="0"/>
-              <a:t>Dataset covers time period 1960 – 2013.</a:t>
-            </a:r>
+              <a:t>The dataset contains 59,400 data points and 40 features.  Features ranged from entities that installed wells, when wells were installed, location of water wells to the water quality of the wells.  </a:t>
+            </a:r>
+          </a:p>
+          <a:p>
+            <a:endParaRPr lang="en-US" dirty="0"/>
           </a:p>
           <a:p>
             <a:endParaRPr lang="en-US" dirty="0"/>
@@ -6191,7 +6761,7 @@
         <p:spPr>
           <a:xfrm>
             <a:off x="838200" y="365125"/>
-            <a:ext cx="10515600" cy="1306443"/>
+            <a:ext cx="10515600" cy="1574886"/>
           </a:xfrm>
         </p:spPr>
         <p:txBody>
@@ -6200,9 +6770,10 @@
           </a:bodyPr>
           <a:lstStyle/>
           <a:p>
-            <a:r>
-              <a:rPr lang="en-US" sz="4000" dirty="0"/>
-              <a:t>What is the condition of the water points ?  </a:t>
+            <a:pPr algn="ctr"/>
+            <a:r>
+              <a:rPr lang="en-US" sz="4000" b="1" dirty="0"/>
+              <a:t>Random Forest and Confusion Matrix   </a:t>
             </a:r>
           </a:p>
         </p:txBody>
@@ -6241,46 +6812,64 @@
             <a:endParaRPr lang="en-US" sz="2000" dirty="0"/>
           </a:p>
           <a:p>
+            <a:r>
+              <a:rPr lang="en-US" sz="2000" dirty="0"/>
+              <a:t>Random Forest is a classification model consisting of many decision trees.</a:t>
+            </a:r>
+          </a:p>
+          <a:p>
+            <a:r>
+              <a:rPr lang="en-US" sz="2000" dirty="0"/>
+              <a:t>Overall model accuracy: 78%</a:t>
+            </a:r>
+          </a:p>
+          <a:p>
+            <a:r>
+              <a:rPr lang="en-US" sz="2000" dirty="0"/>
+              <a:t>Model target is multi-class</a:t>
+            </a:r>
+          </a:p>
+          <a:p>
+            <a:r>
+              <a:rPr lang="en-US" sz="2000" dirty="0"/>
+              <a:t>Confusion Matrix:</a:t>
+            </a:r>
+          </a:p>
+          <a:p>
             <a:pPr marL="0" indent="0">
               <a:buNone/>
             </a:pPr>
             <a:r>
               <a:rPr lang="en-US" sz="2000" dirty="0"/>
-              <a:t>Distribution of target/labels</a:t>
-            </a:r>
-          </a:p>
-          <a:p>
+              <a:t>     82% in predicting functioning wells </a:t>
+            </a:r>
+          </a:p>
+          <a:p>
+            <a:pPr marL="0" indent="0">
+              <a:buNone/>
+            </a:pPr>
             <a:r>
               <a:rPr lang="en-US" sz="2000" dirty="0"/>
-              <a:t>59,400 water wells</a:t>
-            </a:r>
-          </a:p>
-          <a:p>
+              <a:t>     78% accuracy non-functioning </a:t>
+            </a:r>
+          </a:p>
+          <a:p>
+            <a:pPr marL="0" indent="0">
+              <a:buNone/>
+            </a:pPr>
             <a:r>
               <a:rPr lang="en-US" sz="2000" dirty="0"/>
-              <a:t>54% of the wells are functioning</a:t>
-            </a:r>
-          </a:p>
-          <a:p>
-            <a:r>
-              <a:rPr lang="en-US" sz="2000" dirty="0"/>
-              <a:t>38% of the wells are non-functioning.</a:t>
-            </a:r>
-          </a:p>
-          <a:p>
-            <a:r>
-              <a:rPr lang="en-US" sz="2000" dirty="0"/>
-              <a:t>7% are functioning but need repairs.</a:t>
+              <a:t>     48% functioning need repairs</a:t>
             </a:r>
           </a:p>
         </p:txBody>
       </p:sp>
       <p:pic>
         <p:nvPicPr>
-          <p:cNvPr id="5" name="Content Placeholder 4" descr="Chart, bar chart&#10;&#10;Description automatically generated">
-            <a:extLst>
-              <a:ext uri="{FF2B5EF4-FFF2-40B4-BE49-F238E27FC236}">
-                <a16:creationId xmlns:a16="http://schemas.microsoft.com/office/drawing/2014/main" id="{ED2D997A-09B9-FE4C-B6AA-46F0E3C9426F}"/>
+          <p:cNvPr id="4" name="Picture 3" descr="Chart&#10;&#10;Description automatically generated">
+            <a:extLst>
+              <a:ext uri="{FF2B5EF4-FFF2-40B4-BE49-F238E27FC236}">
+                <a16:creationId xmlns:a16="http://schemas.microsoft.com/office/drawing/2014/main" id="{531CFF5A-919B-F14E-B2BC-0CBD97058FBC}"/>
               </a:ext>
             </a:extLst>
           </p:cNvPr>
@@ -6289,15 +6878,16 @@
           </p:cNvPicPr>
           <p:nvPr/>
         </p:nvPicPr>
-        <p:blipFill rotWithShape="1">
+        <p:blipFill>
           <a:blip r:embed="rId2"/>
-          <a:srcRect l="2312" r="11884" b="1"/>
-          <a:stretch/>
+          <a:stretch>
+            <a:fillRect/>
+          </a:stretch>
         </p:blipFill>
         <p:spPr>
           <a:xfrm>
-            <a:off x="5183500" y="1904282"/>
-            <a:ext cx="6170299" cy="4224808"/>
+            <a:off x="4880918" y="1940011"/>
+            <a:ext cx="4769707" cy="4090085"/>
           </a:xfrm>
           <a:prstGeom prst="rect">
             <a:avLst/>
@@ -6307,7 +6897,7 @@
     </p:spTree>
     <p:extLst>
       <p:ext uri="{BB962C8B-B14F-4D97-AF65-F5344CB8AC3E}">
-        <p14:creationId xmlns:p14="http://schemas.microsoft.com/office/powerpoint/2010/main" val="2811283898"/>
+        <p14:creationId xmlns:p14="http://schemas.microsoft.com/office/powerpoint/2010/main" val="3042065229"/>
       </p:ext>
     </p:extLst>
   </p:cSld>
@@ -6420,8 +7010,8 @@
         </p:nvSpPr>
         <p:spPr>
           <a:xfrm>
-            <a:off x="838200" y="1"/>
-            <a:ext cx="10515600" cy="927601"/>
+            <a:off x="838200" y="365125"/>
+            <a:ext cx="10515600" cy="1306443"/>
           </a:xfrm>
         </p:spPr>
         <p:txBody>
@@ -6431,8 +7021,8 @@
           <a:lstStyle/>
           <a:p>
             <a:r>
-              <a:rPr lang="en-US" sz="3200" dirty="0"/>
-              <a:t>When were the water points built?  </a:t>
+              <a:rPr lang="en-US" sz="4000" dirty="0"/>
+              <a:t>Operating status of the water wells?  </a:t>
             </a:r>
           </a:p>
         </p:txBody>
@@ -6455,79 +7045,62 @@
         </p:nvSpPr>
         <p:spPr>
           <a:xfrm>
-            <a:off x="838199" y="927602"/>
-            <a:ext cx="9283701" cy="2501397"/>
+            <a:off x="838200" y="1825625"/>
+            <a:ext cx="4152774" cy="4303464"/>
           </a:xfrm>
         </p:spPr>
         <p:txBody>
           <a:bodyPr>
-            <a:normAutofit fontScale="25000" lnSpcReduction="20000"/>
+            <a:normAutofit/>
           </a:bodyPr>
           <a:lstStyle/>
           <a:p>
-            <a:r>
-              <a:rPr lang="en-US" sz="8000" dirty="0"/>
-              <a:t>Water wells were constructed between 1960 and 2013.</a:t>
-            </a:r>
-          </a:p>
-          <a:p>
-            <a:r>
-              <a:rPr lang="en-US" sz="8000" dirty="0"/>
-              <a:t>An issue is 35% of feature ‘</a:t>
-            </a:r>
-            <a:r>
-              <a:rPr lang="en-US" sz="8000" dirty="0" err="1"/>
-              <a:t>construction_year</a:t>
-            </a:r>
-            <a:r>
-              <a:rPr lang="en-US" sz="8000" dirty="0"/>
-              <a:t>’ reported 0 values.  Need data of which years 0 represent for clearer picture of how old wells are.</a:t>
-            </a:r>
-          </a:p>
-          <a:p>
-            <a:r>
-              <a:rPr lang="en-US" sz="8000" dirty="0"/>
-              <a:t>Excluding 0 values, most wells built between 2008 to 2011.  Years 2000, 2008, 2009, 2009 each represent 4% of feature.  </a:t>
-            </a:r>
-          </a:p>
-          <a:p>
-            <a:r>
-              <a:rPr lang="en-US" sz="8000" dirty="0"/>
-              <a:t>In 2008, 1800 wells functional, 700 non-functional, 200 need repair.</a:t>
-            </a:r>
-          </a:p>
-          <a:p>
             <a:pPr marL="0" indent="0">
               <a:buNone/>
             </a:pPr>
-            <a:r>
-              <a:rPr lang="en-US" sz="8000" dirty="0"/>
-              <a:t>    In 2009, over 1,750 functioning, 700 non-functioning, 175 need repairs.</a:t>
-            </a:r>
+            <a:endParaRPr lang="en-US" sz="2000" dirty="0"/>
           </a:p>
           <a:p>
             <a:pPr marL="0" indent="0">
               <a:buNone/>
             </a:pPr>
             <a:r>
-              <a:rPr lang="en-US" sz="8000" dirty="0"/>
-              <a:t>    In 2010, over 2,000 functioning, 550 non-functioning, 170 need repairs.</a:t>
-            </a:r>
-          </a:p>
-          <a:p>
-            <a:pPr marL="0" indent="0">
-              <a:buNone/>
-            </a:pPr>
-            <a:endParaRPr lang="en-US" sz="8000" dirty="0"/>
+              <a:rPr lang="en-US" sz="2000" dirty="0"/>
+              <a:t>Distribution of target/labels</a:t>
+            </a:r>
+          </a:p>
+          <a:p>
+            <a:r>
+              <a:rPr lang="en-US" sz="2000" dirty="0"/>
+              <a:t>59,400 water wells</a:t>
+            </a:r>
+          </a:p>
+          <a:p>
+            <a:r>
+              <a:rPr lang="en-US" sz="2000" dirty="0"/>
+              <a:t>54% of the wells are functioning</a:t>
+            </a:r>
+          </a:p>
+          <a:p>
+            <a:r>
+              <a:rPr lang="en-US" sz="2000" dirty="0"/>
+              <a:t>38% of the wells are non-functioning.</a:t>
+            </a:r>
+          </a:p>
+          <a:p>
+            <a:r>
+              <a:rPr lang="en-US" sz="2000" dirty="0"/>
+              <a:t>7% are functioning but need repairs.</a:t>
+            </a:r>
           </a:p>
         </p:txBody>
       </p:sp>
       <p:pic>
         <p:nvPicPr>
-          <p:cNvPr id="4" name="Picture 3" descr="A picture containing chart&#10;&#10;Description automatically generated">
-            <a:extLst>
-              <a:ext uri="{FF2B5EF4-FFF2-40B4-BE49-F238E27FC236}">
-                <a16:creationId xmlns:a16="http://schemas.microsoft.com/office/drawing/2014/main" id="{4299701B-4741-5546-8330-067F0571AD20}"/>
+          <p:cNvPr id="5" name="Content Placeholder 4" descr="Chart, bar chart&#10;&#10;Description automatically generated">
+            <a:extLst>
+              <a:ext uri="{FF2B5EF4-FFF2-40B4-BE49-F238E27FC236}">
+                <a16:creationId xmlns:a16="http://schemas.microsoft.com/office/drawing/2014/main" id="{ED2D997A-09B9-FE4C-B6AA-46F0E3C9426F}"/>
               </a:ext>
             </a:extLst>
           </p:cNvPr>
@@ -6536,16 +7109,15 @@
           </p:cNvPicPr>
           <p:nvPr/>
         </p:nvPicPr>
-        <p:blipFill>
+        <p:blipFill rotWithShape="1">
           <a:blip r:embed="rId2"/>
-          <a:stretch>
-            <a:fillRect/>
-          </a:stretch>
+          <a:srcRect l="2312" r="11884" b="1"/>
+          <a:stretch/>
         </p:blipFill>
         <p:spPr>
           <a:xfrm>
-            <a:off x="193431" y="3429000"/>
-            <a:ext cx="11995520" cy="3429000"/>
+            <a:off x="5183500" y="1904282"/>
+            <a:ext cx="6170299" cy="4224808"/>
           </a:xfrm>
           <a:prstGeom prst="rect">
             <a:avLst/>
@@ -6555,7 +7127,7 @@
     </p:spTree>
     <p:extLst>
       <p:ext uri="{BB962C8B-B14F-4D97-AF65-F5344CB8AC3E}">
-        <p14:creationId xmlns:p14="http://schemas.microsoft.com/office/powerpoint/2010/main" val="3168862126"/>
+        <p14:creationId xmlns:p14="http://schemas.microsoft.com/office/powerpoint/2010/main" val="2811283898"/>
       </p:ext>
     </p:extLst>
   </p:cSld>
@@ -6669,7 +7241,7 @@
         <p:spPr>
           <a:xfrm>
             <a:off x="838200" y="365125"/>
-            <a:ext cx="10515600" cy="1306443"/>
+            <a:ext cx="10515600" cy="1574886"/>
           </a:xfrm>
         </p:spPr>
         <p:txBody>
@@ -6680,7 +7252,7 @@
           <a:p>
             <a:r>
               <a:rPr lang="en-US" sz="4000" dirty="0"/>
-              <a:t>Water ‘quantity’ in wells and operating status  </a:t>
+              <a:t>Feature Importance</a:t>
             </a:r>
           </a:p>
         </p:txBody>
@@ -6704,129 +7276,87 @@
         <p:spPr>
           <a:xfrm>
             <a:off x="838200" y="1825625"/>
-            <a:ext cx="4152774" cy="4546600"/>
+            <a:ext cx="4152774" cy="4303464"/>
           </a:xfrm>
         </p:spPr>
         <p:txBody>
           <a:bodyPr>
-            <a:normAutofit fontScale="92500" lnSpcReduction="20000"/>
+            <a:normAutofit fontScale="92500" lnSpcReduction="10000"/>
           </a:bodyPr>
           <a:lstStyle/>
           <a:p>
+            <a:endParaRPr lang="en-US" sz="2000" dirty="0"/>
+          </a:p>
+          <a:p>
+            <a:r>
+              <a:rPr lang="en-US" sz="2000" dirty="0"/>
+              <a:t>Ranks factors that had impact on predicting operation status </a:t>
+            </a:r>
+          </a:p>
+          <a:p>
+            <a:r>
+              <a:rPr lang="en-US" sz="2000" dirty="0"/>
+              <a:t>Latitude and longitude of wells’ locations had biggest effect on predicting the functioning status of wells. </a:t>
+            </a:r>
+          </a:p>
+          <a:p>
+            <a:r>
+              <a:rPr lang="en-US" sz="2000" dirty="0" err="1"/>
+              <a:t>construction_year</a:t>
+            </a:r>
+            <a:r>
+              <a:rPr lang="en-US" sz="2000" dirty="0"/>
+              <a:t> was important in making predictions.  </a:t>
+            </a:r>
+          </a:p>
+          <a:p>
+            <a:r>
+              <a:rPr lang="en-US" sz="2000" dirty="0"/>
+              <a:t>Quantity category important – </a:t>
+            </a:r>
+            <a:r>
+              <a:rPr lang="en-US" sz="2000" dirty="0" err="1"/>
+              <a:t>quantity_enough</a:t>
+            </a:r>
+            <a:r>
+              <a:rPr lang="en-US" sz="2000" dirty="0"/>
+              <a:t> and </a:t>
+            </a:r>
+            <a:r>
+              <a:rPr lang="en-US" sz="2000" dirty="0" err="1"/>
+              <a:t>quantity_insufficient</a:t>
+            </a:r>
+            <a:r>
+              <a:rPr lang="en-US" sz="2000" dirty="0"/>
+              <a:t>.</a:t>
+            </a:r>
+          </a:p>
+          <a:p>
             <a:pPr marL="0" indent="0">
               <a:buNone/>
             </a:pPr>
-            <a:endParaRPr lang="en-US" sz="2000" dirty="0"/>
-          </a:p>
-          <a:p>
             <a:r>
               <a:rPr lang="en-US" sz="2000" dirty="0"/>
-              <a:t>5 categories under ‘quantity’</a:t>
-            </a:r>
-          </a:p>
-          <a:p>
+              <a:t>      </a:t>
+            </a:r>
+          </a:p>
+          <a:p>
+            <a:pPr marL="0" indent="0">
+              <a:buNone/>
+            </a:pPr>
             <a:r>
               <a:rPr lang="en-US" sz="2000" dirty="0"/>
-              <a:t>Enough category is 56% of quantity</a:t>
-            </a:r>
-          </a:p>
-          <a:p>
-            <a:pPr marL="0" indent="0">
-              <a:buNone/>
-            </a:pPr>
-            <a:r>
-              <a:rPr lang="en-US" sz="2000" dirty="0"/>
-              <a:t>    Over 20,000 wells are functioning </a:t>
-            </a:r>
-          </a:p>
-          <a:p>
-            <a:pPr marL="0" indent="0">
-              <a:buNone/>
-            </a:pPr>
-            <a:r>
-              <a:rPr lang="en-US" sz="2000" dirty="0"/>
-              <a:t>     Around 9,000 non-functioning</a:t>
-            </a:r>
-          </a:p>
-          <a:p>
-            <a:pPr marL="0" indent="0">
-              <a:buNone/>
-            </a:pPr>
-            <a:r>
-              <a:rPr lang="en-US" sz="2000" dirty="0"/>
-              <a:t>     Around 2,500 need repairs.</a:t>
-            </a:r>
-          </a:p>
-          <a:p>
-            <a:r>
-              <a:rPr lang="en-US" sz="2000" dirty="0"/>
-              <a:t>Insufficient is 26% of feature.</a:t>
-            </a:r>
-          </a:p>
-          <a:p>
-            <a:pPr marL="0" indent="0">
-              <a:buNone/>
-            </a:pPr>
-            <a:r>
-              <a:rPr lang="en-US" sz="2000" dirty="0"/>
-              <a:t>     Around 8,000 wells functioning</a:t>
-            </a:r>
-          </a:p>
-          <a:p>
-            <a:pPr marL="0" indent="0">
-              <a:buNone/>
-            </a:pPr>
-            <a:r>
-              <a:rPr lang="en-US" sz="2000" dirty="0"/>
-              <a:t>     Around 6,000 non-functioning</a:t>
-            </a:r>
-          </a:p>
-          <a:p>
-            <a:pPr marL="0" indent="0">
-              <a:buNone/>
-            </a:pPr>
-            <a:r>
-              <a:rPr lang="en-US" sz="2000" dirty="0"/>
-              <a:t>     2,000 need repairs</a:t>
-            </a:r>
-          </a:p>
-          <a:p>
-            <a:r>
-              <a:rPr lang="en-US" sz="2000" dirty="0"/>
-              <a:t>Dry is 11% of feature.</a:t>
-            </a:r>
-          </a:p>
-          <a:p>
-            <a:pPr marL="0" indent="0">
-              <a:buNone/>
-            </a:pPr>
-            <a:r>
-              <a:rPr lang="en-US" sz="2000" dirty="0"/>
-              <a:t>    Around 6,000 non-functioning</a:t>
-            </a:r>
-          </a:p>
-          <a:p>
-            <a:pPr marL="0" indent="0">
-              <a:buNone/>
-            </a:pPr>
-            <a:r>
-              <a:rPr lang="en-US" sz="2000" dirty="0"/>
-              <a:t>    Few </a:t>
-            </a:r>
-            <a:r>
-              <a:rPr lang="en-US" sz="2000" dirty="0" err="1"/>
-              <a:t>functioing</a:t>
-            </a:r>
-            <a:endParaRPr lang="en-US" sz="2000" dirty="0"/>
+              <a:t> </a:t>
+            </a:r>
           </a:p>
         </p:txBody>
       </p:sp>
       <p:pic>
         <p:nvPicPr>
-          <p:cNvPr id="4" name="Picture 3" descr="Chart, bar chart&#10;&#10;Description automatically generated">
-            <a:extLst>
-              <a:ext uri="{FF2B5EF4-FFF2-40B4-BE49-F238E27FC236}">
-                <a16:creationId xmlns:a16="http://schemas.microsoft.com/office/drawing/2014/main" id="{E5058B79-684B-E049-8BC2-42A95A6F98E2}"/>
+          <p:cNvPr id="5" name="Picture 4">
+            <a:extLst>
+              <a:ext uri="{FF2B5EF4-FFF2-40B4-BE49-F238E27FC236}">
+                <a16:creationId xmlns:a16="http://schemas.microsoft.com/office/drawing/2014/main" id="{A241B449-6BE8-4C4C-BF73-F14065C4B30D}"/>
               </a:ext>
             </a:extLst>
           </p:cNvPr>
@@ -6843,8 +7373,8 @@
         </p:blipFill>
         <p:spPr>
           <a:xfrm>
-            <a:off x="4800600" y="1825624"/>
-            <a:ext cx="5233736" cy="3952875"/>
+            <a:off x="4990974" y="1825625"/>
+            <a:ext cx="5608283" cy="4303464"/>
           </a:xfrm>
           <a:prstGeom prst="rect">
             <a:avLst/>
@@ -6854,7 +7384,7 @@
     </p:spTree>
     <p:extLst>
       <p:ext uri="{BB962C8B-B14F-4D97-AF65-F5344CB8AC3E}">
-        <p14:creationId xmlns:p14="http://schemas.microsoft.com/office/powerpoint/2010/main" val="1052240358"/>
+        <p14:creationId xmlns:p14="http://schemas.microsoft.com/office/powerpoint/2010/main" val="3709503584"/>
       </p:ext>
     </p:extLst>
   </p:cSld>
@@ -6967,8 +7497,8 @@
         </p:nvSpPr>
         <p:spPr>
           <a:xfrm>
-            <a:off x="838200" y="365125"/>
-            <a:ext cx="10515600" cy="1306443"/>
+            <a:off x="838200" y="1"/>
+            <a:ext cx="10515600" cy="927601"/>
           </a:xfrm>
         </p:spPr>
         <p:txBody>
@@ -6978,8 +7508,8 @@
           <a:lstStyle/>
           <a:p>
             <a:r>
-              <a:rPr lang="en-US" sz="4000" dirty="0"/>
-              <a:t>Water quality in wells and operating status  </a:t>
+              <a:rPr lang="en-US" sz="3200" dirty="0"/>
+              <a:t>When were the water points built?  </a:t>
             </a:r>
           </a:p>
         </p:txBody>
@@ -7002,124 +7532,49 @@
         </p:nvSpPr>
         <p:spPr>
           <a:xfrm>
-            <a:off x="838200" y="1825625"/>
-            <a:ext cx="4152774" cy="4303464"/>
+            <a:off x="1000125" y="728664"/>
+            <a:ext cx="10353675" cy="2214560"/>
           </a:xfrm>
         </p:spPr>
         <p:txBody>
           <a:bodyPr>
-            <a:normAutofit fontScale="92500" lnSpcReduction="10000"/>
+            <a:normAutofit fontScale="32500" lnSpcReduction="20000"/>
           </a:bodyPr>
           <a:lstStyle/>
           <a:p>
-            <a:pPr marL="0" indent="0">
-              <a:buNone/>
-            </a:pPr>
-            <a:endParaRPr lang="en-US" sz="2000" dirty="0"/>
-          </a:p>
-          <a:p>
-            <a:r>
-              <a:rPr lang="en-US" sz="2000" dirty="0"/>
-              <a:t>Feature is </a:t>
-            </a:r>
-            <a:r>
-              <a:rPr lang="en-US" sz="2000" dirty="0" err="1"/>
-              <a:t>quality_group</a:t>
-            </a:r>
-            <a:r>
-              <a:rPr lang="en-US" sz="2000" dirty="0"/>
-              <a:t> </a:t>
-            </a:r>
-          </a:p>
-          <a:p>
-            <a:r>
-              <a:rPr lang="en-US" sz="2000" dirty="0"/>
-              <a:t>Good category is 86% of quality</a:t>
-            </a:r>
-          </a:p>
-          <a:p>
-            <a:pPr marL="0" indent="0">
-              <a:buNone/>
-            </a:pPr>
-            <a:r>
-              <a:rPr lang="en-US" sz="2000" dirty="0"/>
-              <a:t>    Around 29,000 wells are functioning </a:t>
-            </a:r>
-          </a:p>
-          <a:p>
-            <a:pPr marL="0" indent="0">
-              <a:buNone/>
-            </a:pPr>
-            <a:r>
-              <a:rPr lang="en-US" sz="2000" dirty="0"/>
-              <a:t>    Almost 18,000 non-functioning</a:t>
-            </a:r>
-          </a:p>
-          <a:p>
-            <a:pPr marL="0" indent="0">
-              <a:buNone/>
-            </a:pPr>
-            <a:r>
-              <a:rPr lang="en-US" sz="2000" dirty="0"/>
-              <a:t>    Around 4,000 need repairs.</a:t>
-            </a:r>
-          </a:p>
-          <a:p>
-            <a:r>
-              <a:rPr lang="en-US" sz="2000" dirty="0"/>
-              <a:t>Salty is 9% of feature.</a:t>
-            </a:r>
-          </a:p>
-          <a:p>
-            <a:pPr marL="0" indent="0">
-              <a:buNone/>
-            </a:pPr>
-            <a:r>
-              <a:rPr lang="en-US" sz="2000" dirty="0"/>
-              <a:t>     Around 2,500 wells functioning</a:t>
-            </a:r>
-          </a:p>
-          <a:p>
-            <a:pPr marL="0" indent="0">
-              <a:buNone/>
-            </a:pPr>
-            <a:r>
-              <a:rPr lang="en-US" sz="2000" dirty="0"/>
-              <a:t>     Around 2,500 non-functioning</a:t>
-            </a:r>
-          </a:p>
-          <a:p>
-            <a:pPr marL="0" indent="0">
-              <a:buNone/>
-            </a:pPr>
-            <a:r>
-              <a:rPr lang="en-US" sz="2000" dirty="0"/>
-              <a:t>     500 need repairs</a:t>
-            </a:r>
-          </a:p>
-          <a:p>
-            <a:r>
-              <a:rPr lang="en-US" sz="2000" dirty="0"/>
-              <a:t>Milky is 1% of feature.</a:t>
-            </a:r>
-          </a:p>
-          <a:p>
-            <a:pPr marL="0" indent="0">
-              <a:buNone/>
-            </a:pPr>
-            <a:r>
-              <a:rPr lang="en-US" sz="2000" dirty="0"/>
-              <a:t>    </a:t>
+            <a:r>
+              <a:rPr lang="en-US" sz="8000" dirty="0"/>
+              <a:t>Constructed between 1960 and 2013.</a:t>
+            </a:r>
+          </a:p>
+          <a:p>
+            <a:r>
+              <a:rPr lang="en-US" sz="8000" dirty="0"/>
+              <a:t>35% of feature ‘</a:t>
+            </a:r>
+            <a:r>
+              <a:rPr lang="en-US" sz="8000" dirty="0" err="1"/>
+              <a:t>construction_year</a:t>
+            </a:r>
+            <a:r>
+              <a:rPr lang="en-US" sz="8000" dirty="0"/>
+              <a:t>’ reported 0 values.  Need data for 0 year values for clearer picture of operating of wells.</a:t>
+            </a:r>
+          </a:p>
+          <a:p>
+            <a:r>
+              <a:rPr lang="en-US" sz="8000" dirty="0"/>
+              <a:t>Most wells built between 2008 to 2011.  Years 2000, 2008 to 2011 each represent 4% of feature.  </a:t>
             </a:r>
           </a:p>
         </p:txBody>
       </p:sp>
       <p:pic>
         <p:nvPicPr>
-          <p:cNvPr id="5" name="Picture 4" descr="Chart, bar chart&#10;&#10;Description automatically generated">
-            <a:extLst>
-              <a:ext uri="{FF2B5EF4-FFF2-40B4-BE49-F238E27FC236}">
-                <a16:creationId xmlns:a16="http://schemas.microsoft.com/office/drawing/2014/main" id="{DFAEDC42-CE18-454B-B9EA-F736E6DBE6F7}"/>
+          <p:cNvPr id="7" name="Picture 6" descr="Graphical user interface, text, application, email&#10;&#10;Description automatically generated">
+            <a:extLst>
+              <a:ext uri="{FF2B5EF4-FFF2-40B4-BE49-F238E27FC236}">
+                <a16:creationId xmlns:a16="http://schemas.microsoft.com/office/drawing/2014/main" id="{B48494EC-69B9-E041-BB16-A83239B2D6AF}"/>
               </a:ext>
             </a:extLst>
           </p:cNvPr>
@@ -7136,8 +7591,8 @@
         </p:blipFill>
         <p:spPr>
           <a:xfrm>
-            <a:off x="4990974" y="1333499"/>
-            <a:ext cx="5091488" cy="4453689"/>
+            <a:off x="266700" y="2943224"/>
+            <a:ext cx="11658600" cy="3914775"/>
           </a:xfrm>
           <a:prstGeom prst="rect">
             <a:avLst/>
@@ -7147,7 +7602,7 @@
     </p:spTree>
     <p:extLst>
       <p:ext uri="{BB962C8B-B14F-4D97-AF65-F5344CB8AC3E}">
-        <p14:creationId xmlns:p14="http://schemas.microsoft.com/office/powerpoint/2010/main" val="2883465718"/>
+        <p14:creationId xmlns:p14="http://schemas.microsoft.com/office/powerpoint/2010/main" val="3168862126"/>
       </p:ext>
     </p:extLst>
   </p:cSld>
@@ -7260,8 +7715,8 @@
         </p:nvSpPr>
         <p:spPr>
           <a:xfrm>
-            <a:off x="838200" y="1"/>
-            <a:ext cx="10515600" cy="1096714"/>
+            <a:off x="838200" y="365125"/>
+            <a:ext cx="10515600" cy="1306443"/>
           </a:xfrm>
         </p:spPr>
         <p:txBody>
@@ -7272,7 +7727,7 @@
           <a:p>
             <a:r>
               <a:rPr lang="en-US" sz="4000" dirty="0"/>
-              <a:t>Which regions have water wells.  </a:t>
+              <a:t>Population and operating status  </a:t>
             </a:r>
           </a:p>
         </p:txBody>
@@ -7295,59 +7750,142 @@
         </p:nvSpPr>
         <p:spPr>
           <a:xfrm>
-            <a:off x="838199" y="927603"/>
-            <a:ext cx="9283701" cy="1431282"/>
+            <a:off x="838200" y="1825625"/>
+            <a:ext cx="4152774" cy="4303464"/>
           </a:xfrm>
         </p:spPr>
         <p:txBody>
           <a:bodyPr>
-            <a:normAutofit fontScale="25000" lnSpcReduction="20000"/>
+            <a:normAutofit fontScale="85000" lnSpcReduction="20000"/>
           </a:bodyPr>
           <a:lstStyle/>
           <a:p>
-            <a:r>
-              <a:rPr lang="en-US" sz="8000" dirty="0"/>
-              <a:t>Iringa has 9% of wells. </a:t>
-            </a:r>
-            <a:r>
-              <a:rPr lang="en-US" sz="8000" dirty="0" err="1"/>
-              <a:t>Shinyanga</a:t>
-            </a:r>
-            <a:r>
-              <a:rPr lang="en-US" sz="8000" dirty="0"/>
-              <a:t> has 8%, Mbeya 8%, Kilimanjaro 7%</a:t>
-            </a:r>
-          </a:p>
-          <a:p>
-            <a:r>
-              <a:rPr lang="en-US" sz="8000" dirty="0"/>
-              <a:t>Over 4,000 of Iringa wells are working and 1,000 not working. </a:t>
-            </a:r>
-          </a:p>
-          <a:p>
-            <a:r>
-              <a:rPr lang="en-US" sz="8000" dirty="0" err="1"/>
-              <a:t>Shinyanga</a:t>
-            </a:r>
-            <a:r>
-              <a:rPr lang="en-US" sz="8000" dirty="0"/>
-              <a:t> has almost 3,000 functioning wells and 1,500 non-functioning</a:t>
-            </a:r>
-          </a:p>
-          <a:p>
-            <a:r>
-              <a:rPr lang="en-US" sz="8000" dirty="0"/>
-              <a:t>Mbeya has 2,500 functioning wells and 2,000 non-functioning.</a:t>
+            <a:pPr marL="0" indent="0">
+              <a:buNone/>
+            </a:pPr>
+            <a:endParaRPr lang="en-US" sz="2000" dirty="0"/>
+          </a:p>
+          <a:p>
+            <a:r>
+              <a:rPr lang="en-US" sz="2000" dirty="0"/>
+              <a:t>Feature is </a:t>
+            </a:r>
+            <a:r>
+              <a:rPr lang="en-US" sz="2000" dirty="0" err="1"/>
+              <a:t>population_levels</a:t>
+            </a:r>
+            <a:r>
+              <a:rPr lang="en-US" sz="2000" dirty="0"/>
+              <a:t> </a:t>
+            </a:r>
+          </a:p>
+          <a:p>
+            <a:r>
+              <a:rPr lang="en-US" sz="2000" dirty="0"/>
+              <a:t>Population 0: </a:t>
+            </a:r>
+          </a:p>
+          <a:p>
+            <a:pPr marL="0" indent="0">
+              <a:buNone/>
+            </a:pPr>
+            <a:r>
+              <a:rPr lang="en-US" sz="2000" dirty="0"/>
+              <a:t>    Around 11,000 wells are functioning </a:t>
+            </a:r>
+          </a:p>
+          <a:p>
+            <a:pPr marL="0" indent="0">
+              <a:buNone/>
+            </a:pPr>
+            <a:r>
+              <a:rPr lang="en-US" sz="2000" dirty="0"/>
+              <a:t>    Almost 8,000 non-functioning</a:t>
+            </a:r>
+          </a:p>
+          <a:p>
+            <a:pPr marL="0" indent="0">
+              <a:buNone/>
+            </a:pPr>
+            <a:r>
+              <a:rPr lang="en-US" sz="2000" dirty="0"/>
+              <a:t>    Around 2,000 need repairs.</a:t>
+            </a:r>
+          </a:p>
+          <a:p>
+            <a:r>
+              <a:rPr lang="en-US" sz="2000" dirty="0"/>
+              <a:t>Population 1:</a:t>
+            </a:r>
+          </a:p>
+          <a:p>
+            <a:pPr marL="0" indent="0">
+              <a:buNone/>
+            </a:pPr>
+            <a:r>
+              <a:rPr lang="en-US" sz="2000" dirty="0"/>
+              <a:t>     Around 2,600 wells functioning</a:t>
+            </a:r>
+          </a:p>
+          <a:p>
+            <a:pPr marL="0" indent="0">
+              <a:buNone/>
+            </a:pPr>
+            <a:r>
+              <a:rPr lang="en-US" sz="2000" dirty="0"/>
+              <a:t>     Around 200 non-functioning</a:t>
+            </a:r>
+          </a:p>
+          <a:p>
+            <a:pPr marL="0" indent="0">
+              <a:buNone/>
+            </a:pPr>
+            <a:r>
+              <a:rPr lang="en-US" sz="2000" dirty="0"/>
+              <a:t>     500 need repairs</a:t>
+            </a:r>
+          </a:p>
+          <a:p>
+            <a:r>
+              <a:rPr lang="en-US" sz="2000" dirty="0"/>
+              <a:t>Population 2 to 5,000:</a:t>
+            </a:r>
+          </a:p>
+          <a:p>
+            <a:pPr marL="0" indent="0">
+              <a:buNone/>
+            </a:pPr>
+            <a:r>
+              <a:rPr lang="en-US" sz="2000" dirty="0"/>
+              <a:t>    Around 18,000 functioning</a:t>
+            </a:r>
+          </a:p>
+          <a:p>
+            <a:pPr marL="0" indent="0">
+              <a:buNone/>
+            </a:pPr>
+            <a:r>
+              <a:rPr lang="en-US" sz="2000" dirty="0"/>
+              <a:t>    Around 11,000 non-functioning</a:t>
+            </a:r>
+          </a:p>
+          <a:p>
+            <a:pPr marL="0" indent="0">
+              <a:buNone/>
+            </a:pPr>
+            <a:r>
+              <a:rPr lang="en-US" sz="2000" dirty="0"/>
+              <a:t>    Around 2,000 functioning need repairs</a:t>
             </a:r>
           </a:p>
         </p:txBody>
       </p:sp>
       <p:pic>
         <p:nvPicPr>
-          <p:cNvPr id="5" name="Picture 4" descr="Chart, bar chart&#10;&#10;Description automatically generated">
-            <a:extLst>
-              <a:ext uri="{FF2B5EF4-FFF2-40B4-BE49-F238E27FC236}">
-                <a16:creationId xmlns:a16="http://schemas.microsoft.com/office/drawing/2014/main" id="{C2257AED-C2A6-014D-A586-6BFA2321FDFC}"/>
+          <p:cNvPr id="7" name="Picture 6" descr="Chart, bar chart&#10;&#10;Description automatically generated">
+            <a:extLst>
+              <a:ext uri="{FF2B5EF4-FFF2-40B4-BE49-F238E27FC236}">
+                <a16:creationId xmlns:a16="http://schemas.microsoft.com/office/drawing/2014/main" id="{3E002BFE-2106-D74B-BDF1-AFA4ED71BA4B}"/>
               </a:ext>
             </a:extLst>
           </p:cNvPr>
@@ -7364,8 +7902,8 @@
         </p:blipFill>
         <p:spPr>
           <a:xfrm>
-            <a:off x="971550" y="2225842"/>
-            <a:ext cx="10248900" cy="3800308"/>
+            <a:off x="4858870" y="2036694"/>
+            <a:ext cx="5663079" cy="3989456"/>
           </a:xfrm>
           <a:prstGeom prst="rect">
             <a:avLst/>
@@ -7375,7 +7913,7 @@
     </p:spTree>
     <p:extLst>
       <p:ext uri="{BB962C8B-B14F-4D97-AF65-F5344CB8AC3E}">
-        <p14:creationId xmlns:p14="http://schemas.microsoft.com/office/powerpoint/2010/main" val="3216904030"/>
+        <p14:creationId xmlns:p14="http://schemas.microsoft.com/office/powerpoint/2010/main" val="2883465718"/>
       </p:ext>
     </p:extLst>
   </p:cSld>
@@ -7489,7 +8027,7 @@
         <p:spPr>
           <a:xfrm>
             <a:off x="838200" y="365125"/>
-            <a:ext cx="10515600" cy="1574886"/>
+            <a:ext cx="10515600" cy="1306443"/>
           </a:xfrm>
         </p:spPr>
         <p:txBody>
@@ -7500,7 +8038,7 @@
           <a:p>
             <a:r>
               <a:rPr lang="en-US" sz="4000" dirty="0"/>
-              <a:t>Random Forest and Confusion Matrix   </a:t>
+              <a:t>Water ‘quantity’ in wells and operating status  </a:t>
             </a:r>
           </a:p>
         </p:txBody>
@@ -7524,12 +8062,12 @@
         <p:spPr>
           <a:xfrm>
             <a:off x="838200" y="1825625"/>
-            <a:ext cx="4152774" cy="4303464"/>
+            <a:ext cx="4152774" cy="4546600"/>
           </a:xfrm>
         </p:spPr>
         <p:txBody>
           <a:bodyPr>
-            <a:normAutofit/>
+            <a:normAutofit fontScale="92500" lnSpcReduction="20000"/>
           </a:bodyPr>
           <a:lstStyle/>
           <a:p>
@@ -7539,58 +8077,114 @@
             <a:endParaRPr lang="en-US" sz="2000" dirty="0"/>
           </a:p>
           <a:p>
+            <a:r>
+              <a:rPr lang="en-US" sz="2000" dirty="0"/>
+              <a:t>5 categories under ‘quantity’</a:t>
+            </a:r>
+          </a:p>
+          <a:p>
+            <a:r>
+              <a:rPr lang="en-US" sz="2000" dirty="0"/>
+              <a:t>Enough category is 56% of quantity</a:t>
+            </a:r>
+          </a:p>
+          <a:p>
             <a:pPr marL="0" indent="0">
               <a:buNone/>
             </a:pPr>
+            <a:r>
+              <a:rPr lang="en-US" sz="2000" dirty="0"/>
+              <a:t>    Over 20,000 wells are functioning </a:t>
+            </a:r>
+          </a:p>
+          <a:p>
+            <a:pPr marL="0" indent="0">
+              <a:buNone/>
+            </a:pPr>
+            <a:r>
+              <a:rPr lang="en-US" sz="2000" dirty="0"/>
+              <a:t>     Around 9,000 non-functioning</a:t>
+            </a:r>
+          </a:p>
+          <a:p>
+            <a:pPr marL="0" indent="0">
+              <a:buNone/>
+            </a:pPr>
+            <a:r>
+              <a:rPr lang="en-US" sz="2000" dirty="0"/>
+              <a:t>     Around 2,500 need repairs.</a:t>
+            </a:r>
+          </a:p>
+          <a:p>
+            <a:r>
+              <a:rPr lang="en-US" sz="2000" dirty="0"/>
+              <a:t>Insufficient is 26% of feature.</a:t>
+            </a:r>
+          </a:p>
+          <a:p>
+            <a:pPr marL="0" indent="0">
+              <a:buNone/>
+            </a:pPr>
+            <a:r>
+              <a:rPr lang="en-US" sz="2000" dirty="0"/>
+              <a:t>     Around 8,000 wells functioning</a:t>
+            </a:r>
+          </a:p>
+          <a:p>
+            <a:pPr marL="0" indent="0">
+              <a:buNone/>
+            </a:pPr>
+            <a:r>
+              <a:rPr lang="en-US" sz="2000" dirty="0"/>
+              <a:t>     Around 6,000 non-functioning</a:t>
+            </a:r>
+          </a:p>
+          <a:p>
+            <a:pPr marL="0" indent="0">
+              <a:buNone/>
+            </a:pPr>
+            <a:r>
+              <a:rPr lang="en-US" sz="2000" dirty="0"/>
+              <a:t>     2,000 need repairs</a:t>
+            </a:r>
+          </a:p>
+          <a:p>
+            <a:r>
+              <a:rPr lang="en-US" sz="2000" dirty="0"/>
+              <a:t>Dry is 11% of feature.</a:t>
+            </a:r>
+          </a:p>
+          <a:p>
+            <a:pPr marL="0" indent="0">
+              <a:buNone/>
+            </a:pPr>
+            <a:r>
+              <a:rPr lang="en-US" sz="2000" dirty="0"/>
+              <a:t>    Around 6,000 non-functioning</a:t>
+            </a:r>
+          </a:p>
+          <a:p>
+            <a:pPr marL="0" indent="0">
+              <a:buNone/>
+            </a:pPr>
+            <a:r>
+              <a:rPr lang="en-US" sz="2000" dirty="0"/>
+              <a:t>    Few </a:t>
+            </a:r>
+            <a:r>
+              <a:rPr lang="en-US" sz="2000" dirty="0" err="1"/>
+              <a:t>functioing</a:t>
+            </a:r>
             <a:endParaRPr lang="en-US" sz="2000" dirty="0"/>
-          </a:p>
-          <a:p>
-            <a:r>
-              <a:rPr lang="en-US" sz="2000" dirty="0"/>
-              <a:t>Overall model accuracy: 78%</a:t>
-            </a:r>
-          </a:p>
-          <a:p>
-            <a:r>
-              <a:rPr lang="en-US" sz="2000" dirty="0"/>
-              <a:t>Confusion Matrix:</a:t>
-            </a:r>
-          </a:p>
-          <a:p>
-            <a:pPr marL="0" indent="0">
-              <a:buNone/>
-            </a:pPr>
-            <a:r>
-              <a:rPr lang="en-US" sz="2000" dirty="0"/>
-              <a:t>     82% in predicting functioning wells </a:t>
-            </a:r>
-          </a:p>
-          <a:p>
-            <a:pPr marL="0" indent="0">
-              <a:buNone/>
-            </a:pPr>
-            <a:r>
-              <a:rPr lang="en-US" sz="2000" dirty="0"/>
-              <a:t>     78% accuracy in predicting </a:t>
-            </a:r>
-          </a:p>
-          <a:p>
-            <a:pPr marL="0" indent="0">
-              <a:buNone/>
-            </a:pPr>
-            <a:r>
-              <a:rPr lang="en-US" sz="2000" dirty="0"/>
-              <a:t>     non-functioning wells</a:t>
-            </a:r>
           </a:p>
         </p:txBody>
       </p:sp>
       <p:pic>
         <p:nvPicPr>
-          <p:cNvPr id="4" name="Picture 3" descr="Chart&#10;&#10;Description automatically generated">
-            <a:extLst>
-              <a:ext uri="{FF2B5EF4-FFF2-40B4-BE49-F238E27FC236}">
-                <a16:creationId xmlns:a16="http://schemas.microsoft.com/office/drawing/2014/main" id="{531CFF5A-919B-F14E-B2BC-0CBD97058FBC}"/>
+          <p:cNvPr id="4" name="Picture 3" descr="Chart, bar chart&#10;&#10;Description automatically generated">
+            <a:extLst>
+              <a:ext uri="{FF2B5EF4-FFF2-40B4-BE49-F238E27FC236}">
+                <a16:creationId xmlns:a16="http://schemas.microsoft.com/office/drawing/2014/main" id="{E5058B79-684B-E049-8BC2-42A95A6F98E2}"/>
               </a:ext>
             </a:extLst>
           </p:cNvPr>
@@ -7607,8 +8201,8 @@
         </p:blipFill>
         <p:spPr>
           <a:xfrm>
-            <a:off x="4880918" y="1940011"/>
-            <a:ext cx="4769707" cy="4090085"/>
+            <a:off x="4800600" y="1825624"/>
+            <a:ext cx="5233736" cy="3952875"/>
           </a:xfrm>
           <a:prstGeom prst="rect">
             <a:avLst/>
@@ -7618,7 +8212,7 @@
     </p:spTree>
     <p:extLst>
       <p:ext uri="{BB962C8B-B14F-4D97-AF65-F5344CB8AC3E}">
-        <p14:creationId xmlns:p14="http://schemas.microsoft.com/office/powerpoint/2010/main" val="3042065229"/>
+        <p14:creationId xmlns:p14="http://schemas.microsoft.com/office/powerpoint/2010/main" val="1052240358"/>
       </p:ext>
     </p:extLst>
   </p:cSld>
@@ -7732,7 +8326,7 @@
         <p:spPr>
           <a:xfrm>
             <a:off x="838200" y="365125"/>
-            <a:ext cx="10515600" cy="1574886"/>
+            <a:ext cx="10515600" cy="1306443"/>
           </a:xfrm>
         </p:spPr>
         <p:txBody>
@@ -7743,7 +8337,7 @@
           <a:p>
             <a:r>
               <a:rPr lang="en-US" sz="4000" dirty="0"/>
-              <a:t>Feature Importance</a:t>
+              <a:t>District code and operating status  </a:t>
             </a:r>
           </a:p>
         </p:txBody>
@@ -7767,12 +8361,12 @@
         <p:spPr>
           <a:xfrm>
             <a:off x="838200" y="1825625"/>
-            <a:ext cx="4152774" cy="4303464"/>
+            <a:ext cx="4152774" cy="4546600"/>
           </a:xfrm>
         </p:spPr>
         <p:txBody>
           <a:bodyPr>
-            <a:normAutofit lnSpcReduction="10000"/>
+            <a:normAutofit/>
           </a:bodyPr>
           <a:lstStyle/>
           <a:p>
@@ -7782,47 +8376,65 @@
             <a:endParaRPr lang="en-US" sz="2000" dirty="0"/>
           </a:p>
           <a:p>
+            <a:r>
+              <a:rPr lang="en-US" sz="2000" dirty="0"/>
+              <a:t>20 categories under ‘</a:t>
+            </a:r>
+            <a:r>
+              <a:rPr lang="en-US" sz="2000" dirty="0" err="1"/>
+              <a:t>district_code</a:t>
+            </a:r>
+            <a:r>
+              <a:rPr lang="en-US" sz="2000" dirty="0"/>
+              <a:t>’</a:t>
+            </a:r>
+          </a:p>
+          <a:p>
+            <a:r>
+              <a:rPr lang="en-US" sz="2000" dirty="0"/>
+              <a:t>District 1 is 20% of feature</a:t>
+            </a:r>
+          </a:p>
+          <a:p>
             <a:pPr marL="0" indent="0">
               <a:buNone/>
             </a:pPr>
-            <a:endParaRPr lang="en-US" sz="2000" dirty="0"/>
-          </a:p>
-          <a:p>
             <a:r>
               <a:rPr lang="en-US" sz="2000" dirty="0"/>
-              <a:t>Latitude and longitude of wells’ locations had biggest effect on predicting the functioning status of wells.</a:t>
-            </a:r>
-          </a:p>
-          <a:p>
-            <a:r>
-              <a:rPr lang="en-US" sz="2000" dirty="0" err="1"/>
-              <a:t>construction_year</a:t>
-            </a:r>
+              <a:t>    Over 6,500 wells are functioning </a:t>
+            </a:r>
+          </a:p>
+          <a:p>
+            <a:pPr marL="0" indent="0">
+              <a:buNone/>
+            </a:pPr>
             <a:r>
               <a:rPr lang="en-US" sz="2000" dirty="0"/>
-              <a:t> was important in making predictions.  </a:t>
-            </a:r>
-          </a:p>
-          <a:p>
+              <a:t>     Around 4,500 non-functioning</a:t>
+            </a:r>
+          </a:p>
+          <a:p>
+            <a:pPr marL="0" indent="0">
+              <a:buNone/>
+            </a:pPr>
             <a:r>
               <a:rPr lang="en-US" sz="2000" dirty="0"/>
-              <a:t>Quantity category important – </a:t>
-            </a:r>
-            <a:r>
-              <a:rPr lang="en-US" sz="2000" dirty="0" err="1"/>
-              <a:t>quantity_enough</a:t>
-            </a:r>
+              <a:t>     Around 1,400 need repairs.</a:t>
+            </a:r>
+          </a:p>
+          <a:p>
             <a:r>
               <a:rPr lang="en-US" sz="2000" dirty="0"/>
-              <a:t> and </a:t>
-            </a:r>
-            <a:r>
-              <a:rPr lang="en-US" sz="2000" dirty="0" err="1"/>
-              <a:t>quantity_insufficient</a:t>
-            </a:r>
+              <a:t>District 2 is 19% of feature.</a:t>
+            </a:r>
+          </a:p>
+          <a:p>
+            <a:pPr marL="0" indent="0">
+              <a:buNone/>
+            </a:pPr>
             <a:r>
               <a:rPr lang="en-US" sz="2000" dirty="0"/>
-              <a:t>.</a:t>
+              <a:t>     Around 6,300 wells functioning</a:t>
             </a:r>
           </a:p>
           <a:p>
@@ -7831,7 +8443,7 @@
             </a:pPr>
             <a:r>
               <a:rPr lang="en-US" sz="2000" dirty="0"/>
-              <a:t>      </a:t>
+              <a:t>     Around 4,100 non-functioning</a:t>
             </a:r>
           </a:p>
           <a:p>
@@ -7840,7 +8452,7 @@
             </a:pPr>
             <a:r>
               <a:rPr lang="en-US" sz="2000" dirty="0"/>
-              <a:t> </a:t>
+              <a:t>     Almost 1,000 need repairs</a:t>
             </a:r>
           </a:p>
         </p:txBody>
@@ -7850,7 +8462,7 @@
           <p:cNvPr id="3" name="Picture 2">
             <a:extLst>
               <a:ext uri="{FF2B5EF4-FFF2-40B4-BE49-F238E27FC236}">
-                <a16:creationId xmlns:a16="http://schemas.microsoft.com/office/drawing/2014/main" id="{7AD177FE-6B39-614C-B830-CCB2CECB713B}"/>
+                <a16:creationId xmlns:a16="http://schemas.microsoft.com/office/drawing/2014/main" id="{F35C60D0-3A9A-3440-BF25-39F9B63DA2D4}"/>
               </a:ext>
             </a:extLst>
           </p:cNvPr>
@@ -7867,8 +8479,8 @@
         </p:blipFill>
         <p:spPr>
           <a:xfrm>
-            <a:off x="5221705" y="2093495"/>
-            <a:ext cx="6352674" cy="4547938"/>
+            <a:off x="4990974" y="1671568"/>
+            <a:ext cx="6842438" cy="4821307"/>
           </a:xfrm>
           <a:prstGeom prst="rect">
             <a:avLst/>
@@ -7878,7 +8490,7 @@
     </p:spTree>
     <p:extLst>
       <p:ext uri="{BB962C8B-B14F-4D97-AF65-F5344CB8AC3E}">
-        <p14:creationId xmlns:p14="http://schemas.microsoft.com/office/powerpoint/2010/main" val="3709503584"/>
+        <p14:creationId xmlns:p14="http://schemas.microsoft.com/office/powerpoint/2010/main" val="3314503930"/>
       </p:ext>
     </p:extLst>
   </p:cSld>

--- a/Presentation1.pptx
+++ b/Presentation1.pptx
@@ -15,11 +15,8 @@
     <p:sldId id="262" r:id="rId9"/>
     <p:sldId id="270" r:id="rId10"/>
     <p:sldId id="266" r:id="rId11"/>
-    <p:sldId id="271" r:id="rId12"/>
-    <p:sldId id="264" r:id="rId13"/>
-    <p:sldId id="269" r:id="rId14"/>
-    <p:sldId id="257" r:id="rId15"/>
-    <p:sldId id="268" r:id="rId16"/>
+    <p:sldId id="257" r:id="rId12"/>
+    <p:sldId id="268" r:id="rId13"/>
   </p:sldIdLst>
   <p:sldSz cx="12192000" cy="6858000"/>
   <p:notesSz cx="6858000" cy="9144000"/>
@@ -273,7 +270,7 @@
           <a:p>
             <a:fld id="{162E55E0-BDB4-9043-BF1D-478246A6851D}" type="datetimeFigureOut">
               <a:rPr lang="en-US" smtClean="0"/>
-              <a:t>10/5/20</a:t>
+              <a:t>10/13/20</a:t>
             </a:fld>
             <a:endParaRPr lang="en-US"/>
           </a:p>
@@ -471,7 +468,7 @@
           <a:p>
             <a:fld id="{162E55E0-BDB4-9043-BF1D-478246A6851D}" type="datetimeFigureOut">
               <a:rPr lang="en-US" smtClean="0"/>
-              <a:t>10/5/20</a:t>
+              <a:t>10/13/20</a:t>
             </a:fld>
             <a:endParaRPr lang="en-US"/>
           </a:p>
@@ -679,7 +676,7 @@
           <a:p>
             <a:fld id="{162E55E0-BDB4-9043-BF1D-478246A6851D}" type="datetimeFigureOut">
               <a:rPr lang="en-US" smtClean="0"/>
-              <a:t>10/5/20</a:t>
+              <a:t>10/13/20</a:t>
             </a:fld>
             <a:endParaRPr lang="en-US"/>
           </a:p>
@@ -877,7 +874,7 @@
           <a:p>
             <a:fld id="{162E55E0-BDB4-9043-BF1D-478246A6851D}" type="datetimeFigureOut">
               <a:rPr lang="en-US" smtClean="0"/>
-              <a:t>10/5/20</a:t>
+              <a:t>10/13/20</a:t>
             </a:fld>
             <a:endParaRPr lang="en-US"/>
           </a:p>
@@ -1152,7 +1149,7 @@
           <a:p>
             <a:fld id="{162E55E0-BDB4-9043-BF1D-478246A6851D}" type="datetimeFigureOut">
               <a:rPr lang="en-US" smtClean="0"/>
-              <a:t>10/5/20</a:t>
+              <a:t>10/13/20</a:t>
             </a:fld>
             <a:endParaRPr lang="en-US"/>
           </a:p>
@@ -1417,7 +1414,7 @@
           <a:p>
             <a:fld id="{162E55E0-BDB4-9043-BF1D-478246A6851D}" type="datetimeFigureOut">
               <a:rPr lang="en-US" smtClean="0"/>
-              <a:t>10/5/20</a:t>
+              <a:t>10/13/20</a:t>
             </a:fld>
             <a:endParaRPr lang="en-US"/>
           </a:p>
@@ -1829,7 +1826,7 @@
           <a:p>
             <a:fld id="{162E55E0-BDB4-9043-BF1D-478246A6851D}" type="datetimeFigureOut">
               <a:rPr lang="en-US" smtClean="0"/>
-              <a:t>10/5/20</a:t>
+              <a:t>10/13/20</a:t>
             </a:fld>
             <a:endParaRPr lang="en-US"/>
           </a:p>
@@ -1970,7 +1967,7 @@
           <a:p>
             <a:fld id="{162E55E0-BDB4-9043-BF1D-478246A6851D}" type="datetimeFigureOut">
               <a:rPr lang="en-US" smtClean="0"/>
-              <a:t>10/5/20</a:t>
+              <a:t>10/13/20</a:t>
             </a:fld>
             <a:endParaRPr lang="en-US"/>
           </a:p>
@@ -2083,7 +2080,7 @@
           <a:p>
             <a:fld id="{162E55E0-BDB4-9043-BF1D-478246A6851D}" type="datetimeFigureOut">
               <a:rPr lang="en-US" smtClean="0"/>
-              <a:t>10/5/20</a:t>
+              <a:t>10/13/20</a:t>
             </a:fld>
             <a:endParaRPr lang="en-US"/>
           </a:p>
@@ -2394,7 +2391,7 @@
           <a:p>
             <a:fld id="{162E55E0-BDB4-9043-BF1D-478246A6851D}" type="datetimeFigureOut">
               <a:rPr lang="en-US" smtClean="0"/>
-              <a:t>10/5/20</a:t>
+              <a:t>10/13/20</a:t>
             </a:fld>
             <a:endParaRPr lang="en-US"/>
           </a:p>
@@ -2682,7 +2679,7 @@
           <a:p>
             <a:fld id="{162E55E0-BDB4-9043-BF1D-478246A6851D}" type="datetimeFigureOut">
               <a:rPr lang="en-US" smtClean="0"/>
-              <a:t>10/5/20</a:t>
+              <a:t>10/13/20</a:t>
             </a:fld>
             <a:endParaRPr lang="en-US"/>
           </a:p>
@@ -2923,7 +2920,7 @@
           <a:p>
             <a:fld id="{162E55E0-BDB4-9043-BF1D-478246A6851D}" type="datetimeFigureOut">
               <a:rPr lang="en-US" smtClean="0"/>
-              <a:t>10/5/20</a:t>
+              <a:t>10/13/20</a:t>
             </a:fld>
             <a:endParaRPr lang="en-US"/>
           </a:p>
@@ -5690,7 +5687,29 @@
           <a:p>
             <a:r>
               <a:rPr lang="en-US" sz="1400" dirty="0"/>
-              <a:t>Important data comes from ‘</a:t>
+              <a:t>‘</a:t>
+            </a:r>
+            <a:r>
+              <a:rPr lang="en-US" sz="1400" dirty="0" err="1"/>
+              <a:t>construction_year</a:t>
+            </a:r>
+            <a:r>
+              <a:rPr lang="en-US" sz="1400" dirty="0"/>
+              <a:t>’ between years 2000 and 2013 in no year is there a higher probability of finding a non-functioning well than a functioning well.  All year had a higher probability </a:t>
+            </a:r>
+            <a:r>
+              <a:rPr lang="en-US" sz="1400"/>
+              <a:t>of functioning </a:t>
+            </a:r>
+            <a:r>
+              <a:rPr lang="en-US" sz="1400" dirty="0"/>
+              <a:t>wells</a:t>
+            </a:r>
+          </a:p>
+          <a:p>
+            <a:r>
+              <a:rPr lang="en-US" sz="1400" dirty="0"/>
+              <a:t>Regarding ‘</a:t>
             </a:r>
             <a:r>
               <a:rPr lang="en-US" sz="1400" dirty="0" err="1"/>
@@ -5698,14 +5717,14 @@
             </a:r>
             <a:r>
               <a:rPr lang="en-US" sz="1400" dirty="0"/>
-              <a:t>’ .  Tells of existing of wells and population levels.  There are operational wells with 0 population.  Why is this occurring, investigate further.</a:t>
+              <a:t>’ .  Graph demonstrates that in areas with population of 1 there is a higher probability of finding a non-functioning water points.</a:t>
             </a:r>
             <a:endParaRPr lang="en-US" sz="1500" dirty="0"/>
           </a:p>
           <a:p>
             <a:r>
               <a:rPr lang="en-US" sz="1500" dirty="0"/>
-              <a:t> ‘</a:t>
+              <a:t> Regarding ‘</a:t>
             </a:r>
             <a:r>
               <a:rPr lang="en-US" sz="1500" dirty="0" err="1"/>
@@ -5721,11 +5740,33 @@
             </a:r>
             <a:r>
               <a:rPr lang="en-US" sz="1500" dirty="0"/>
-              <a:t>. </a:t>
+              <a:t>, there is a higher probability of finding a functioning well than a non-functioning well</a:t>
             </a:r>
             <a:r>
               <a:rPr lang="en-US" sz="1600" dirty="0"/>
-              <a:t>Largest category.  20,000 wells are functioning.  Around 9,000 non-functioning.   Investigate further where these wells are located and population levels.</a:t>
+              <a:t>.</a:t>
+            </a:r>
+          </a:p>
+          <a:p>
+            <a:r>
+              <a:rPr lang="en-US" sz="1600" dirty="0"/>
+              <a:t> Regarding ‘</a:t>
+            </a:r>
+            <a:r>
+              <a:rPr lang="en-US" sz="1600" dirty="0" err="1"/>
+              <a:t>quantity_insufficient</a:t>
+            </a:r>
+            <a:r>
+              <a:rPr lang="en-US" sz="1600" dirty="0"/>
+              <a:t>’ of water in </a:t>
+            </a:r>
+            <a:r>
+              <a:rPr lang="en-US" sz="1600" dirty="0" err="1"/>
+              <a:t>water_wells</a:t>
+            </a:r>
+            <a:r>
+              <a:rPr lang="en-US" sz="1600" dirty="0"/>
+              <a:t>, there is a higher probability of finding a functioning well than a non-functioning well.  However, there is not a big difference between the two.</a:t>
             </a:r>
           </a:p>
           <a:p>
@@ -5739,20 +5780,8 @@
             </a:r>
             <a:r>
               <a:rPr lang="en-US" sz="1400" dirty="0"/>
-              <a:t>’ reveals operation status of wells by district.  Which districts need help the most.  Confirm population level around district that need help the most.  Could be that there is relatively low population</a:t>
-            </a:r>
-            <a:endParaRPr lang="en-US" sz="1500" dirty="0"/>
-          </a:p>
-          <a:p>
-            <a:pPr marL="0" indent="0">
-              <a:buNone/>
-            </a:pPr>
-            <a:endParaRPr lang="en-US" sz="1500" dirty="0"/>
-          </a:p>
-          <a:p>
-            <a:pPr marL="0" indent="0">
-              <a:buNone/>
-            </a:pPr>
+              <a:t>’ reveals operation status of wells by district.  There is a higher probability of finding a non-functioning well in Districts 33, 53, and 63.</a:t>
+            </a:r>
             <a:endParaRPr lang="en-US" sz="1500" dirty="0"/>
           </a:p>
           <a:p>
@@ -5796,557 +5825,6 @@
           <a:chExt cx="0" cy="0"/>
         </a:xfrm>
       </p:grpSpPr>
-    </p:spTree>
-    <p:extLst>
-      <p:ext uri="{BB962C8B-B14F-4D97-AF65-F5344CB8AC3E}">
-        <p14:creationId xmlns:p14="http://schemas.microsoft.com/office/powerpoint/2010/main" val="1631532007"/>
-      </p:ext>
-    </p:extLst>
-  </p:cSld>
-  <p:clrMapOvr>
-    <a:masterClrMapping/>
-  </p:clrMapOvr>
-</p:sld>
-</file>
-
-<file path=ppt/slides/slide12.xml><?xml version="1.0" encoding="utf-8"?>
-<p:sld xmlns:a="http://schemas.openxmlformats.org/drawingml/2006/main" xmlns:r="http://schemas.openxmlformats.org/officeDocument/2006/relationships" xmlns:p="http://schemas.openxmlformats.org/presentationml/2006/main">
-  <p:cSld>
-    <p:bg>
-      <p:bgPr>
-        <a:solidFill>
-          <a:schemeClr val="bg1"/>
-        </a:solidFill>
-        <a:effectLst/>
-      </p:bgPr>
-    </p:bg>
-    <p:spTree>
-      <p:nvGrpSpPr>
-        <p:cNvPr id="1" name=""/>
-        <p:cNvGrpSpPr/>
-        <p:nvPr/>
-      </p:nvGrpSpPr>
-      <p:grpSpPr>
-        <a:xfrm>
-          <a:off x="0" y="0"/>
-          <a:ext cx="0" cy="0"/>
-          <a:chOff x="0" y="0"/>
-          <a:chExt cx="0" cy="0"/>
-        </a:xfrm>
-      </p:grpSpPr>
-      <p:sp useBgFill="1">
-        <p:nvSpPr>
-          <p:cNvPr id="12" name="Rectangle 11">
-            <a:extLst>
-              <a:ext uri="{FF2B5EF4-FFF2-40B4-BE49-F238E27FC236}">
-                <a16:creationId xmlns:a16="http://schemas.microsoft.com/office/drawing/2014/main" id="{9427AF5F-9A0E-42B7-A252-FD64C9885F9C}"/>
-              </a:ext>
-              <a:ext uri="{C183D7F6-B498-43B3-948B-1728B52AA6E4}">
-                <adec:decorative xmlns:adec="http://schemas.microsoft.com/office/drawing/2017/decorative" val="1"/>
-              </a:ext>
-            </a:extLst>
-          </p:cNvPr>
-          <p:cNvSpPr>
-            <a:spLocks noGrp="1" noRot="1" noChangeAspect="1" noMove="1" noResize="1" noEditPoints="1" noAdjustHandles="1" noChangeArrowheads="1" noChangeShapeType="1" noTextEdit="1"/>
-          </p:cNvSpPr>
-          <p:nvPr>
-            <p:extLst>
-              <p:ext uri="{386F3935-93C4-4BCD-93E2-E3B085C9AB24}">
-                <p16:designElem xmlns:p16="http://schemas.microsoft.com/office/powerpoint/2015/main" val="1"/>
-              </p:ext>
-            </p:extLst>
-          </p:nvPr>
-        </p:nvSpPr>
-        <p:spPr>
-          <a:xfrm>
-            <a:off x="-1" y="0"/>
-            <a:ext cx="12188952" cy="6858000"/>
-          </a:xfrm>
-          <a:prstGeom prst="rect">
-            <a:avLst/>
-          </a:prstGeom>
-          <a:ln>
-            <a:noFill/>
-          </a:ln>
-        </p:spPr>
-        <p:style>
-          <a:lnRef idx="2">
-            <a:schemeClr val="accent1">
-              <a:shade val="50000"/>
-            </a:schemeClr>
-          </a:lnRef>
-          <a:fillRef idx="1">
-            <a:schemeClr val="accent1"/>
-          </a:fillRef>
-          <a:effectRef idx="0">
-            <a:schemeClr val="accent1"/>
-          </a:effectRef>
-          <a:fontRef idx="minor">
-            <a:schemeClr val="lt1"/>
-          </a:fontRef>
-        </p:style>
-        <p:txBody>
-          <a:bodyPr rtlCol="0" anchor="ctr"/>
-          <a:lstStyle/>
-          <a:p>
-            <a:pPr algn="ctr"/>
-            <a:endParaRPr lang="en-US"/>
-          </a:p>
-        </p:txBody>
-      </p:sp>
-      <p:sp>
-        <p:nvSpPr>
-          <p:cNvPr id="2" name="Title 1">
-            <a:extLst>
-              <a:ext uri="{FF2B5EF4-FFF2-40B4-BE49-F238E27FC236}">
-                <a16:creationId xmlns:a16="http://schemas.microsoft.com/office/drawing/2014/main" id="{7662D54B-77A3-7949-81BF-095D6CEF4260}"/>
-              </a:ext>
-            </a:extLst>
-          </p:cNvPr>
-          <p:cNvSpPr>
-            <a:spLocks noGrp="1"/>
-          </p:cNvSpPr>
-          <p:nvPr>
-            <p:ph type="title"/>
-          </p:nvPr>
-        </p:nvSpPr>
-        <p:spPr>
-          <a:xfrm>
-            <a:off x="838200" y="1"/>
-            <a:ext cx="10515600" cy="1096714"/>
-          </a:xfrm>
-        </p:spPr>
-        <p:txBody>
-          <a:bodyPr>
-            <a:normAutofit/>
-          </a:bodyPr>
-          <a:lstStyle/>
-          <a:p>
-            <a:r>
-              <a:rPr lang="en-US" sz="4000" dirty="0"/>
-              <a:t>Which regions have water wells.  </a:t>
-            </a:r>
-          </a:p>
-        </p:txBody>
-      </p:sp>
-      <p:sp>
-        <p:nvSpPr>
-          <p:cNvPr id="9" name="Content Placeholder 8">
-            <a:extLst>
-              <a:ext uri="{FF2B5EF4-FFF2-40B4-BE49-F238E27FC236}">
-                <a16:creationId xmlns:a16="http://schemas.microsoft.com/office/drawing/2014/main" id="{388EA7EB-9402-404B-925F-8A452A9E30A8}"/>
-              </a:ext>
-            </a:extLst>
-          </p:cNvPr>
-          <p:cNvSpPr>
-            <a:spLocks noGrp="1"/>
-          </p:cNvSpPr>
-          <p:nvPr>
-            <p:ph idx="1"/>
-          </p:nvPr>
-        </p:nvSpPr>
-        <p:spPr>
-          <a:xfrm>
-            <a:off x="838199" y="927603"/>
-            <a:ext cx="9283701" cy="1431282"/>
-          </a:xfrm>
-        </p:spPr>
-        <p:txBody>
-          <a:bodyPr>
-            <a:normAutofit fontScale="25000" lnSpcReduction="20000"/>
-          </a:bodyPr>
-          <a:lstStyle/>
-          <a:p>
-            <a:r>
-              <a:rPr lang="en-US" sz="8000" dirty="0"/>
-              <a:t>Iringa has 9% of wells. </a:t>
-            </a:r>
-            <a:r>
-              <a:rPr lang="en-US" sz="8000" dirty="0" err="1"/>
-              <a:t>Shinyanga</a:t>
-            </a:r>
-            <a:r>
-              <a:rPr lang="en-US" sz="8000" dirty="0"/>
-              <a:t> has 8%, Mbeya 8%, Kilimanjaro 7%</a:t>
-            </a:r>
-          </a:p>
-          <a:p>
-            <a:r>
-              <a:rPr lang="en-US" sz="8000" dirty="0"/>
-              <a:t>Over 4,000 of Iringa wells are working and 1,000 not working. </a:t>
-            </a:r>
-          </a:p>
-          <a:p>
-            <a:r>
-              <a:rPr lang="en-US" sz="8000" dirty="0" err="1"/>
-              <a:t>Shinyanga</a:t>
-            </a:r>
-            <a:r>
-              <a:rPr lang="en-US" sz="8000" dirty="0"/>
-              <a:t> has almost 3,000 functioning wells and 1,500 non-functioning</a:t>
-            </a:r>
-          </a:p>
-          <a:p>
-            <a:r>
-              <a:rPr lang="en-US" sz="8000" dirty="0"/>
-              <a:t>Mbeya has 2,500 functioning wells and 2,000 non-functioning.</a:t>
-            </a:r>
-          </a:p>
-        </p:txBody>
-      </p:sp>
-      <p:pic>
-        <p:nvPicPr>
-          <p:cNvPr id="5" name="Picture 4" descr="Chart, bar chart&#10;&#10;Description automatically generated">
-            <a:extLst>
-              <a:ext uri="{FF2B5EF4-FFF2-40B4-BE49-F238E27FC236}">
-                <a16:creationId xmlns:a16="http://schemas.microsoft.com/office/drawing/2014/main" id="{C2257AED-C2A6-014D-A586-6BFA2321FDFC}"/>
-              </a:ext>
-            </a:extLst>
-          </p:cNvPr>
-          <p:cNvPicPr>
-            <a:picLocks noChangeAspect="1"/>
-          </p:cNvPicPr>
-          <p:nvPr/>
-        </p:nvPicPr>
-        <p:blipFill>
-          <a:blip r:embed="rId2"/>
-          <a:stretch>
-            <a:fillRect/>
-          </a:stretch>
-        </p:blipFill>
-        <p:spPr>
-          <a:xfrm>
-            <a:off x="971550" y="2225842"/>
-            <a:ext cx="10248900" cy="3800308"/>
-          </a:xfrm>
-          <a:prstGeom prst="rect">
-            <a:avLst/>
-          </a:prstGeom>
-        </p:spPr>
-      </p:pic>
-    </p:spTree>
-    <p:extLst>
-      <p:ext uri="{BB962C8B-B14F-4D97-AF65-F5344CB8AC3E}">
-        <p14:creationId xmlns:p14="http://schemas.microsoft.com/office/powerpoint/2010/main" val="3216904030"/>
-      </p:ext>
-    </p:extLst>
-  </p:cSld>
-  <p:clrMapOvr>
-    <a:masterClrMapping/>
-  </p:clrMapOvr>
-</p:sld>
-</file>
-
-<file path=ppt/slides/slide13.xml><?xml version="1.0" encoding="utf-8"?>
-<p:sld xmlns:a="http://schemas.openxmlformats.org/drawingml/2006/main" xmlns:r="http://schemas.openxmlformats.org/officeDocument/2006/relationships" xmlns:p="http://schemas.openxmlformats.org/presentationml/2006/main">
-  <p:cSld>
-    <p:bg>
-      <p:bgPr>
-        <a:solidFill>
-          <a:schemeClr val="bg1"/>
-        </a:solidFill>
-        <a:effectLst/>
-      </p:bgPr>
-    </p:bg>
-    <p:spTree>
-      <p:nvGrpSpPr>
-        <p:cNvPr id="1" name=""/>
-        <p:cNvGrpSpPr/>
-        <p:nvPr/>
-      </p:nvGrpSpPr>
-      <p:grpSpPr>
-        <a:xfrm>
-          <a:off x="0" y="0"/>
-          <a:ext cx="0" cy="0"/>
-          <a:chOff x="0" y="0"/>
-          <a:chExt cx="0" cy="0"/>
-        </a:xfrm>
-      </p:grpSpPr>
-      <p:sp useBgFill="1">
-        <p:nvSpPr>
-          <p:cNvPr id="12" name="Rectangle 11">
-            <a:extLst>
-              <a:ext uri="{FF2B5EF4-FFF2-40B4-BE49-F238E27FC236}">
-                <a16:creationId xmlns:a16="http://schemas.microsoft.com/office/drawing/2014/main" id="{9427AF5F-9A0E-42B7-A252-FD64C9885F9C}"/>
-              </a:ext>
-              <a:ext uri="{C183D7F6-B498-43B3-948B-1728B52AA6E4}">
-                <adec:decorative xmlns:adec="http://schemas.microsoft.com/office/drawing/2017/decorative" val="1"/>
-              </a:ext>
-            </a:extLst>
-          </p:cNvPr>
-          <p:cNvSpPr>
-            <a:spLocks noGrp="1" noRot="1" noChangeAspect="1" noMove="1" noResize="1" noEditPoints="1" noAdjustHandles="1" noChangeArrowheads="1" noChangeShapeType="1" noTextEdit="1"/>
-          </p:cNvSpPr>
-          <p:nvPr>
-            <p:extLst>
-              <p:ext uri="{386F3935-93C4-4BCD-93E2-E3B085C9AB24}">
-                <p16:designElem xmlns:p16="http://schemas.microsoft.com/office/powerpoint/2015/main" val="1"/>
-              </p:ext>
-            </p:extLst>
-          </p:nvPr>
-        </p:nvSpPr>
-        <p:spPr>
-          <a:xfrm>
-            <a:off x="-1" y="0"/>
-            <a:ext cx="12188952" cy="6858000"/>
-          </a:xfrm>
-          <a:prstGeom prst="rect">
-            <a:avLst/>
-          </a:prstGeom>
-          <a:ln>
-            <a:noFill/>
-          </a:ln>
-        </p:spPr>
-        <p:style>
-          <a:lnRef idx="2">
-            <a:schemeClr val="accent1">
-              <a:shade val="50000"/>
-            </a:schemeClr>
-          </a:lnRef>
-          <a:fillRef idx="1">
-            <a:schemeClr val="accent1"/>
-          </a:fillRef>
-          <a:effectRef idx="0">
-            <a:schemeClr val="accent1"/>
-          </a:effectRef>
-          <a:fontRef idx="minor">
-            <a:schemeClr val="lt1"/>
-          </a:fontRef>
-        </p:style>
-        <p:txBody>
-          <a:bodyPr rtlCol="0" anchor="ctr"/>
-          <a:lstStyle/>
-          <a:p>
-            <a:pPr algn="ctr"/>
-            <a:endParaRPr lang="en-US"/>
-          </a:p>
-        </p:txBody>
-      </p:sp>
-      <p:sp>
-        <p:nvSpPr>
-          <p:cNvPr id="2" name="Title 1">
-            <a:extLst>
-              <a:ext uri="{FF2B5EF4-FFF2-40B4-BE49-F238E27FC236}">
-                <a16:creationId xmlns:a16="http://schemas.microsoft.com/office/drawing/2014/main" id="{7662D54B-77A3-7949-81BF-095D6CEF4260}"/>
-              </a:ext>
-            </a:extLst>
-          </p:cNvPr>
-          <p:cNvSpPr>
-            <a:spLocks noGrp="1"/>
-          </p:cNvSpPr>
-          <p:nvPr>
-            <p:ph type="title"/>
-          </p:nvPr>
-        </p:nvSpPr>
-        <p:spPr>
-          <a:xfrm>
-            <a:off x="838200" y="365125"/>
-            <a:ext cx="10515600" cy="1306443"/>
-          </a:xfrm>
-        </p:spPr>
-        <p:txBody>
-          <a:bodyPr>
-            <a:normAutofit/>
-          </a:bodyPr>
-          <a:lstStyle/>
-          <a:p>
-            <a:r>
-              <a:rPr lang="en-US" sz="4000" dirty="0"/>
-              <a:t>Water quality in wells and operating status  </a:t>
-            </a:r>
-          </a:p>
-        </p:txBody>
-      </p:sp>
-      <p:sp>
-        <p:nvSpPr>
-          <p:cNvPr id="9" name="Content Placeholder 8">
-            <a:extLst>
-              <a:ext uri="{FF2B5EF4-FFF2-40B4-BE49-F238E27FC236}">
-                <a16:creationId xmlns:a16="http://schemas.microsoft.com/office/drawing/2014/main" id="{388EA7EB-9402-404B-925F-8A452A9E30A8}"/>
-              </a:ext>
-            </a:extLst>
-          </p:cNvPr>
-          <p:cNvSpPr>
-            <a:spLocks noGrp="1"/>
-          </p:cNvSpPr>
-          <p:nvPr>
-            <p:ph idx="1"/>
-          </p:nvPr>
-        </p:nvSpPr>
-        <p:spPr>
-          <a:xfrm>
-            <a:off x="838200" y="1825625"/>
-            <a:ext cx="4152774" cy="4303464"/>
-          </a:xfrm>
-        </p:spPr>
-        <p:txBody>
-          <a:bodyPr>
-            <a:normAutofit fontScale="92500" lnSpcReduction="10000"/>
-          </a:bodyPr>
-          <a:lstStyle/>
-          <a:p>
-            <a:pPr marL="0" indent="0">
-              <a:buNone/>
-            </a:pPr>
-            <a:endParaRPr lang="en-US" sz="2000" dirty="0"/>
-          </a:p>
-          <a:p>
-            <a:r>
-              <a:rPr lang="en-US" sz="2000" dirty="0"/>
-              <a:t>Feature is </a:t>
-            </a:r>
-            <a:r>
-              <a:rPr lang="en-US" sz="2000" dirty="0" err="1"/>
-              <a:t>quality_group</a:t>
-            </a:r>
-            <a:r>
-              <a:rPr lang="en-US" sz="2000" dirty="0"/>
-              <a:t> </a:t>
-            </a:r>
-          </a:p>
-          <a:p>
-            <a:r>
-              <a:rPr lang="en-US" sz="2000" dirty="0"/>
-              <a:t>Good category is 86% of quality</a:t>
-            </a:r>
-          </a:p>
-          <a:p>
-            <a:pPr marL="0" indent="0">
-              <a:buNone/>
-            </a:pPr>
-            <a:r>
-              <a:rPr lang="en-US" sz="2000" dirty="0"/>
-              <a:t>    Around 29,000 wells are functioning </a:t>
-            </a:r>
-          </a:p>
-          <a:p>
-            <a:pPr marL="0" indent="0">
-              <a:buNone/>
-            </a:pPr>
-            <a:r>
-              <a:rPr lang="en-US" sz="2000" dirty="0"/>
-              <a:t>    Almost 18,000 non-functioning</a:t>
-            </a:r>
-          </a:p>
-          <a:p>
-            <a:pPr marL="0" indent="0">
-              <a:buNone/>
-            </a:pPr>
-            <a:r>
-              <a:rPr lang="en-US" sz="2000" dirty="0"/>
-              <a:t>    Around 4,000 need repairs.</a:t>
-            </a:r>
-          </a:p>
-          <a:p>
-            <a:r>
-              <a:rPr lang="en-US" sz="2000" dirty="0"/>
-              <a:t>Salty is 9% of feature.</a:t>
-            </a:r>
-          </a:p>
-          <a:p>
-            <a:pPr marL="0" indent="0">
-              <a:buNone/>
-            </a:pPr>
-            <a:r>
-              <a:rPr lang="en-US" sz="2000" dirty="0"/>
-              <a:t>     Around 2,500 wells functioning</a:t>
-            </a:r>
-          </a:p>
-          <a:p>
-            <a:pPr marL="0" indent="0">
-              <a:buNone/>
-            </a:pPr>
-            <a:r>
-              <a:rPr lang="en-US" sz="2000" dirty="0"/>
-              <a:t>     Around 2,500 non-functioning</a:t>
-            </a:r>
-          </a:p>
-          <a:p>
-            <a:pPr marL="0" indent="0">
-              <a:buNone/>
-            </a:pPr>
-            <a:r>
-              <a:rPr lang="en-US" sz="2000" dirty="0"/>
-              <a:t>     500 need repairs</a:t>
-            </a:r>
-          </a:p>
-          <a:p>
-            <a:r>
-              <a:rPr lang="en-US" sz="2000" dirty="0"/>
-              <a:t>Milky is 1% of feature.</a:t>
-            </a:r>
-          </a:p>
-          <a:p>
-            <a:pPr marL="0" indent="0">
-              <a:buNone/>
-            </a:pPr>
-            <a:r>
-              <a:rPr lang="en-US" sz="2000" dirty="0"/>
-              <a:t>    </a:t>
-            </a:r>
-          </a:p>
-        </p:txBody>
-      </p:sp>
-      <p:pic>
-        <p:nvPicPr>
-          <p:cNvPr id="5" name="Picture 4" descr="Chart, bar chart&#10;&#10;Description automatically generated">
-            <a:extLst>
-              <a:ext uri="{FF2B5EF4-FFF2-40B4-BE49-F238E27FC236}">
-                <a16:creationId xmlns:a16="http://schemas.microsoft.com/office/drawing/2014/main" id="{DFAEDC42-CE18-454B-B9EA-F736E6DBE6F7}"/>
-              </a:ext>
-            </a:extLst>
-          </p:cNvPr>
-          <p:cNvPicPr>
-            <a:picLocks noChangeAspect="1"/>
-          </p:cNvPicPr>
-          <p:nvPr/>
-        </p:nvPicPr>
-        <p:blipFill>
-          <a:blip r:embed="rId2"/>
-          <a:stretch>
-            <a:fillRect/>
-          </a:stretch>
-        </p:blipFill>
-        <p:spPr>
-          <a:xfrm>
-            <a:off x="4990974" y="1333499"/>
-            <a:ext cx="5091488" cy="4453689"/>
-          </a:xfrm>
-          <a:prstGeom prst="rect">
-            <a:avLst/>
-          </a:prstGeom>
-        </p:spPr>
-      </p:pic>
-    </p:spTree>
-    <p:extLst>
-      <p:ext uri="{BB962C8B-B14F-4D97-AF65-F5344CB8AC3E}">
-        <p14:creationId xmlns:p14="http://schemas.microsoft.com/office/powerpoint/2010/main" val="1820099419"/>
-      </p:ext>
-    </p:extLst>
-  </p:cSld>
-  <p:clrMapOvr>
-    <a:masterClrMapping/>
-  </p:clrMapOvr>
-</p:sld>
-</file>
-
-<file path=ppt/slides/slide14.xml><?xml version="1.0" encoding="utf-8"?>
-<p:sld xmlns:a="http://schemas.openxmlformats.org/drawingml/2006/main" xmlns:r="http://schemas.openxmlformats.org/officeDocument/2006/relationships" xmlns:p="http://schemas.openxmlformats.org/presentationml/2006/main">
-  <p:cSld>
-    <p:spTree>
-      <p:nvGrpSpPr>
-        <p:cNvPr id="1" name=""/>
-        <p:cNvGrpSpPr/>
-        <p:nvPr/>
-      </p:nvGrpSpPr>
-      <p:grpSpPr>
-        <a:xfrm>
-          <a:off x="0" y="0"/>
-          <a:ext cx="0" cy="0"/>
-          <a:chOff x="0" y="0"/>
-          <a:chExt cx="0" cy="0"/>
-        </a:xfrm>
-      </p:grpSpPr>
       <p:sp>
         <p:nvSpPr>
           <p:cNvPr id="2" name="Title 1">
@@ -6450,7 +5928,7 @@
 </p:sld>
 </file>
 
-<file path=ppt/slides/slide15.xml><?xml version="1.0" encoding="utf-8"?>
+<file path=ppt/slides/slide12.xml><?xml version="1.0" encoding="utf-8"?>
 <p:sld xmlns:a="http://schemas.openxmlformats.org/drawingml/2006/main" xmlns:r="http://schemas.openxmlformats.org/officeDocument/2006/relationships" xmlns:p="http://schemas.openxmlformats.org/presentationml/2006/main">
   <p:cSld>
     <p:spTree>
@@ -6621,13 +6099,21 @@
           <a:p>
             <a:r>
               <a:rPr lang="en-US" dirty="0"/>
-              <a:t>The International Water Development Agency  has asked me to analyze existing data regarding operating status of water wells in Tanzania.  </a:t>
+              <a:t>The International Water Development Agency asked me to analyze existing data regarding operating status of water points in Tanzania.  </a:t>
             </a:r>
           </a:p>
           <a:p>
             <a:r>
               <a:rPr lang="en-US" dirty="0"/>
-              <a:t>Task is to create classification models  to predict the operating status of water wells based on features whether they are functioning, non-functioning, or functioning but requiring repairs.  This is a multi-class classification model. </a:t>
+              <a:t>Task is to create classification models  to predict the operating status of water </a:t>
+            </a:r>
+            <a:r>
+              <a:rPr lang="en-US" dirty="0" err="1"/>
+              <a:t>pointss</a:t>
+            </a:r>
+            <a:r>
+              <a:rPr lang="en-US" dirty="0"/>
+              <a:t> based on features whether they are functioning, non-functioning, or functioning but requiring repairs.  This is a multi-class classification model. </a:t>
             </a:r>
           </a:p>
           <a:p>
@@ -7290,7 +6776,7 @@
           <a:p>
             <a:r>
               <a:rPr lang="en-US" sz="2000" dirty="0"/>
-              <a:t>Ranks factors that had impact on predicting operation status </a:t>
+              <a:t>Ranks impact features had on predicting operation status </a:t>
             </a:r>
           </a:p>
           <a:p>
@@ -8160,7 +7646,7 @@
             </a:pPr>
             <a:r>
               <a:rPr lang="en-US" sz="2000" dirty="0"/>
-              <a:t>    Around 6,000 non-functioning</a:t>
+              <a:t>    Around 8,000 non-functioning</a:t>
             </a:r>
           </a:p>
           <a:p>
@@ -8169,13 +7655,8 @@
             </a:pPr>
             <a:r>
               <a:rPr lang="en-US" sz="2000" dirty="0"/>
-              <a:t>    Few </a:t>
-            </a:r>
-            <a:r>
-              <a:rPr lang="en-US" sz="2000" dirty="0" err="1"/>
-              <a:t>functioing</a:t>
-            </a:r>
-            <a:endParaRPr lang="en-US" sz="2000" dirty="0"/>
+              <a:t>    Few functioning</a:t>
+            </a:r>
           </a:p>
         </p:txBody>
       </p:sp>
